--- a/presentation.pptx
+++ b/presentation.pptx
@@ -4,15 +4,23 @@
   <p:sldMasterIdLst>
     <p:sldMasterId id="2147483660" r:id="rId1"/>
   </p:sldMasterIdLst>
+  <p:notesMasterIdLst>
+    <p:notesMasterId r:id="rId15"/>
+  </p:notesMasterIdLst>
   <p:sldIdLst>
     <p:sldId id="256" r:id="rId2"/>
-    <p:sldId id="257" r:id="rId3"/>
-    <p:sldId id="258" r:id="rId4"/>
-    <p:sldId id="259" r:id="rId5"/>
-    <p:sldId id="260" r:id="rId6"/>
-    <p:sldId id="261" r:id="rId7"/>
-    <p:sldId id="262" r:id="rId8"/>
-    <p:sldId id="263" r:id="rId9"/>
+    <p:sldId id="265" r:id="rId3"/>
+    <p:sldId id="268" r:id="rId4"/>
+    <p:sldId id="267" r:id="rId5"/>
+    <p:sldId id="266" r:id="rId6"/>
+    <p:sldId id="257" r:id="rId7"/>
+    <p:sldId id="258" r:id="rId8"/>
+    <p:sldId id="260" r:id="rId9"/>
+    <p:sldId id="259" r:id="rId10"/>
+    <p:sldId id="261" r:id="rId11"/>
+    <p:sldId id="262" r:id="rId12"/>
+    <p:sldId id="263" r:id="rId13"/>
+    <p:sldId id="269" r:id="rId14"/>
   </p:sldIdLst>
   <p:sldSz cx="12192000" cy="6858000"/>
   <p:notesSz cx="6858000" cy="9144000"/>
@@ -111,7 +119,1149 @@
       </a:defRPr>
     </a:lvl9pPr>
   </p:defaultTextStyle>
+  <p:extLst>
+    <p:ext uri="{EFAFB233-063F-42B5-8137-9DF3F51BA10A}">
+      <p15:sldGuideLst xmlns:p15="http://schemas.microsoft.com/office/powerpoint/2012/main"/>
+    </p:ext>
+  </p:extLst>
 </p:presentation>
+</file>
+
+<file path=ppt/notesMasters/notesMaster1.xml><?xml version="1.0" encoding="utf-8"?>
+<p:notesMaster xmlns:a="http://schemas.openxmlformats.org/drawingml/2006/main" xmlns:r="http://schemas.openxmlformats.org/officeDocument/2006/relationships" xmlns:p="http://schemas.openxmlformats.org/presentationml/2006/main">
+  <p:cSld>
+    <p:bg>
+      <p:bgRef idx="1001">
+        <a:schemeClr val="bg1"/>
+      </p:bgRef>
+    </p:bg>
+    <p:spTree>
+      <p:nvGrpSpPr>
+        <p:cNvPr id="1" name=""/>
+        <p:cNvGrpSpPr/>
+        <p:nvPr/>
+      </p:nvGrpSpPr>
+      <p:grpSpPr>
+        <a:xfrm>
+          <a:off x="0" y="0"/>
+          <a:ext cx="0" cy="0"/>
+          <a:chOff x="0" y="0"/>
+          <a:chExt cx="0" cy="0"/>
+        </a:xfrm>
+      </p:grpSpPr>
+      <p:sp>
+        <p:nvSpPr>
+          <p:cNvPr id="2" name="Header Placeholder 1"/>
+          <p:cNvSpPr>
+            <a:spLocks noGrp="1"/>
+          </p:cNvSpPr>
+          <p:nvPr>
+            <p:ph type="hdr" sz="quarter"/>
+          </p:nvPr>
+        </p:nvSpPr>
+        <p:spPr>
+          <a:xfrm>
+            <a:off x="0" y="0"/>
+            <a:ext cx="2971800" cy="458788"/>
+          </a:xfrm>
+          <a:prstGeom prst="rect">
+            <a:avLst/>
+          </a:prstGeom>
+        </p:spPr>
+        <p:txBody>
+          <a:bodyPr vert="horz" lIns="91440" tIns="45720" rIns="91440" bIns="45720" rtlCol="0"/>
+          <a:lstStyle>
+            <a:lvl1pPr algn="l">
+              <a:defRPr sz="1200"/>
+            </a:lvl1pPr>
+          </a:lstStyle>
+          <a:p>
+            <a:endParaRPr lang="en-GB"/>
+          </a:p>
+        </p:txBody>
+      </p:sp>
+      <p:sp>
+        <p:nvSpPr>
+          <p:cNvPr id="3" name="Date Placeholder 2"/>
+          <p:cNvSpPr>
+            <a:spLocks noGrp="1"/>
+          </p:cNvSpPr>
+          <p:nvPr>
+            <p:ph type="dt" idx="1"/>
+          </p:nvPr>
+        </p:nvSpPr>
+        <p:spPr>
+          <a:xfrm>
+            <a:off x="3884613" y="0"/>
+            <a:ext cx="2971800" cy="458788"/>
+          </a:xfrm>
+          <a:prstGeom prst="rect">
+            <a:avLst/>
+          </a:prstGeom>
+        </p:spPr>
+        <p:txBody>
+          <a:bodyPr vert="horz" lIns="91440" tIns="45720" rIns="91440" bIns="45720" rtlCol="0"/>
+          <a:lstStyle>
+            <a:lvl1pPr algn="r">
+              <a:defRPr sz="1200"/>
+            </a:lvl1pPr>
+          </a:lstStyle>
+          <a:p>
+            <a:fld id="{0A1C5BC1-62E7-4DE3-8A72-96E2244D6714}" type="datetimeFigureOut">
+              <a:rPr lang="en-GB" smtClean="0"/>
+              <a:t>11/08/2024</a:t>
+            </a:fld>
+            <a:endParaRPr lang="en-GB"/>
+          </a:p>
+        </p:txBody>
+      </p:sp>
+      <p:sp>
+        <p:nvSpPr>
+          <p:cNvPr id="4" name="Slide Image Placeholder 3"/>
+          <p:cNvSpPr>
+            <a:spLocks noGrp="1" noRot="1" noChangeAspect="1"/>
+          </p:cNvSpPr>
+          <p:nvPr>
+            <p:ph type="sldImg" idx="2"/>
+          </p:nvPr>
+        </p:nvSpPr>
+        <p:spPr>
+          <a:xfrm>
+            <a:off x="685800" y="1143000"/>
+            <a:ext cx="5486400" cy="3086100"/>
+          </a:xfrm>
+          <a:prstGeom prst="rect">
+            <a:avLst/>
+          </a:prstGeom>
+          <a:noFill/>
+          <a:ln w="12700">
+            <a:solidFill>
+              <a:prstClr val="black"/>
+            </a:solidFill>
+          </a:ln>
+        </p:spPr>
+        <p:txBody>
+          <a:bodyPr vert="horz" lIns="91440" tIns="45720" rIns="91440" bIns="45720" rtlCol="0" anchor="ctr"/>
+          <a:lstStyle/>
+          <a:p>
+            <a:endParaRPr lang="en-GB"/>
+          </a:p>
+        </p:txBody>
+      </p:sp>
+      <p:sp>
+        <p:nvSpPr>
+          <p:cNvPr id="5" name="Notes Placeholder 4"/>
+          <p:cNvSpPr>
+            <a:spLocks noGrp="1"/>
+          </p:cNvSpPr>
+          <p:nvPr>
+            <p:ph type="body" sz="quarter" idx="3"/>
+          </p:nvPr>
+        </p:nvSpPr>
+        <p:spPr>
+          <a:xfrm>
+            <a:off x="685800" y="4400550"/>
+            <a:ext cx="5486400" cy="3600450"/>
+          </a:xfrm>
+          <a:prstGeom prst="rect">
+            <a:avLst/>
+          </a:prstGeom>
+        </p:spPr>
+        <p:txBody>
+          <a:bodyPr vert="horz" lIns="91440" tIns="45720" rIns="91440" bIns="45720" rtlCol="0"/>
+          <a:lstStyle/>
+          <a:p>
+            <a:pPr lvl="0"/>
+            <a:r>
+              <a:rPr lang="en-US"/>
+              <a:t>Click to edit Master text styles</a:t>
+            </a:r>
+          </a:p>
+          <a:p>
+            <a:pPr lvl="1"/>
+            <a:r>
+              <a:rPr lang="en-US"/>
+              <a:t>Second level</a:t>
+            </a:r>
+          </a:p>
+          <a:p>
+            <a:pPr lvl="2"/>
+            <a:r>
+              <a:rPr lang="en-US"/>
+              <a:t>Third level</a:t>
+            </a:r>
+          </a:p>
+          <a:p>
+            <a:pPr lvl="3"/>
+            <a:r>
+              <a:rPr lang="en-US"/>
+              <a:t>Fourth level</a:t>
+            </a:r>
+          </a:p>
+          <a:p>
+            <a:pPr lvl="4"/>
+            <a:r>
+              <a:rPr lang="en-US"/>
+              <a:t>Fifth level</a:t>
+            </a:r>
+            <a:endParaRPr lang="en-GB"/>
+          </a:p>
+        </p:txBody>
+      </p:sp>
+      <p:sp>
+        <p:nvSpPr>
+          <p:cNvPr id="6" name="Footer Placeholder 5"/>
+          <p:cNvSpPr>
+            <a:spLocks noGrp="1"/>
+          </p:cNvSpPr>
+          <p:nvPr>
+            <p:ph type="ftr" sz="quarter" idx="4"/>
+          </p:nvPr>
+        </p:nvSpPr>
+        <p:spPr>
+          <a:xfrm>
+            <a:off x="0" y="8685213"/>
+            <a:ext cx="2971800" cy="458787"/>
+          </a:xfrm>
+          <a:prstGeom prst="rect">
+            <a:avLst/>
+          </a:prstGeom>
+        </p:spPr>
+        <p:txBody>
+          <a:bodyPr vert="horz" lIns="91440" tIns="45720" rIns="91440" bIns="45720" rtlCol="0" anchor="b"/>
+          <a:lstStyle>
+            <a:lvl1pPr algn="l">
+              <a:defRPr sz="1200"/>
+            </a:lvl1pPr>
+          </a:lstStyle>
+          <a:p>
+            <a:endParaRPr lang="en-GB"/>
+          </a:p>
+        </p:txBody>
+      </p:sp>
+      <p:sp>
+        <p:nvSpPr>
+          <p:cNvPr id="7" name="Slide Number Placeholder 6"/>
+          <p:cNvSpPr>
+            <a:spLocks noGrp="1"/>
+          </p:cNvSpPr>
+          <p:nvPr>
+            <p:ph type="sldNum" sz="quarter" idx="5"/>
+          </p:nvPr>
+        </p:nvSpPr>
+        <p:spPr>
+          <a:xfrm>
+            <a:off x="3884613" y="8685213"/>
+            <a:ext cx="2971800" cy="458787"/>
+          </a:xfrm>
+          <a:prstGeom prst="rect">
+            <a:avLst/>
+          </a:prstGeom>
+        </p:spPr>
+        <p:txBody>
+          <a:bodyPr vert="horz" lIns="91440" tIns="45720" rIns="91440" bIns="45720" rtlCol="0" anchor="b"/>
+          <a:lstStyle>
+            <a:lvl1pPr algn="r">
+              <a:defRPr sz="1200"/>
+            </a:lvl1pPr>
+          </a:lstStyle>
+          <a:p>
+            <a:fld id="{D0F0F4D0-0B68-4909-BD31-E8D75B6D4844}" type="slidenum">
+              <a:rPr lang="en-GB" smtClean="0"/>
+              <a:t>‹#›</a:t>
+            </a:fld>
+            <a:endParaRPr lang="en-GB"/>
+          </a:p>
+        </p:txBody>
+      </p:sp>
+    </p:spTree>
+    <p:extLst>
+      <p:ext uri="{BB962C8B-B14F-4D97-AF65-F5344CB8AC3E}">
+        <p14:creationId xmlns:p14="http://schemas.microsoft.com/office/powerpoint/2010/main" val="198207263"/>
+      </p:ext>
+    </p:extLst>
+  </p:cSld>
+  <p:clrMap bg1="lt1" tx1="dk1" bg2="lt2" tx2="dk2" accent1="accent1" accent2="accent2" accent3="accent3" accent4="accent4" accent5="accent5" accent6="accent6" hlink="hlink" folHlink="folHlink"/>
+  <p:notesStyle>
+    <a:lvl1pPr marL="0" algn="l" defTabSz="914400" rtl="0" eaLnBrk="1" latinLnBrk="0" hangingPunct="1">
+      <a:defRPr sz="1200" kern="1200">
+        <a:solidFill>
+          <a:schemeClr val="tx1"/>
+        </a:solidFill>
+        <a:latin typeface="+mn-lt"/>
+        <a:ea typeface="+mn-ea"/>
+        <a:cs typeface="+mn-cs"/>
+      </a:defRPr>
+    </a:lvl1pPr>
+    <a:lvl2pPr marL="457200" algn="l" defTabSz="914400" rtl="0" eaLnBrk="1" latinLnBrk="0" hangingPunct="1">
+      <a:defRPr sz="1200" kern="1200">
+        <a:solidFill>
+          <a:schemeClr val="tx1"/>
+        </a:solidFill>
+        <a:latin typeface="+mn-lt"/>
+        <a:ea typeface="+mn-ea"/>
+        <a:cs typeface="+mn-cs"/>
+      </a:defRPr>
+    </a:lvl2pPr>
+    <a:lvl3pPr marL="914400" algn="l" defTabSz="914400" rtl="0" eaLnBrk="1" latinLnBrk="0" hangingPunct="1">
+      <a:defRPr sz="1200" kern="1200">
+        <a:solidFill>
+          <a:schemeClr val="tx1"/>
+        </a:solidFill>
+        <a:latin typeface="+mn-lt"/>
+        <a:ea typeface="+mn-ea"/>
+        <a:cs typeface="+mn-cs"/>
+      </a:defRPr>
+    </a:lvl3pPr>
+    <a:lvl4pPr marL="1371600" algn="l" defTabSz="914400" rtl="0" eaLnBrk="1" latinLnBrk="0" hangingPunct="1">
+      <a:defRPr sz="1200" kern="1200">
+        <a:solidFill>
+          <a:schemeClr val="tx1"/>
+        </a:solidFill>
+        <a:latin typeface="+mn-lt"/>
+        <a:ea typeface="+mn-ea"/>
+        <a:cs typeface="+mn-cs"/>
+      </a:defRPr>
+    </a:lvl4pPr>
+    <a:lvl5pPr marL="1828800" algn="l" defTabSz="914400" rtl="0" eaLnBrk="1" latinLnBrk="0" hangingPunct="1">
+      <a:defRPr sz="1200" kern="1200">
+        <a:solidFill>
+          <a:schemeClr val="tx1"/>
+        </a:solidFill>
+        <a:latin typeface="+mn-lt"/>
+        <a:ea typeface="+mn-ea"/>
+        <a:cs typeface="+mn-cs"/>
+      </a:defRPr>
+    </a:lvl5pPr>
+    <a:lvl6pPr marL="2286000" algn="l" defTabSz="914400" rtl="0" eaLnBrk="1" latinLnBrk="0" hangingPunct="1">
+      <a:defRPr sz="1200" kern="1200">
+        <a:solidFill>
+          <a:schemeClr val="tx1"/>
+        </a:solidFill>
+        <a:latin typeface="+mn-lt"/>
+        <a:ea typeface="+mn-ea"/>
+        <a:cs typeface="+mn-cs"/>
+      </a:defRPr>
+    </a:lvl6pPr>
+    <a:lvl7pPr marL="2743200" algn="l" defTabSz="914400" rtl="0" eaLnBrk="1" latinLnBrk="0" hangingPunct="1">
+      <a:defRPr sz="1200" kern="1200">
+        <a:solidFill>
+          <a:schemeClr val="tx1"/>
+        </a:solidFill>
+        <a:latin typeface="+mn-lt"/>
+        <a:ea typeface="+mn-ea"/>
+        <a:cs typeface="+mn-cs"/>
+      </a:defRPr>
+    </a:lvl7pPr>
+    <a:lvl8pPr marL="3200400" algn="l" defTabSz="914400" rtl="0" eaLnBrk="1" latinLnBrk="0" hangingPunct="1">
+      <a:defRPr sz="1200" kern="1200">
+        <a:solidFill>
+          <a:schemeClr val="tx1"/>
+        </a:solidFill>
+        <a:latin typeface="+mn-lt"/>
+        <a:ea typeface="+mn-ea"/>
+        <a:cs typeface="+mn-cs"/>
+      </a:defRPr>
+    </a:lvl8pPr>
+    <a:lvl9pPr marL="3657600" algn="l" defTabSz="914400" rtl="0" eaLnBrk="1" latinLnBrk="0" hangingPunct="1">
+      <a:defRPr sz="1200" kern="1200">
+        <a:solidFill>
+          <a:schemeClr val="tx1"/>
+        </a:solidFill>
+        <a:latin typeface="+mn-lt"/>
+        <a:ea typeface="+mn-ea"/>
+        <a:cs typeface="+mn-cs"/>
+      </a:defRPr>
+    </a:lvl9pPr>
+  </p:notesStyle>
+</p:notesMaster>
+</file>
+
+<file path=ppt/notesSlides/notesSlide1.xml><?xml version="1.0" encoding="utf-8"?>
+<p:notes xmlns:a="http://schemas.openxmlformats.org/drawingml/2006/main" xmlns:r="http://schemas.openxmlformats.org/officeDocument/2006/relationships" xmlns:p="http://schemas.openxmlformats.org/presentationml/2006/main">
+  <p:cSld>
+    <p:spTree>
+      <p:nvGrpSpPr>
+        <p:cNvPr id="1" name=""/>
+        <p:cNvGrpSpPr/>
+        <p:nvPr/>
+      </p:nvGrpSpPr>
+      <p:grpSpPr>
+        <a:xfrm>
+          <a:off x="0" y="0"/>
+          <a:ext cx="0" cy="0"/>
+          <a:chOff x="0" y="0"/>
+          <a:chExt cx="0" cy="0"/>
+        </a:xfrm>
+      </p:grpSpPr>
+      <p:sp>
+        <p:nvSpPr>
+          <p:cNvPr id="2" name="Slide Image Placeholder 1"/>
+          <p:cNvSpPr>
+            <a:spLocks noGrp="1" noRot="1" noChangeAspect="1"/>
+          </p:cNvSpPr>
+          <p:nvPr>
+            <p:ph type="sldImg"/>
+          </p:nvPr>
+        </p:nvSpPr>
+        <p:spPr/>
+      </p:sp>
+      <p:sp>
+        <p:nvSpPr>
+          <p:cNvPr id="3" name="Notes Placeholder 2"/>
+          <p:cNvSpPr>
+            <a:spLocks noGrp="1"/>
+          </p:cNvSpPr>
+          <p:nvPr>
+            <p:ph type="body" idx="1"/>
+          </p:nvPr>
+        </p:nvSpPr>
+        <p:spPr/>
+        <p:txBody>
+          <a:bodyPr/>
+          <a:lstStyle/>
+          <a:p>
+            <a:r>
+              <a:rPr lang="en-US" dirty="0" err="1"/>
+              <a:t>Oiahsdiuoashduiasd</a:t>
+            </a:r>
+            <a:endParaRPr lang="en-US" dirty="0"/>
+          </a:p>
+          <a:p>
+            <a:r>
+              <a:rPr lang="en-US" dirty="0" err="1"/>
+              <a:t>Asdasdasd</a:t>
+            </a:r>
+            <a:endParaRPr lang="en-US" dirty="0"/>
+          </a:p>
+          <a:p>
+            <a:r>
+              <a:rPr lang="en-US" dirty="0" err="1"/>
+              <a:t>Asd</a:t>
+            </a:r>
+            <a:endParaRPr lang="en-US" dirty="0"/>
+          </a:p>
+          <a:p>
+            <a:r>
+              <a:rPr lang="en-US" dirty="0"/>
+              <a:t>Sa</a:t>
+            </a:r>
+          </a:p>
+          <a:p>
+            <a:r>
+              <a:rPr lang="en-US" dirty="0"/>
+              <a:t>Das</a:t>
+            </a:r>
+          </a:p>
+          <a:p>
+            <a:endParaRPr lang="en-GB" dirty="0"/>
+          </a:p>
+        </p:txBody>
+      </p:sp>
+      <p:sp>
+        <p:nvSpPr>
+          <p:cNvPr id="4" name="Slide Number Placeholder 3"/>
+          <p:cNvSpPr>
+            <a:spLocks noGrp="1"/>
+          </p:cNvSpPr>
+          <p:nvPr>
+            <p:ph type="sldNum" sz="quarter" idx="5"/>
+          </p:nvPr>
+        </p:nvSpPr>
+        <p:spPr/>
+        <p:txBody>
+          <a:bodyPr/>
+          <a:lstStyle/>
+          <a:p>
+            <a:fld id="{D0F0F4D0-0B68-4909-BD31-E8D75B6D4844}" type="slidenum">
+              <a:rPr lang="en-GB" smtClean="0"/>
+              <a:t>1</a:t>
+            </a:fld>
+            <a:endParaRPr lang="en-GB"/>
+          </a:p>
+        </p:txBody>
+      </p:sp>
+    </p:spTree>
+    <p:extLst>
+      <p:ext uri="{BB962C8B-B14F-4D97-AF65-F5344CB8AC3E}">
+        <p14:creationId xmlns:p14="http://schemas.microsoft.com/office/powerpoint/2010/main" val="703943381"/>
+      </p:ext>
+    </p:extLst>
+  </p:cSld>
+  <p:clrMapOvr>
+    <a:masterClrMapping/>
+  </p:clrMapOvr>
+</p:notes>
+</file>
+
+<file path=ppt/notesSlides/notesSlide2.xml><?xml version="1.0" encoding="utf-8"?>
+<p:notes xmlns:a="http://schemas.openxmlformats.org/drawingml/2006/main" xmlns:r="http://schemas.openxmlformats.org/officeDocument/2006/relationships" xmlns:p="http://schemas.openxmlformats.org/presentationml/2006/main">
+  <p:cSld>
+    <p:spTree>
+      <p:nvGrpSpPr>
+        <p:cNvPr id="1" name=""/>
+        <p:cNvGrpSpPr/>
+        <p:nvPr/>
+      </p:nvGrpSpPr>
+      <p:grpSpPr>
+        <a:xfrm>
+          <a:off x="0" y="0"/>
+          <a:ext cx="0" cy="0"/>
+          <a:chOff x="0" y="0"/>
+          <a:chExt cx="0" cy="0"/>
+        </a:xfrm>
+      </p:grpSpPr>
+      <p:sp>
+        <p:nvSpPr>
+          <p:cNvPr id="2" name="Slide Image Placeholder 1"/>
+          <p:cNvSpPr>
+            <a:spLocks noGrp="1" noRot="1" noChangeAspect="1"/>
+          </p:cNvSpPr>
+          <p:nvPr>
+            <p:ph type="sldImg"/>
+          </p:nvPr>
+        </p:nvSpPr>
+        <p:spPr/>
+      </p:sp>
+      <p:sp>
+        <p:nvSpPr>
+          <p:cNvPr id="3" name="Notes Placeholder 2"/>
+          <p:cNvSpPr>
+            <a:spLocks noGrp="1"/>
+          </p:cNvSpPr>
+          <p:nvPr>
+            <p:ph type="body" idx="1"/>
+          </p:nvPr>
+        </p:nvSpPr>
+        <p:spPr/>
+        <p:txBody>
+          <a:bodyPr/>
+          <a:lstStyle/>
+          <a:p>
+            <a:pPr algn="r" rtl="1"/>
+            <a:r>
+              <a:rPr lang="en-US" b="0" u="sng" dirty="0"/>
+              <a:t>NP</a:t>
+            </a:r>
+            <a:r>
+              <a:rPr lang="he-IL" b="0" u="sng" dirty="0"/>
+              <a:t> קשה:</a:t>
+            </a:r>
+          </a:p>
+          <a:p>
+            <a:pPr algn="r" rtl="1"/>
+            <a:r>
+              <a:rPr lang="he-IL" b="0" u="none" dirty="0"/>
+              <a:t>רדוקציה מ </a:t>
+            </a:r>
+            <a:r>
+              <a:rPr lang="en-US" b="0" u="none" dirty="0"/>
+              <a:t>partition</a:t>
+            </a:r>
+            <a:r>
+              <a:rPr lang="he-IL" b="0" u="none" dirty="0"/>
+              <a:t> – בלי קדימויות</a:t>
+            </a:r>
+            <a:endParaRPr lang="en-GB" b="0" u="none" dirty="0"/>
+          </a:p>
+        </p:txBody>
+      </p:sp>
+      <p:sp>
+        <p:nvSpPr>
+          <p:cNvPr id="4" name="Slide Number Placeholder 3"/>
+          <p:cNvSpPr>
+            <a:spLocks noGrp="1"/>
+          </p:cNvSpPr>
+          <p:nvPr>
+            <p:ph type="sldNum" sz="quarter" idx="5"/>
+          </p:nvPr>
+        </p:nvSpPr>
+        <p:spPr/>
+        <p:txBody>
+          <a:bodyPr/>
+          <a:lstStyle/>
+          <a:p>
+            <a:fld id="{D0F0F4D0-0B68-4909-BD31-E8D75B6D4844}" type="slidenum">
+              <a:rPr lang="en-GB" smtClean="0"/>
+              <a:t>2</a:t>
+            </a:fld>
+            <a:endParaRPr lang="en-GB"/>
+          </a:p>
+        </p:txBody>
+      </p:sp>
+    </p:spTree>
+    <p:extLst>
+      <p:ext uri="{BB962C8B-B14F-4D97-AF65-F5344CB8AC3E}">
+        <p14:creationId xmlns:p14="http://schemas.microsoft.com/office/powerpoint/2010/main" val="2219503212"/>
+      </p:ext>
+    </p:extLst>
+  </p:cSld>
+  <p:clrMapOvr>
+    <a:masterClrMapping/>
+  </p:clrMapOvr>
+</p:notes>
+</file>
+
+<file path=ppt/notesSlides/notesSlide3.xml><?xml version="1.0" encoding="utf-8"?>
+<p:notes xmlns:a="http://schemas.openxmlformats.org/drawingml/2006/main" xmlns:r="http://schemas.openxmlformats.org/officeDocument/2006/relationships" xmlns:p="http://schemas.openxmlformats.org/presentationml/2006/main">
+  <p:cSld>
+    <p:spTree>
+      <p:nvGrpSpPr>
+        <p:cNvPr id="1" name=""/>
+        <p:cNvGrpSpPr/>
+        <p:nvPr/>
+      </p:nvGrpSpPr>
+      <p:grpSpPr>
+        <a:xfrm>
+          <a:off x="0" y="0"/>
+          <a:ext cx="0" cy="0"/>
+          <a:chOff x="0" y="0"/>
+          <a:chExt cx="0" cy="0"/>
+        </a:xfrm>
+      </p:grpSpPr>
+      <p:sp>
+        <p:nvSpPr>
+          <p:cNvPr id="2" name="Slide Image Placeholder 1"/>
+          <p:cNvSpPr>
+            <a:spLocks noGrp="1" noRot="1" noChangeAspect="1"/>
+          </p:cNvSpPr>
+          <p:nvPr>
+            <p:ph type="sldImg"/>
+          </p:nvPr>
+        </p:nvSpPr>
+        <p:spPr/>
+      </p:sp>
+      <p:sp>
+        <p:nvSpPr>
+          <p:cNvPr id="3" name="Notes Placeholder 2"/>
+          <p:cNvSpPr>
+            <a:spLocks noGrp="1"/>
+          </p:cNvSpPr>
+          <p:nvPr>
+            <p:ph type="body" idx="1"/>
+          </p:nvPr>
+        </p:nvSpPr>
+        <p:spPr/>
+        <p:txBody>
+          <a:bodyPr/>
+          <a:lstStyle/>
+          <a:p>
+            <a:pPr algn="r" rtl="1"/>
+            <a:r>
+              <a:rPr lang="he-IL" b="1" dirty="0"/>
+              <a:t>רדוקציה</a:t>
+            </a:r>
+            <a:endParaRPr lang="he-IL" b="0" dirty="0"/>
+          </a:p>
+          <a:p>
+            <a:pPr algn="r" rtl="1"/>
+            <a:r>
+              <a:rPr lang="he-IL" b="0" dirty="0"/>
+              <a:t>מהבעיה הפשוטה -&gt; ל </a:t>
+            </a:r>
+            <a:r>
+              <a:rPr lang="en-US" b="0" dirty="0"/>
+              <a:t>partition</a:t>
+            </a:r>
+          </a:p>
+          <a:p>
+            <a:pPr algn="r" rtl="1"/>
+            <a:r>
+              <a:rPr lang="he-IL" b="0" dirty="0"/>
+              <a:t>מהבעיה שלנו -&gt; לבעיה הפשוטה</a:t>
+            </a:r>
+            <a:endParaRPr lang="en-GB" b="0" dirty="0"/>
+          </a:p>
+        </p:txBody>
+      </p:sp>
+      <p:sp>
+        <p:nvSpPr>
+          <p:cNvPr id="4" name="Slide Number Placeholder 3"/>
+          <p:cNvSpPr>
+            <a:spLocks noGrp="1"/>
+          </p:cNvSpPr>
+          <p:nvPr>
+            <p:ph type="sldNum" sz="quarter" idx="5"/>
+          </p:nvPr>
+        </p:nvSpPr>
+        <p:spPr/>
+        <p:txBody>
+          <a:bodyPr/>
+          <a:lstStyle/>
+          <a:p>
+            <a:fld id="{D0F0F4D0-0B68-4909-BD31-E8D75B6D4844}" type="slidenum">
+              <a:rPr lang="en-GB" smtClean="0"/>
+              <a:t>3</a:t>
+            </a:fld>
+            <a:endParaRPr lang="en-GB"/>
+          </a:p>
+        </p:txBody>
+      </p:sp>
+    </p:spTree>
+    <p:extLst>
+      <p:ext uri="{BB962C8B-B14F-4D97-AF65-F5344CB8AC3E}">
+        <p14:creationId xmlns:p14="http://schemas.microsoft.com/office/powerpoint/2010/main" val="3435329529"/>
+      </p:ext>
+    </p:extLst>
+  </p:cSld>
+  <p:clrMapOvr>
+    <a:masterClrMapping/>
+  </p:clrMapOvr>
+</p:notes>
+</file>
+
+<file path=ppt/notesSlides/notesSlide4.xml><?xml version="1.0" encoding="utf-8"?>
+<p:notes xmlns:a="http://schemas.openxmlformats.org/drawingml/2006/main" xmlns:r="http://schemas.openxmlformats.org/officeDocument/2006/relationships" xmlns:p="http://schemas.openxmlformats.org/presentationml/2006/main">
+  <p:cSld>
+    <p:spTree>
+      <p:nvGrpSpPr>
+        <p:cNvPr id="1" name=""/>
+        <p:cNvGrpSpPr/>
+        <p:nvPr/>
+      </p:nvGrpSpPr>
+      <p:grpSpPr>
+        <a:xfrm>
+          <a:off x="0" y="0"/>
+          <a:ext cx="0" cy="0"/>
+          <a:chOff x="0" y="0"/>
+          <a:chExt cx="0" cy="0"/>
+        </a:xfrm>
+      </p:grpSpPr>
+      <p:sp>
+        <p:nvSpPr>
+          <p:cNvPr id="2" name="Slide Image Placeholder 1"/>
+          <p:cNvSpPr>
+            <a:spLocks noGrp="1" noRot="1" noChangeAspect="1"/>
+          </p:cNvSpPr>
+          <p:nvPr>
+            <p:ph type="sldImg"/>
+          </p:nvPr>
+        </p:nvSpPr>
+        <p:spPr/>
+      </p:sp>
+      <p:sp>
+        <p:nvSpPr>
+          <p:cNvPr id="3" name="Notes Placeholder 2"/>
+          <p:cNvSpPr>
+            <a:spLocks noGrp="1"/>
+          </p:cNvSpPr>
+          <p:nvPr>
+            <p:ph type="body" idx="1"/>
+          </p:nvPr>
+        </p:nvSpPr>
+        <p:spPr/>
+        <p:txBody>
+          <a:bodyPr/>
+          <a:lstStyle/>
+          <a:p>
+            <a:pPr algn="r" rtl="1"/>
+            <a:r>
+              <a:rPr lang="he-IL" u="sng" dirty="0"/>
+              <a:t>מעבדים</a:t>
+            </a:r>
+            <a:r>
+              <a:rPr lang="he-IL" dirty="0"/>
+              <a:t>: </a:t>
+            </a:r>
+          </a:p>
+          <a:p>
+            <a:pPr algn="r" rtl="1"/>
+            <a:r>
+              <a:rPr lang="he-IL" b="1" dirty="0"/>
+              <a:t>1</a:t>
+            </a:r>
+          </a:p>
+          <a:p>
+            <a:pPr algn="r" rtl="1"/>
+            <a:r>
+              <a:rPr lang="en-US" b="1" dirty="0"/>
+              <a:t>P</a:t>
+            </a:r>
+            <a:r>
+              <a:rPr lang="he-IL" dirty="0"/>
+              <a:t> – מספר מעבדים מאותו סוג</a:t>
+            </a:r>
+          </a:p>
+          <a:p>
+            <a:pPr algn="r" rtl="1"/>
+            <a:r>
+              <a:rPr lang="en-US" b="1" dirty="0"/>
+              <a:t>R</a:t>
+            </a:r>
+            <a:r>
+              <a:rPr lang="he-IL" dirty="0"/>
+              <a:t> – זמן ריצה תלוי במעבד</a:t>
+            </a:r>
+          </a:p>
+          <a:p>
+            <a:pPr algn="r" rtl="1"/>
+            <a:endParaRPr lang="he-IL" dirty="0"/>
+          </a:p>
+          <a:p>
+            <a:pPr algn="r" rtl="1"/>
+            <a:r>
+              <a:rPr lang="he-IL" u="sng" dirty="0"/>
+              <a:t>אילוצים:</a:t>
+            </a:r>
+          </a:p>
+          <a:p>
+            <a:pPr algn="r" rtl="1"/>
+            <a:r>
+              <a:rPr lang="en-US" b="1" u="none" dirty="0"/>
+              <a:t>Release Time</a:t>
+            </a:r>
+            <a:r>
+              <a:rPr lang="he-IL" b="1" u="none" dirty="0"/>
+              <a:t> </a:t>
+            </a:r>
+            <a:r>
+              <a:rPr lang="he-IL" b="0" u="none" dirty="0"/>
+              <a:t>– משימות רצות אחרי מאורע שקורה</a:t>
+            </a:r>
+          </a:p>
+          <a:p>
+            <a:pPr algn="r" rtl="1"/>
+            <a:r>
+              <a:rPr lang="en-US" b="1" u="none" dirty="0"/>
+              <a:t>Due Date</a:t>
+            </a:r>
+            <a:r>
+              <a:rPr lang="he-IL" b="0" u="none" dirty="0"/>
+              <a:t> –זמן נתון קבוע מראש</a:t>
+            </a:r>
+          </a:p>
+          <a:p>
+            <a:pPr algn="r" rtl="1"/>
+            <a:endParaRPr lang="he-IL" b="0" u="none" dirty="0"/>
+          </a:p>
+          <a:p>
+            <a:pPr algn="r" rtl="1"/>
+            <a:r>
+              <a:rPr lang="he-IL" b="0" u="sng" dirty="0"/>
+              <a:t>מטרה:</a:t>
+            </a:r>
+          </a:p>
+          <a:p>
+            <a:pPr algn="r" rtl="1"/>
+            <a:r>
+              <a:rPr lang="en-US" b="1" u="none" dirty="0"/>
+              <a:t>T1</a:t>
+            </a:r>
+            <a:r>
+              <a:rPr lang="he-IL" b="0" u="none" dirty="0"/>
+              <a:t> – זמן הריצה אם היה רק מעבד אחד.</a:t>
+            </a:r>
+            <a:endParaRPr lang="he-IL" b="1" u="none" dirty="0"/>
+          </a:p>
+          <a:p>
+            <a:pPr algn="r" rtl="1"/>
+            <a:endParaRPr lang="he-IL" b="1" u="none" dirty="0"/>
+          </a:p>
+        </p:txBody>
+      </p:sp>
+      <p:sp>
+        <p:nvSpPr>
+          <p:cNvPr id="4" name="Slide Number Placeholder 3"/>
+          <p:cNvSpPr>
+            <a:spLocks noGrp="1"/>
+          </p:cNvSpPr>
+          <p:nvPr>
+            <p:ph type="sldNum" sz="quarter" idx="5"/>
+          </p:nvPr>
+        </p:nvSpPr>
+        <p:spPr/>
+        <p:txBody>
+          <a:bodyPr/>
+          <a:lstStyle/>
+          <a:p>
+            <a:fld id="{D0F0F4D0-0B68-4909-BD31-E8D75B6D4844}" type="slidenum">
+              <a:rPr lang="en-GB" smtClean="0"/>
+              <a:t>4</a:t>
+            </a:fld>
+            <a:endParaRPr lang="en-GB"/>
+          </a:p>
+        </p:txBody>
+      </p:sp>
+    </p:spTree>
+    <p:extLst>
+      <p:ext uri="{BB962C8B-B14F-4D97-AF65-F5344CB8AC3E}">
+        <p14:creationId xmlns:p14="http://schemas.microsoft.com/office/powerpoint/2010/main" val="1343949900"/>
+      </p:ext>
+    </p:extLst>
+  </p:cSld>
+  <p:clrMapOvr>
+    <a:masterClrMapping/>
+  </p:clrMapOvr>
+</p:notes>
+</file>
+
+<file path=ppt/notesSlides/notesSlide5.xml><?xml version="1.0" encoding="utf-8"?>
+<p:notes xmlns:a="http://schemas.openxmlformats.org/drawingml/2006/main" xmlns:r="http://schemas.openxmlformats.org/officeDocument/2006/relationships" xmlns:p="http://schemas.openxmlformats.org/presentationml/2006/main">
+  <p:cSld>
+    <p:spTree>
+      <p:nvGrpSpPr>
+        <p:cNvPr id="1" name=""/>
+        <p:cNvGrpSpPr/>
+        <p:nvPr/>
+      </p:nvGrpSpPr>
+      <p:grpSpPr>
+        <a:xfrm>
+          <a:off x="0" y="0"/>
+          <a:ext cx="0" cy="0"/>
+          <a:chOff x="0" y="0"/>
+          <a:chExt cx="0" cy="0"/>
+        </a:xfrm>
+      </p:grpSpPr>
+      <p:sp>
+        <p:nvSpPr>
+          <p:cNvPr id="2" name="Slide Image Placeholder 1"/>
+          <p:cNvSpPr>
+            <a:spLocks noGrp="1" noRot="1" noChangeAspect="1"/>
+          </p:cNvSpPr>
+          <p:nvPr>
+            <p:ph type="sldImg"/>
+          </p:nvPr>
+        </p:nvSpPr>
+        <p:spPr/>
+      </p:sp>
+      <p:sp>
+        <p:nvSpPr>
+          <p:cNvPr id="3" name="Notes Placeholder 2"/>
+          <p:cNvSpPr>
+            <a:spLocks noGrp="1"/>
+          </p:cNvSpPr>
+          <p:nvPr>
+            <p:ph type="body" idx="1"/>
+          </p:nvPr>
+        </p:nvSpPr>
+        <p:spPr/>
+        <p:txBody>
+          <a:bodyPr/>
+          <a:lstStyle/>
+          <a:p>
+            <a:endParaRPr lang="en-GB" dirty="0"/>
+          </a:p>
+        </p:txBody>
+      </p:sp>
+      <p:sp>
+        <p:nvSpPr>
+          <p:cNvPr id="4" name="Slide Number Placeholder 3"/>
+          <p:cNvSpPr>
+            <a:spLocks noGrp="1"/>
+          </p:cNvSpPr>
+          <p:nvPr>
+            <p:ph type="sldNum" sz="quarter" idx="5"/>
+          </p:nvPr>
+        </p:nvSpPr>
+        <p:spPr/>
+        <p:txBody>
+          <a:bodyPr/>
+          <a:lstStyle/>
+          <a:p>
+            <a:fld id="{D0F0F4D0-0B68-4909-BD31-E8D75B6D4844}" type="slidenum">
+              <a:rPr lang="en-GB" smtClean="0"/>
+              <a:t>5</a:t>
+            </a:fld>
+            <a:endParaRPr lang="en-GB"/>
+          </a:p>
+        </p:txBody>
+      </p:sp>
+    </p:spTree>
+    <p:extLst>
+      <p:ext uri="{BB962C8B-B14F-4D97-AF65-F5344CB8AC3E}">
+        <p14:creationId xmlns:p14="http://schemas.microsoft.com/office/powerpoint/2010/main" val="2528551087"/>
+      </p:ext>
+    </p:extLst>
+  </p:cSld>
+  <p:clrMapOvr>
+    <a:masterClrMapping/>
+  </p:clrMapOvr>
+</p:notes>
+</file>
+
+<file path=ppt/notesSlides/notesSlide6.xml><?xml version="1.0" encoding="utf-8"?>
+<p:notes xmlns:a="http://schemas.openxmlformats.org/drawingml/2006/main" xmlns:r="http://schemas.openxmlformats.org/officeDocument/2006/relationships" xmlns:p="http://schemas.openxmlformats.org/presentationml/2006/main">
+  <p:cSld>
+    <p:spTree>
+      <p:nvGrpSpPr>
+        <p:cNvPr id="1" name=""/>
+        <p:cNvGrpSpPr/>
+        <p:nvPr/>
+      </p:nvGrpSpPr>
+      <p:grpSpPr>
+        <a:xfrm>
+          <a:off x="0" y="0"/>
+          <a:ext cx="0" cy="0"/>
+          <a:chOff x="0" y="0"/>
+          <a:chExt cx="0" cy="0"/>
+        </a:xfrm>
+      </p:grpSpPr>
+      <p:sp>
+        <p:nvSpPr>
+          <p:cNvPr id="2" name="Slide Image Placeholder 1"/>
+          <p:cNvSpPr>
+            <a:spLocks noGrp="1" noRot="1" noChangeAspect="1"/>
+          </p:cNvSpPr>
+          <p:nvPr>
+            <p:ph type="sldImg"/>
+          </p:nvPr>
+        </p:nvSpPr>
+        <p:spPr/>
+      </p:sp>
+      <p:sp>
+        <p:nvSpPr>
+          <p:cNvPr id="3" name="Notes Placeholder 2"/>
+          <p:cNvSpPr>
+            <a:spLocks noGrp="1"/>
+          </p:cNvSpPr>
+          <p:nvPr>
+            <p:ph type="body" idx="1"/>
+          </p:nvPr>
+        </p:nvSpPr>
+        <p:spPr/>
+        <p:txBody>
+          <a:bodyPr/>
+          <a:lstStyle/>
+          <a:p>
+            <a:pPr algn="r" rtl="1"/>
+            <a:r>
+              <a:rPr lang="he-IL" dirty="0"/>
+              <a:t>כפי שהזכרנו – זמן המיון זניח</a:t>
+            </a:r>
+            <a:endParaRPr lang="en-GB" dirty="0"/>
+          </a:p>
+        </p:txBody>
+      </p:sp>
+      <p:sp>
+        <p:nvSpPr>
+          <p:cNvPr id="4" name="Slide Number Placeholder 3"/>
+          <p:cNvSpPr>
+            <a:spLocks noGrp="1"/>
+          </p:cNvSpPr>
+          <p:nvPr>
+            <p:ph type="sldNum" sz="quarter" idx="5"/>
+          </p:nvPr>
+        </p:nvSpPr>
+        <p:spPr/>
+        <p:txBody>
+          <a:bodyPr/>
+          <a:lstStyle/>
+          <a:p>
+            <a:fld id="{D0F0F4D0-0B68-4909-BD31-E8D75B6D4844}" type="slidenum">
+              <a:rPr lang="en-GB" smtClean="0"/>
+              <a:t>8</a:t>
+            </a:fld>
+            <a:endParaRPr lang="en-GB"/>
+          </a:p>
+        </p:txBody>
+      </p:sp>
+    </p:spTree>
+    <p:extLst>
+      <p:ext uri="{BB962C8B-B14F-4D97-AF65-F5344CB8AC3E}">
+        <p14:creationId xmlns:p14="http://schemas.microsoft.com/office/powerpoint/2010/main" val="3825709015"/>
+      </p:ext>
+    </p:extLst>
+  </p:cSld>
+  <p:clrMapOvr>
+    <a:masterClrMapping/>
+  </p:clrMapOvr>
+</p:notes>
+</file>
+
+<file path=ppt/notesSlides/notesSlide7.xml><?xml version="1.0" encoding="utf-8"?>
+<p:notes xmlns:a="http://schemas.openxmlformats.org/drawingml/2006/main" xmlns:r="http://schemas.openxmlformats.org/officeDocument/2006/relationships" xmlns:p="http://schemas.openxmlformats.org/presentationml/2006/main">
+  <p:cSld>
+    <p:spTree>
+      <p:nvGrpSpPr>
+        <p:cNvPr id="1" name=""/>
+        <p:cNvGrpSpPr/>
+        <p:nvPr/>
+      </p:nvGrpSpPr>
+      <p:grpSpPr>
+        <a:xfrm>
+          <a:off x="0" y="0"/>
+          <a:ext cx="0" cy="0"/>
+          <a:chOff x="0" y="0"/>
+          <a:chExt cx="0" cy="0"/>
+        </a:xfrm>
+      </p:grpSpPr>
+      <p:sp>
+        <p:nvSpPr>
+          <p:cNvPr id="2" name="Slide Image Placeholder 1"/>
+          <p:cNvSpPr>
+            <a:spLocks noGrp="1" noRot="1" noChangeAspect="1"/>
+          </p:cNvSpPr>
+          <p:nvPr>
+            <p:ph type="sldImg"/>
+          </p:nvPr>
+        </p:nvSpPr>
+        <p:spPr/>
+      </p:sp>
+      <p:sp>
+        <p:nvSpPr>
+          <p:cNvPr id="3" name="Notes Placeholder 2"/>
+          <p:cNvSpPr>
+            <a:spLocks noGrp="1"/>
+          </p:cNvSpPr>
+          <p:nvPr>
+            <p:ph type="body" idx="1"/>
+          </p:nvPr>
+        </p:nvSpPr>
+        <p:spPr/>
+        <p:txBody>
+          <a:bodyPr/>
+          <a:lstStyle/>
+          <a:p>
+            <a:pPr algn="r" rtl="1"/>
+            <a:r>
+              <a:rPr lang="he-IL" u="sng" dirty="0"/>
+              <a:t>תור דחוף ולא דחוף</a:t>
+            </a:r>
+            <a:endParaRPr lang="he-IL" b="1" u="sng" dirty="0"/>
+          </a:p>
+          <a:p>
+            <a:pPr algn="r" rtl="1"/>
+            <a:r>
+              <a:rPr lang="he-IL" b="0" u="none" dirty="0"/>
+              <a:t>בשביל ליישם את האלגוריתמים על החומרה</a:t>
+            </a:r>
+          </a:p>
+        </p:txBody>
+      </p:sp>
+      <p:sp>
+        <p:nvSpPr>
+          <p:cNvPr id="4" name="Slide Number Placeholder 3"/>
+          <p:cNvSpPr>
+            <a:spLocks noGrp="1"/>
+          </p:cNvSpPr>
+          <p:nvPr>
+            <p:ph type="sldNum" sz="quarter" idx="5"/>
+          </p:nvPr>
+        </p:nvSpPr>
+        <p:spPr/>
+        <p:txBody>
+          <a:bodyPr/>
+          <a:lstStyle/>
+          <a:p>
+            <a:fld id="{D0F0F4D0-0B68-4909-BD31-E8D75B6D4844}" type="slidenum">
+              <a:rPr lang="en-GB" smtClean="0"/>
+              <a:t>10</a:t>
+            </a:fld>
+            <a:endParaRPr lang="en-GB"/>
+          </a:p>
+        </p:txBody>
+      </p:sp>
+    </p:spTree>
+    <p:extLst>
+      <p:ext uri="{BB962C8B-B14F-4D97-AF65-F5344CB8AC3E}">
+        <p14:creationId xmlns:p14="http://schemas.microsoft.com/office/powerpoint/2010/main" val="3317854406"/>
+      </p:ext>
+    </p:extLst>
+  </p:cSld>
+  <p:clrMapOvr>
+    <a:masterClrMapping/>
+  </p:clrMapOvr>
+</p:notes>
 </file>
 
 <file path=ppt/slideLayouts/slideLayout1.xml><?xml version="1.0" encoding="utf-8"?>
@@ -299,7 +1449,7 @@
           <a:p>
             <a:fld id="{EC581497-C12D-4CF1-AD19-6B855D0A2A08}" type="datetimeFigureOut">
               <a:rPr lang="en-GB" smtClean="0"/>
-              <a:t>25/07/2024</a:t>
+              <a:t>11/08/2024</a:t>
             </a:fld>
             <a:endParaRPr lang="en-GB"/>
           </a:p>
@@ -597,7 +1747,7 @@
           <a:p>
             <a:fld id="{EC581497-C12D-4CF1-AD19-6B855D0A2A08}" type="datetimeFigureOut">
               <a:rPr lang="en-GB" smtClean="0"/>
-              <a:t>25/07/2024</a:t>
+              <a:t>11/08/2024</a:t>
             </a:fld>
             <a:endParaRPr lang="en-GB"/>
           </a:p>
@@ -789,7 +1939,7 @@
           <a:p>
             <a:fld id="{EC581497-C12D-4CF1-AD19-6B855D0A2A08}" type="datetimeFigureOut">
               <a:rPr lang="en-GB" smtClean="0"/>
-              <a:t>25/07/2024</a:t>
+              <a:t>11/08/2024</a:t>
             </a:fld>
             <a:endParaRPr lang="en-GB"/>
           </a:p>
@@ -1050,7 +2200,7 @@
           <a:p>
             <a:fld id="{EC581497-C12D-4CF1-AD19-6B855D0A2A08}" type="datetimeFigureOut">
               <a:rPr lang="en-GB" smtClean="0"/>
-              <a:t>25/07/2024</a:t>
+              <a:t>11/08/2024</a:t>
             </a:fld>
             <a:endParaRPr lang="en-GB"/>
           </a:p>
@@ -1474,7 +2624,7 @@
           <a:p>
             <a:fld id="{EC581497-C12D-4CF1-AD19-6B855D0A2A08}" type="datetimeFigureOut">
               <a:rPr lang="en-GB" smtClean="0"/>
-              <a:t>25/07/2024</a:t>
+              <a:t>11/08/2024</a:t>
             </a:fld>
             <a:endParaRPr lang="en-GB"/>
           </a:p>
@@ -2011,7 +3161,7 @@
           <a:p>
             <a:fld id="{EC581497-C12D-4CF1-AD19-6B855D0A2A08}" type="datetimeFigureOut">
               <a:rPr lang="en-GB" smtClean="0"/>
-              <a:t>25/07/2024</a:t>
+              <a:t>11/08/2024</a:t>
             </a:fld>
             <a:endParaRPr lang="en-GB"/>
           </a:p>
@@ -2875,7 +4025,7 @@
           <a:p>
             <a:fld id="{EC581497-C12D-4CF1-AD19-6B855D0A2A08}" type="datetimeFigureOut">
               <a:rPr lang="en-GB" smtClean="0"/>
-              <a:t>25/07/2024</a:t>
+              <a:t>11/08/2024</a:t>
             </a:fld>
             <a:endParaRPr lang="en-GB"/>
           </a:p>
@@ -3045,7 +4195,7 @@
           <a:p>
             <a:fld id="{EC581497-C12D-4CF1-AD19-6B855D0A2A08}" type="datetimeFigureOut">
               <a:rPr lang="en-GB" smtClean="0"/>
-              <a:t>25/07/2024</a:t>
+              <a:t>11/08/2024</a:t>
             </a:fld>
             <a:endParaRPr lang="en-GB"/>
           </a:p>
@@ -3229,7 +4379,7 @@
           <a:p>
             <a:fld id="{EC581497-C12D-4CF1-AD19-6B855D0A2A08}" type="datetimeFigureOut">
               <a:rPr lang="en-GB" smtClean="0"/>
-              <a:t>25/07/2024</a:t>
+              <a:t>11/08/2024</a:t>
             </a:fld>
             <a:endParaRPr lang="en-GB"/>
           </a:p>
@@ -3399,7 +4549,7 @@
           <a:p>
             <a:fld id="{EC581497-C12D-4CF1-AD19-6B855D0A2A08}" type="datetimeFigureOut">
               <a:rPr lang="en-GB" smtClean="0"/>
-              <a:t>25/07/2024</a:t>
+              <a:t>11/08/2024</a:t>
             </a:fld>
             <a:endParaRPr lang="en-GB"/>
           </a:p>
@@ -3643,7 +4793,7 @@
           <a:p>
             <a:fld id="{EC581497-C12D-4CF1-AD19-6B855D0A2A08}" type="datetimeFigureOut">
               <a:rPr lang="en-GB" smtClean="0"/>
-              <a:t>25/07/2024</a:t>
+              <a:t>11/08/2024</a:t>
             </a:fld>
             <a:endParaRPr lang="en-GB"/>
           </a:p>
@@ -3879,7 +5029,7 @@
           <a:p>
             <a:fld id="{EC581497-C12D-4CF1-AD19-6B855D0A2A08}" type="datetimeFigureOut">
               <a:rPr lang="en-GB" smtClean="0"/>
-              <a:t>25/07/2024</a:t>
+              <a:t>11/08/2024</a:t>
             </a:fld>
             <a:endParaRPr lang="en-GB"/>
           </a:p>
@@ -4345,7 +5495,7 @@
           <a:p>
             <a:fld id="{EC581497-C12D-4CF1-AD19-6B855D0A2A08}" type="datetimeFigureOut">
               <a:rPr lang="en-GB" smtClean="0"/>
-              <a:t>25/07/2024</a:t>
+              <a:t>11/08/2024</a:t>
             </a:fld>
             <a:endParaRPr lang="en-GB"/>
           </a:p>
@@ -4463,7 +5613,7 @@
           <a:p>
             <a:fld id="{EC581497-C12D-4CF1-AD19-6B855D0A2A08}" type="datetimeFigureOut">
               <a:rPr lang="en-GB" smtClean="0"/>
-              <a:t>25/07/2024</a:t>
+              <a:t>11/08/2024</a:t>
             </a:fld>
             <a:endParaRPr lang="en-GB"/>
           </a:p>
@@ -4558,7 +5708,7 @@
           <a:p>
             <a:fld id="{EC581497-C12D-4CF1-AD19-6B855D0A2A08}" type="datetimeFigureOut">
               <a:rPr lang="en-GB" smtClean="0"/>
-              <a:t>25/07/2024</a:t>
+              <a:t>11/08/2024</a:t>
             </a:fld>
             <a:endParaRPr lang="en-GB"/>
           </a:p>
@@ -4813,7 +5963,7 @@
           <a:p>
             <a:fld id="{EC581497-C12D-4CF1-AD19-6B855D0A2A08}" type="datetimeFigureOut">
               <a:rPr lang="en-GB" smtClean="0"/>
-              <a:t>25/07/2024</a:t>
+              <a:t>11/08/2024</a:t>
             </a:fld>
             <a:endParaRPr lang="en-GB"/>
           </a:p>
@@ -5113,7 +6263,7 @@
           <a:p>
             <a:fld id="{EC581497-C12D-4CF1-AD19-6B855D0A2A08}" type="datetimeFigureOut">
               <a:rPr lang="en-GB" smtClean="0"/>
-              <a:t>25/07/2024</a:t>
+              <a:t>11/08/2024</a:t>
             </a:fld>
             <a:endParaRPr lang="en-GB"/>
           </a:p>
@@ -5347,7 +6497,7 @@
           <a:p>
             <a:fld id="{EC581497-C12D-4CF1-AD19-6B855D0A2A08}" type="datetimeFigureOut">
               <a:rPr lang="en-GB" smtClean="0"/>
-              <a:t>25/07/2024</a:t>
+              <a:t>11/08/2024</a:t>
             </a:fld>
             <a:endParaRPr lang="en-GB"/>
           </a:p>
@@ -6128,6 +7278,800 @@
 </p:sld>
 </file>
 
+<file path=ppt/slides/slide10.xml><?xml version="1.0" encoding="utf-8"?>
+<p:sld xmlns:a="http://schemas.openxmlformats.org/drawingml/2006/main" xmlns:r="http://schemas.openxmlformats.org/officeDocument/2006/relationships" xmlns:p="http://schemas.openxmlformats.org/presentationml/2006/main">
+  <p:cSld>
+    <p:spTree>
+      <p:nvGrpSpPr>
+        <p:cNvPr id="1" name=""/>
+        <p:cNvGrpSpPr/>
+        <p:nvPr/>
+      </p:nvGrpSpPr>
+      <p:grpSpPr>
+        <a:xfrm>
+          <a:off x="0" y="0"/>
+          <a:ext cx="0" cy="0"/>
+          <a:chOff x="0" y="0"/>
+          <a:chExt cx="0" cy="0"/>
+        </a:xfrm>
+      </p:grpSpPr>
+      <p:sp>
+        <p:nvSpPr>
+          <p:cNvPr id="2" name="Title 1">
+            <a:extLst>
+              <a:ext uri="{FF2B5EF4-FFF2-40B4-BE49-F238E27FC236}">
+                <a16:creationId xmlns:a16="http://schemas.microsoft.com/office/drawing/2014/main" id="{CA294F8E-B24A-A53F-5EC6-25A1873D1A48}"/>
+              </a:ext>
+            </a:extLst>
+          </p:cNvPr>
+          <p:cNvSpPr>
+            <a:spLocks noGrp="1"/>
+          </p:cNvSpPr>
+          <p:nvPr>
+            <p:ph type="title"/>
+          </p:nvPr>
+        </p:nvSpPr>
+        <p:spPr>
+          <a:xfrm>
+            <a:off x="913796" y="204083"/>
+            <a:ext cx="10353762" cy="970450"/>
+          </a:xfrm>
+        </p:spPr>
+        <p:txBody>
+          <a:bodyPr>
+            <a:normAutofit/>
+          </a:bodyPr>
+          <a:lstStyle/>
+          <a:p>
+            <a:r>
+              <a:rPr lang="he-IL" sz="5400" dirty="0">
+                <a:solidFill>
+                  <a:schemeClr val="accent1">
+                    <a:lumMod val="60000"/>
+                    <a:lumOff val="40000"/>
+                  </a:schemeClr>
+                </a:solidFill>
+              </a:rPr>
+              <a:t>אלגוריתם מעשי</a:t>
+            </a:r>
+            <a:endParaRPr lang="en-GB" sz="5400" dirty="0">
+              <a:solidFill>
+                <a:schemeClr val="accent1">
+                  <a:lumMod val="60000"/>
+                  <a:lumOff val="40000"/>
+                </a:schemeClr>
+              </a:solidFill>
+            </a:endParaRPr>
+          </a:p>
+        </p:txBody>
+      </p:sp>
+      <p:sp>
+        <p:nvSpPr>
+          <p:cNvPr id="3" name="Content Placeholder 2">
+            <a:extLst>
+              <a:ext uri="{FF2B5EF4-FFF2-40B4-BE49-F238E27FC236}">
+                <a16:creationId xmlns:a16="http://schemas.microsoft.com/office/drawing/2014/main" id="{8C0B5B6C-33D9-D750-0DAE-62370F8CD93C}"/>
+              </a:ext>
+            </a:extLst>
+          </p:cNvPr>
+          <p:cNvSpPr>
+            <a:spLocks noGrp="1"/>
+          </p:cNvSpPr>
+          <p:nvPr>
+            <p:ph idx="1"/>
+          </p:nvPr>
+        </p:nvSpPr>
+        <p:spPr>
+          <a:xfrm>
+            <a:off x="818379" y="1343770"/>
+            <a:ext cx="10449179" cy="4420926"/>
+          </a:xfrm>
+        </p:spPr>
+        <p:txBody>
+          <a:bodyPr>
+            <a:noAutofit/>
+          </a:bodyPr>
+          <a:lstStyle/>
+          <a:p>
+            <a:pPr algn="r" rtl="1"/>
+            <a:r>
+              <a:rPr lang="he-IL" sz="3200" u="sng" dirty="0">
+                <a:solidFill>
+                  <a:schemeClr val="tx1"/>
+                </a:solidFill>
+              </a:rPr>
+              <a:t>תור דחוף ולא דחוף</a:t>
+            </a:r>
+            <a:br>
+              <a:rPr lang="en-US" sz="3200" u="sng" dirty="0">
+                <a:solidFill>
+                  <a:schemeClr val="tx1"/>
+                </a:solidFill>
+              </a:rPr>
+            </a:br>
+            <a:r>
+              <a:rPr lang="he-IL" sz="3200" dirty="0">
+                <a:solidFill>
+                  <a:schemeClr val="tx1"/>
+                </a:solidFill>
+              </a:rPr>
+              <a:t>אילוצי חומרה של המתזמן</a:t>
+            </a:r>
+            <a:br>
+              <a:rPr lang="en-US" sz="3200" u="sng" dirty="0">
+                <a:solidFill>
+                  <a:schemeClr val="tx1"/>
+                </a:solidFill>
+              </a:rPr>
+            </a:br>
+            <a:endParaRPr lang="he-IL" sz="3200" dirty="0">
+              <a:solidFill>
+                <a:schemeClr val="tx1"/>
+              </a:solidFill>
+            </a:endParaRPr>
+          </a:p>
+          <a:p>
+            <a:pPr algn="r" rtl="1"/>
+            <a:r>
+              <a:rPr lang="he-IL" sz="3200" u="sng" dirty="0">
+                <a:solidFill>
+                  <a:schemeClr val="tx1"/>
+                </a:solidFill>
+              </a:rPr>
+              <a:t>ערכי סף</a:t>
+            </a:r>
+            <a:br>
+              <a:rPr lang="en-US" sz="3200" u="sng" dirty="0">
+                <a:solidFill>
+                  <a:schemeClr val="tx1"/>
+                </a:solidFill>
+              </a:rPr>
+            </a:br>
+            <a:r>
+              <a:rPr lang="he-IL" sz="3200" dirty="0">
+                <a:solidFill>
+                  <a:schemeClr val="tx1"/>
+                </a:solidFill>
+              </a:rPr>
+              <a:t>שיטת החציונים (שלנו)</a:t>
+            </a:r>
+            <a:br>
+              <a:rPr lang="en-US" sz="3200" dirty="0">
+                <a:solidFill>
+                  <a:schemeClr val="tx1"/>
+                </a:solidFill>
+              </a:rPr>
+            </a:br>
+            <a:endParaRPr lang="he-IL" sz="3200" dirty="0">
+              <a:solidFill>
+                <a:schemeClr val="tx1"/>
+              </a:solidFill>
+            </a:endParaRPr>
+          </a:p>
+          <a:p>
+            <a:pPr algn="r" rtl="1"/>
+            <a:r>
+              <a:rPr lang="he-IL" sz="3200" u="sng" dirty="0">
+                <a:solidFill>
+                  <a:schemeClr val="tx1"/>
+                </a:solidFill>
+              </a:rPr>
+              <a:t>אלגוריתמי </a:t>
+            </a:r>
+            <a:r>
+              <a:rPr lang="en-US" sz="3200" u="sng" dirty="0">
+                <a:solidFill>
+                  <a:schemeClr val="tx1"/>
+                </a:solidFill>
+              </a:rPr>
+              <a:t>online</a:t>
+            </a:r>
+            <a:br>
+              <a:rPr lang="en-US" sz="3200" u="sng" dirty="0">
+                <a:solidFill>
+                  <a:schemeClr val="tx1"/>
+                </a:solidFill>
+              </a:rPr>
+            </a:br>
+            <a:r>
+              <a:rPr lang="he-IL" sz="3200" dirty="0">
+                <a:solidFill>
+                  <a:srgbClr val="00B050"/>
+                </a:solidFill>
+              </a:rPr>
+              <a:t>זמני ריצה</a:t>
+            </a:r>
+            <a:r>
+              <a:rPr lang="he-IL" sz="3200" dirty="0">
+                <a:solidFill>
+                  <a:schemeClr val="tx1"/>
+                </a:solidFill>
+              </a:rPr>
+              <a:t>? </a:t>
+            </a:r>
+            <a:r>
+              <a:rPr lang="he-IL" sz="3200" dirty="0">
+                <a:solidFill>
+                  <a:srgbClr val="FFC000"/>
+                </a:solidFill>
+              </a:rPr>
+              <a:t>תלויות</a:t>
+            </a:r>
+            <a:r>
+              <a:rPr lang="he-IL" sz="3200" dirty="0">
+                <a:solidFill>
+                  <a:schemeClr val="tx1"/>
+                </a:solidFill>
+              </a:rPr>
+              <a:t>? </a:t>
+            </a:r>
+            <a:r>
+              <a:rPr lang="he-IL" sz="3200" dirty="0">
+                <a:solidFill>
+                  <a:srgbClr val="00B0F0"/>
+                </a:solidFill>
+              </a:rPr>
+              <a:t>סדר + זמן הופעה</a:t>
+            </a:r>
+            <a:r>
+              <a:rPr lang="he-IL" sz="3200" dirty="0">
+                <a:solidFill>
+                  <a:schemeClr val="tx1"/>
+                </a:solidFill>
+              </a:rPr>
+              <a:t>?</a:t>
+            </a:r>
+            <a:endParaRPr lang="he-IL" sz="3200" u="sng" dirty="0">
+              <a:solidFill>
+                <a:schemeClr val="tx1"/>
+              </a:solidFill>
+            </a:endParaRPr>
+          </a:p>
+          <a:p>
+            <a:pPr marL="36900" indent="0" algn="r" rtl="1">
+              <a:buNone/>
+            </a:pPr>
+            <a:endParaRPr lang="he-IL" sz="3200" dirty="0">
+              <a:solidFill>
+                <a:schemeClr val="tx1"/>
+              </a:solidFill>
+            </a:endParaRPr>
+          </a:p>
+        </p:txBody>
+      </p:sp>
+    </p:spTree>
+    <p:extLst>
+      <p:ext uri="{BB962C8B-B14F-4D97-AF65-F5344CB8AC3E}">
+        <p14:creationId xmlns:p14="http://schemas.microsoft.com/office/powerpoint/2010/main" val="795616468"/>
+      </p:ext>
+    </p:extLst>
+  </p:cSld>
+  <p:clrMapOvr>
+    <a:masterClrMapping/>
+  </p:clrMapOvr>
+</p:sld>
+</file>
+
+<file path=ppt/slides/slide11.xml><?xml version="1.0" encoding="utf-8"?>
+<p:sld xmlns:a="http://schemas.openxmlformats.org/drawingml/2006/main" xmlns:r="http://schemas.openxmlformats.org/officeDocument/2006/relationships" xmlns:p="http://schemas.openxmlformats.org/presentationml/2006/main">
+  <p:cSld>
+    <p:spTree>
+      <p:nvGrpSpPr>
+        <p:cNvPr id="1" name=""/>
+        <p:cNvGrpSpPr/>
+        <p:nvPr/>
+      </p:nvGrpSpPr>
+      <p:grpSpPr>
+        <a:xfrm>
+          <a:off x="0" y="0"/>
+          <a:ext cx="0" cy="0"/>
+          <a:chOff x="0" y="0"/>
+          <a:chExt cx="0" cy="0"/>
+        </a:xfrm>
+      </p:grpSpPr>
+      <p:sp>
+        <p:nvSpPr>
+          <p:cNvPr id="2" name="Title 1">
+            <a:extLst>
+              <a:ext uri="{FF2B5EF4-FFF2-40B4-BE49-F238E27FC236}">
+                <a16:creationId xmlns:a16="http://schemas.microsoft.com/office/drawing/2014/main" id="{DE7E635D-7132-76AB-EEFF-E76D0F4A8E9C}"/>
+              </a:ext>
+            </a:extLst>
+          </p:cNvPr>
+          <p:cNvSpPr>
+            <a:spLocks noGrp="1"/>
+          </p:cNvSpPr>
+          <p:nvPr>
+            <p:ph type="title"/>
+          </p:nvPr>
+        </p:nvSpPr>
+        <p:spPr>
+          <a:xfrm>
+            <a:off x="919118" y="111319"/>
+            <a:ext cx="10353762" cy="970450"/>
+          </a:xfrm>
+        </p:spPr>
+        <p:txBody>
+          <a:bodyPr>
+            <a:normAutofit/>
+          </a:bodyPr>
+          <a:lstStyle/>
+          <a:p>
+            <a:r>
+              <a:rPr lang="he-IL" sz="5400" dirty="0">
+                <a:solidFill>
+                  <a:schemeClr val="accent1">
+                    <a:lumMod val="60000"/>
+                    <a:lumOff val="40000"/>
+                  </a:schemeClr>
+                </a:solidFill>
+              </a:rPr>
+              <a:t>אלגוריתם מעשי - תוצאות</a:t>
+            </a:r>
+            <a:endParaRPr lang="en-GB" sz="5400" dirty="0">
+              <a:solidFill>
+                <a:schemeClr val="accent1">
+                  <a:lumMod val="60000"/>
+                  <a:lumOff val="40000"/>
+                </a:schemeClr>
+              </a:solidFill>
+            </a:endParaRPr>
+          </a:p>
+        </p:txBody>
+      </p:sp>
+      <p:pic>
+        <p:nvPicPr>
+          <p:cNvPr id="4" name="Picture 3">
+            <a:extLst>
+              <a:ext uri="{FF2B5EF4-FFF2-40B4-BE49-F238E27FC236}">
+                <a16:creationId xmlns:a16="http://schemas.microsoft.com/office/drawing/2014/main" id="{F6E2F626-0D10-9E16-8107-F8605C7A9A3F}"/>
+              </a:ext>
+            </a:extLst>
+          </p:cNvPr>
+          <p:cNvPicPr>
+            <a:picLocks noChangeAspect="1"/>
+          </p:cNvPicPr>
+          <p:nvPr/>
+        </p:nvPicPr>
+        <p:blipFill>
+          <a:blip r:embed="rId2"/>
+          <a:stretch>
+            <a:fillRect/>
+          </a:stretch>
+        </p:blipFill>
+        <p:spPr>
+          <a:xfrm>
+            <a:off x="1628859" y="1331385"/>
+            <a:ext cx="8934280" cy="5224857"/>
+          </a:xfrm>
+          <a:prstGeom prst="rect">
+            <a:avLst/>
+          </a:prstGeom>
+        </p:spPr>
+      </p:pic>
+    </p:spTree>
+    <p:extLst>
+      <p:ext uri="{BB962C8B-B14F-4D97-AF65-F5344CB8AC3E}">
+        <p14:creationId xmlns:p14="http://schemas.microsoft.com/office/powerpoint/2010/main" val="283278271"/>
+      </p:ext>
+    </p:extLst>
+  </p:cSld>
+  <p:clrMapOvr>
+    <a:masterClrMapping/>
+  </p:clrMapOvr>
+</p:sld>
+</file>
+
+<file path=ppt/slides/slide12.xml><?xml version="1.0" encoding="utf-8"?>
+<p:sld xmlns:a="http://schemas.openxmlformats.org/drawingml/2006/main" xmlns:r="http://schemas.openxmlformats.org/officeDocument/2006/relationships" xmlns:p="http://schemas.openxmlformats.org/presentationml/2006/main">
+  <p:cSld>
+    <p:spTree>
+      <p:nvGrpSpPr>
+        <p:cNvPr id="1" name=""/>
+        <p:cNvGrpSpPr/>
+        <p:nvPr/>
+      </p:nvGrpSpPr>
+      <p:grpSpPr>
+        <a:xfrm>
+          <a:off x="0" y="0"/>
+          <a:ext cx="0" cy="0"/>
+          <a:chOff x="0" y="0"/>
+          <a:chExt cx="0" cy="0"/>
+        </a:xfrm>
+      </p:grpSpPr>
+      <p:sp>
+        <p:nvSpPr>
+          <p:cNvPr id="2" name="Title 1">
+            <a:extLst>
+              <a:ext uri="{FF2B5EF4-FFF2-40B4-BE49-F238E27FC236}">
+                <a16:creationId xmlns:a16="http://schemas.microsoft.com/office/drawing/2014/main" id="{CDF4CC1E-A6C5-A3DB-7AF2-F7FAC9AAFA01}"/>
+              </a:ext>
+            </a:extLst>
+          </p:cNvPr>
+          <p:cNvSpPr>
+            <a:spLocks noGrp="1"/>
+          </p:cNvSpPr>
+          <p:nvPr>
+            <p:ph type="title"/>
+          </p:nvPr>
+        </p:nvSpPr>
+        <p:spPr>
+          <a:xfrm>
+            <a:off x="3579109" y="92766"/>
+            <a:ext cx="5033781" cy="970450"/>
+          </a:xfrm>
+        </p:spPr>
+        <p:txBody>
+          <a:bodyPr>
+            <a:normAutofit/>
+          </a:bodyPr>
+          <a:lstStyle/>
+          <a:p>
+            <a:r>
+              <a:rPr lang="he-IL" sz="5400" dirty="0">
+                <a:solidFill>
+                  <a:schemeClr val="accent1">
+                    <a:lumMod val="60000"/>
+                    <a:lumOff val="40000"/>
+                  </a:schemeClr>
+                </a:solidFill>
+              </a:rPr>
+              <a:t>המשך?</a:t>
+            </a:r>
+            <a:endParaRPr lang="en-GB" sz="5400" dirty="0">
+              <a:solidFill>
+                <a:schemeClr val="accent1">
+                  <a:lumMod val="60000"/>
+                  <a:lumOff val="40000"/>
+                </a:schemeClr>
+              </a:solidFill>
+            </a:endParaRPr>
+          </a:p>
+        </p:txBody>
+      </p:sp>
+      <p:sp>
+        <p:nvSpPr>
+          <p:cNvPr id="3" name="Content Placeholder 2">
+            <a:extLst>
+              <a:ext uri="{FF2B5EF4-FFF2-40B4-BE49-F238E27FC236}">
+                <a16:creationId xmlns:a16="http://schemas.microsoft.com/office/drawing/2014/main" id="{DF44E3E3-AAA7-D905-0134-AEFD9319C699}"/>
+              </a:ext>
+            </a:extLst>
+          </p:cNvPr>
+          <p:cNvSpPr>
+            <a:spLocks noGrp="1"/>
+          </p:cNvSpPr>
+          <p:nvPr>
+            <p:ph idx="1"/>
+          </p:nvPr>
+        </p:nvSpPr>
+        <p:spPr>
+          <a:xfrm>
+            <a:off x="341906" y="1192697"/>
+            <a:ext cx="11545294" cy="5327374"/>
+          </a:xfrm>
+        </p:spPr>
+        <p:txBody>
+          <a:bodyPr>
+            <a:normAutofit/>
+          </a:bodyPr>
+          <a:lstStyle/>
+          <a:p>
+            <a:pPr algn="r" rtl="1"/>
+            <a:r>
+              <a:rPr lang="en-US" sz="3200" dirty="0">
+                <a:solidFill>
+                  <a:schemeClr val="tx1"/>
+                </a:solidFill>
+              </a:rPr>
+              <a:t>Clustering</a:t>
+            </a:r>
+            <a:endParaRPr lang="he-IL" sz="3200" dirty="0">
+              <a:solidFill>
+                <a:schemeClr val="tx1"/>
+              </a:solidFill>
+            </a:endParaRPr>
+          </a:p>
+          <a:p>
+            <a:pPr marL="36900" indent="0" algn="r" rtl="1">
+              <a:buNone/>
+            </a:pPr>
+            <a:endParaRPr lang="en-US" sz="2800" dirty="0">
+              <a:solidFill>
+                <a:schemeClr val="tx1"/>
+              </a:solidFill>
+            </a:endParaRPr>
+          </a:p>
+          <a:p>
+            <a:pPr marL="36900" indent="0" algn="r" rtl="1">
+              <a:buNone/>
+            </a:pPr>
+            <a:endParaRPr lang="en-US" sz="2800" dirty="0">
+              <a:solidFill>
+                <a:schemeClr val="tx1"/>
+              </a:solidFill>
+            </a:endParaRPr>
+          </a:p>
+          <a:p>
+            <a:pPr marL="36900" indent="0" algn="r" rtl="1">
+              <a:buNone/>
+            </a:pPr>
+            <a:endParaRPr lang="en-US" sz="2800" dirty="0">
+              <a:solidFill>
+                <a:schemeClr val="tx1"/>
+              </a:solidFill>
+            </a:endParaRPr>
+          </a:p>
+          <a:p>
+            <a:pPr marL="36900" indent="0" algn="r" rtl="1">
+              <a:buNone/>
+            </a:pPr>
+            <a:endParaRPr lang="en-US" sz="2800" dirty="0">
+              <a:solidFill>
+                <a:schemeClr val="tx1"/>
+              </a:solidFill>
+            </a:endParaRPr>
+          </a:p>
+          <a:p>
+            <a:pPr marL="36900" indent="0" algn="r" rtl="1">
+              <a:buNone/>
+            </a:pPr>
+            <a:endParaRPr lang="en-US" sz="2800" dirty="0">
+              <a:solidFill>
+                <a:schemeClr val="tx1"/>
+              </a:solidFill>
+            </a:endParaRPr>
+          </a:p>
+          <a:p>
+            <a:pPr marL="36900" indent="0" algn="r" rtl="1">
+              <a:buNone/>
+            </a:pPr>
+            <a:endParaRPr lang="en-US" sz="2800" dirty="0">
+              <a:solidFill>
+                <a:schemeClr val="tx1"/>
+              </a:solidFill>
+            </a:endParaRPr>
+          </a:p>
+        </p:txBody>
+      </p:sp>
+      <p:pic>
+        <p:nvPicPr>
+          <p:cNvPr id="5" name="Picture 4">
+            <a:extLst>
+              <a:ext uri="{FF2B5EF4-FFF2-40B4-BE49-F238E27FC236}">
+                <a16:creationId xmlns:a16="http://schemas.microsoft.com/office/drawing/2014/main" id="{F78FFEB7-7C3D-C5F7-B33B-1A76909D3618}"/>
+              </a:ext>
+            </a:extLst>
+          </p:cNvPr>
+          <p:cNvPicPr>
+            <a:picLocks noChangeAspect="1"/>
+          </p:cNvPicPr>
+          <p:nvPr/>
+        </p:nvPicPr>
+        <p:blipFill>
+          <a:blip r:embed="rId2">
+            <a:extLst>
+              <a:ext uri="{28A0092B-C50C-407E-A947-70E740481C1C}">
+                <a14:useLocalDpi xmlns:a14="http://schemas.microsoft.com/office/drawing/2010/main" val="0"/>
+              </a:ext>
+            </a:extLst>
+          </a:blip>
+          <a:stretch>
+            <a:fillRect/>
+          </a:stretch>
+        </p:blipFill>
+        <p:spPr>
+          <a:xfrm>
+            <a:off x="866587" y="1824919"/>
+            <a:ext cx="10495931" cy="4520221"/>
+          </a:xfrm>
+          <a:prstGeom prst="rect">
+            <a:avLst/>
+          </a:prstGeom>
+        </p:spPr>
+      </p:pic>
+    </p:spTree>
+    <p:extLst>
+      <p:ext uri="{BB962C8B-B14F-4D97-AF65-F5344CB8AC3E}">
+        <p14:creationId xmlns:p14="http://schemas.microsoft.com/office/powerpoint/2010/main" val="2309404031"/>
+      </p:ext>
+    </p:extLst>
+  </p:cSld>
+  <p:clrMapOvr>
+    <a:masterClrMapping/>
+  </p:clrMapOvr>
+</p:sld>
+</file>
+
+<file path=ppt/slides/slide13.xml><?xml version="1.0" encoding="utf-8"?>
+<p:sld xmlns:a="http://schemas.openxmlformats.org/drawingml/2006/main" xmlns:r="http://schemas.openxmlformats.org/officeDocument/2006/relationships" xmlns:p="http://schemas.openxmlformats.org/presentationml/2006/main">
+  <p:cSld>
+    <p:spTree>
+      <p:nvGrpSpPr>
+        <p:cNvPr id="1" name=""/>
+        <p:cNvGrpSpPr/>
+        <p:nvPr/>
+      </p:nvGrpSpPr>
+      <p:grpSpPr>
+        <a:xfrm>
+          <a:off x="0" y="0"/>
+          <a:ext cx="0" cy="0"/>
+          <a:chOff x="0" y="0"/>
+          <a:chExt cx="0" cy="0"/>
+        </a:xfrm>
+      </p:grpSpPr>
+      <p:sp>
+        <p:nvSpPr>
+          <p:cNvPr id="2" name="Title 1">
+            <a:extLst>
+              <a:ext uri="{FF2B5EF4-FFF2-40B4-BE49-F238E27FC236}">
+                <a16:creationId xmlns:a16="http://schemas.microsoft.com/office/drawing/2014/main" id="{44DAAFB5-DA76-4B45-5991-BD1EF279675B}"/>
+              </a:ext>
+            </a:extLst>
+          </p:cNvPr>
+          <p:cNvSpPr>
+            <a:spLocks noGrp="1"/>
+          </p:cNvSpPr>
+          <p:nvPr>
+            <p:ph type="title"/>
+          </p:nvPr>
+        </p:nvSpPr>
+        <p:spPr>
+          <a:xfrm>
+            <a:off x="913795" y="196132"/>
+            <a:ext cx="10353762" cy="970450"/>
+          </a:xfrm>
+        </p:spPr>
+        <p:txBody>
+          <a:bodyPr>
+            <a:normAutofit/>
+          </a:bodyPr>
+          <a:lstStyle/>
+          <a:p>
+            <a:r>
+              <a:rPr lang="he-IL" sz="5400" dirty="0">
+                <a:solidFill>
+                  <a:schemeClr val="accent1">
+                    <a:lumMod val="60000"/>
+                    <a:lumOff val="40000"/>
+                  </a:schemeClr>
+                </a:solidFill>
+              </a:rPr>
+              <a:t>המשך?</a:t>
+            </a:r>
+            <a:endParaRPr lang="en-GB" sz="5400" dirty="0">
+              <a:solidFill>
+                <a:schemeClr val="accent1">
+                  <a:lumMod val="60000"/>
+                  <a:lumOff val="40000"/>
+                </a:schemeClr>
+              </a:solidFill>
+            </a:endParaRPr>
+          </a:p>
+        </p:txBody>
+      </p:sp>
+      <p:sp>
+        <p:nvSpPr>
+          <p:cNvPr id="3" name="Content Placeholder 2">
+            <a:extLst>
+              <a:ext uri="{FF2B5EF4-FFF2-40B4-BE49-F238E27FC236}">
+                <a16:creationId xmlns:a16="http://schemas.microsoft.com/office/drawing/2014/main" id="{B5B5970E-3417-1BE8-C752-B4351ABD5432}"/>
+              </a:ext>
+            </a:extLst>
+          </p:cNvPr>
+          <p:cNvSpPr>
+            <a:spLocks noGrp="1"/>
+          </p:cNvSpPr>
+          <p:nvPr>
+            <p:ph idx="1"/>
+          </p:nvPr>
+        </p:nvSpPr>
+        <p:spPr>
+          <a:xfrm>
+            <a:off x="913795" y="1399624"/>
+            <a:ext cx="10353762" cy="4058751"/>
+          </a:xfrm>
+        </p:spPr>
+        <p:txBody>
+          <a:bodyPr>
+            <a:normAutofit/>
+          </a:bodyPr>
+          <a:lstStyle/>
+          <a:p>
+            <a:pPr algn="r" rtl="1"/>
+            <a:r>
+              <a:rPr lang="he-IL" sz="3200" dirty="0">
+                <a:solidFill>
+                  <a:schemeClr val="tx1"/>
+                </a:solidFill>
+              </a:rPr>
+              <a:t>המרת </a:t>
+            </a:r>
+            <a:r>
+              <a:rPr lang="en-US" sz="3200" dirty="0">
+                <a:solidFill>
+                  <a:schemeClr val="tx1"/>
+                </a:solidFill>
+              </a:rPr>
+              <a:t>Critical Time</a:t>
+            </a:r>
+            <a:r>
+              <a:rPr lang="he-IL" sz="3200" dirty="0">
+                <a:solidFill>
+                  <a:schemeClr val="tx1"/>
+                </a:solidFill>
+              </a:rPr>
+              <a:t> לאלגוריתמי </a:t>
+            </a:r>
+            <a:r>
+              <a:rPr lang="en-US" sz="3200" dirty="0">
+                <a:solidFill>
+                  <a:schemeClr val="tx1"/>
+                </a:solidFill>
+              </a:rPr>
+              <a:t>online</a:t>
+            </a:r>
+            <a:endParaRPr lang="en-GB" sz="3200" dirty="0">
+              <a:solidFill>
+                <a:schemeClr val="tx1"/>
+              </a:solidFill>
+            </a:endParaRPr>
+          </a:p>
+          <a:p>
+            <a:pPr algn="r" rtl="1"/>
+            <a:endParaRPr lang="en-GB" sz="3200" dirty="0"/>
+          </a:p>
+        </p:txBody>
+      </p:sp>
+      <p:pic>
+        <p:nvPicPr>
+          <p:cNvPr id="5" name="Picture 4">
+            <a:extLst>
+              <a:ext uri="{FF2B5EF4-FFF2-40B4-BE49-F238E27FC236}">
+                <a16:creationId xmlns:a16="http://schemas.microsoft.com/office/drawing/2014/main" id="{6B9A2AD2-1262-B9EC-FDDB-08EB04F469CB}"/>
+              </a:ext>
+            </a:extLst>
+          </p:cNvPr>
+          <p:cNvPicPr>
+            <a:picLocks noChangeAspect="1"/>
+          </p:cNvPicPr>
+          <p:nvPr/>
+        </p:nvPicPr>
+        <p:blipFill>
+          <a:blip r:embed="rId2">
+            <a:extLst>
+              <a:ext uri="{28A0092B-C50C-407E-A947-70E740481C1C}">
+                <a14:useLocalDpi xmlns:a14="http://schemas.microsoft.com/office/drawing/2010/main" val="0"/>
+              </a:ext>
+            </a:extLst>
+          </a:blip>
+          <a:stretch>
+            <a:fillRect/>
+          </a:stretch>
+        </p:blipFill>
+        <p:spPr>
+          <a:xfrm>
+            <a:off x="1902989" y="2007537"/>
+            <a:ext cx="8375374" cy="4580283"/>
+          </a:xfrm>
+          <a:prstGeom prst="rect">
+            <a:avLst/>
+          </a:prstGeom>
+        </p:spPr>
+      </p:pic>
+    </p:spTree>
+    <p:extLst>
+      <p:ext uri="{BB962C8B-B14F-4D97-AF65-F5344CB8AC3E}">
+        <p14:creationId xmlns:p14="http://schemas.microsoft.com/office/powerpoint/2010/main" val="1194783379"/>
+      </p:ext>
+    </p:extLst>
+  </p:cSld>
+  <p:clrMapOvr>
+    <a:masterClrMapping/>
+  </p:clrMapOvr>
+</p:sld>
+</file>
+
 <file path=ppt/slides/slide2.xml><?xml version="1.0" encoding="utf-8"?>
 <p:sld xmlns:a="http://schemas.openxmlformats.org/drawingml/2006/main" xmlns:r="http://schemas.openxmlformats.org/officeDocument/2006/relationships" xmlns:p="http://schemas.openxmlformats.org/presentationml/2006/main">
   <p:cSld>
@@ -6150,7 +8094,7 @@
           <p:cNvPr id="2" name="Title 1">
             <a:extLst>
               <a:ext uri="{FF2B5EF4-FFF2-40B4-BE49-F238E27FC236}">
-                <a16:creationId xmlns:a16="http://schemas.microsoft.com/office/drawing/2014/main" id="{F92BC7B7-842B-69AB-8D64-F3F9EE34DB6F}"/>
+                <a16:creationId xmlns:a16="http://schemas.microsoft.com/office/drawing/2014/main" id="{AEEB424F-051B-24A3-7E58-42C519818E8D}"/>
               </a:ext>
             </a:extLst>
           </p:cNvPr>
@@ -6161,7 +8105,12 @@
             <p:ph type="title"/>
           </p:nvPr>
         </p:nvSpPr>
-        <p:spPr/>
+        <p:spPr>
+          <a:xfrm>
+            <a:off x="913795" y="53009"/>
+            <a:ext cx="10353762" cy="970450"/>
+          </a:xfrm>
+        </p:spPr>
         <p:txBody>
           <a:bodyPr>
             <a:normAutofit/>
@@ -6171,18 +8120,14 @@
             <a:r>
               <a:rPr lang="he-IL" sz="5400" dirty="0">
                 <a:solidFill>
-                  <a:schemeClr val="accent2">
-                    <a:lumMod val="75000"/>
-                  </a:schemeClr>
+                  <a:srgbClr val="B5D6FF"/>
                 </a:solidFill>
               </a:rPr>
-              <a:t>שאלות מרכזיות</a:t>
+              <a:t>רקע</a:t>
             </a:r>
             <a:endParaRPr lang="en-GB" sz="5400" dirty="0">
               <a:solidFill>
-                <a:schemeClr val="accent2">
-                  <a:lumMod val="75000"/>
-                </a:schemeClr>
+                <a:srgbClr val="B5D6FF"/>
               </a:solidFill>
             </a:endParaRPr>
           </a:p>
@@ -6193,7 +8138,7 @@
           <p:cNvPr id="3" name="Content Placeholder 2">
             <a:extLst>
               <a:ext uri="{FF2B5EF4-FFF2-40B4-BE49-F238E27FC236}">
-                <a16:creationId xmlns:a16="http://schemas.microsoft.com/office/drawing/2014/main" id="{290FC2BC-F55C-B683-9456-1AF3443F51B7}"/>
+                <a16:creationId xmlns:a16="http://schemas.microsoft.com/office/drawing/2014/main" id="{52FE1C23-6F62-65E7-C63A-E91C815B37DB}"/>
               </a:ext>
             </a:extLst>
           </p:cNvPr>
@@ -6206,8 +8151,8 @@
         </p:nvSpPr>
         <p:spPr>
           <a:xfrm>
-            <a:off x="913795" y="2037249"/>
-            <a:ext cx="10353762" cy="4058751"/>
+            <a:off x="913795" y="1136101"/>
+            <a:ext cx="10353762" cy="5582751"/>
           </a:xfrm>
         </p:spPr>
         <p:txBody>
@@ -6218,6 +8163,65 @@
           <a:p>
             <a:pPr algn="r" rtl="1"/>
             <a:r>
+              <a:rPr lang="he-IL" sz="3200" u="sng" dirty="0">
+                <a:solidFill>
+                  <a:schemeClr val="tx1"/>
+                </a:solidFill>
+              </a:rPr>
+              <a:t>בעיות תזמון מעבדים</a:t>
+            </a:r>
+            <a:br>
+              <a:rPr lang="en-US" sz="3200" u="sng" dirty="0"/>
+            </a:br>
+            <a:r>
+              <a:rPr lang="he-IL" sz="3200" dirty="0">
+                <a:solidFill>
+                  <a:schemeClr val="tx1"/>
+                </a:solidFill>
+              </a:rPr>
+              <a:t>אלגוריתמי</a:t>
+            </a:r>
+            <a:r>
+              <a:rPr lang="he-IL" sz="3200" dirty="0"/>
+              <a:t> </a:t>
+            </a:r>
+            <a:r>
+              <a:rPr lang="he-IL" sz="3200" dirty="0">
+                <a:solidFill>
+                  <a:srgbClr val="00B050"/>
+                </a:solidFill>
+              </a:rPr>
+              <a:t>שיבוץ משימות</a:t>
+            </a:r>
+            <a:r>
+              <a:rPr lang="he-IL" sz="3200" dirty="0"/>
+              <a:t> </a:t>
+            </a:r>
+            <a:r>
+              <a:rPr lang="he-IL" sz="3200" dirty="0">
+                <a:solidFill>
+                  <a:srgbClr val="FFC000"/>
+                </a:solidFill>
+              </a:rPr>
+              <a:t>למעבדים</a:t>
+            </a:r>
+            <a:r>
+              <a:rPr lang="he-IL" sz="3200" dirty="0"/>
+              <a:t> </a:t>
+            </a:r>
+            <a:r>
+              <a:rPr lang="he-IL" sz="3200" dirty="0">
+                <a:solidFill>
+                  <a:schemeClr val="tx1"/>
+                </a:solidFill>
+              </a:rPr>
+              <a:t>עם</a:t>
+            </a:r>
+            <a:r>
+              <a:rPr lang="he-IL" sz="3200" dirty="0"/>
+              <a:t> </a:t>
+            </a:r>
+            <a:r>
               <a:rPr lang="he-IL" sz="3200" dirty="0">
                 <a:solidFill>
                   <a:schemeClr val="accent1">
@@ -6226,11 +8230,13 @@
                   </a:schemeClr>
                 </a:solidFill>
               </a:rPr>
-              <a:t>אלגוריתם יותר טוב מהחמדן?</a:t>
-            </a:r>
-          </a:p>
-          <a:p>
-            <a:pPr algn="r" rtl="1"/>
+              <a:t>אילוצים</a:t>
+            </a:r>
+          </a:p>
+          <a:p>
+            <a:pPr marL="36900" indent="0" algn="r" rtl="1">
+              <a:buNone/>
+            </a:pPr>
             <a:endParaRPr lang="he-IL" sz="3200" dirty="0">
               <a:solidFill>
                 <a:schemeClr val="accent1">
@@ -6245,54 +8251,68 @@
             <a:r>
               <a:rPr lang="he-IL" sz="3200" dirty="0">
                 <a:solidFill>
-                  <a:schemeClr val="accent1">
-                    <a:lumMod val="60000"/>
-                    <a:lumOff val="40000"/>
-                  </a:schemeClr>
+                  <a:schemeClr val="tx1"/>
                 </a:solidFill>
               </a:rPr>
-              <a:t>קלטים אמיתיים?</a:t>
+              <a:t>כיצד נשבץ על מנת למזער את זמן הריצה?</a:t>
             </a:r>
           </a:p>
           <a:p>
             <a:pPr algn="r" rtl="1"/>
-            <a:endParaRPr lang="he-IL" sz="3200" dirty="0">
-              <a:solidFill>
-                <a:schemeClr val="accent1">
-                  <a:lumMod val="60000"/>
-                  <a:lumOff val="40000"/>
-                </a:schemeClr>
-              </a:solidFill>
-            </a:endParaRPr>
+            <a:endParaRPr lang="en-US" sz="3200" dirty="0"/>
           </a:p>
           <a:p>
             <a:pPr algn="r" rtl="1"/>
             <a:r>
               <a:rPr lang="he-IL" sz="3200" dirty="0">
                 <a:solidFill>
-                  <a:schemeClr val="accent1">
-                    <a:lumMod val="60000"/>
-                    <a:lumOff val="40000"/>
-                  </a:schemeClr>
+                  <a:schemeClr val="tx1"/>
                 </a:solidFill>
               </a:rPr>
-              <a:t>אלגוריתם מעשי?</a:t>
-            </a:r>
-            <a:endParaRPr lang="en-GB" sz="3200" dirty="0">
-              <a:solidFill>
-                <a:schemeClr val="accent1">
-                  <a:lumMod val="60000"/>
-                  <a:lumOff val="40000"/>
-                </a:schemeClr>
-              </a:solidFill>
-            </a:endParaRPr>
+              <a:t>יעילות האלגוריתם המשבץ – זניח</a:t>
+            </a:r>
+          </a:p>
+          <a:p>
+            <a:pPr algn="r" rtl="1"/>
+            <a:endParaRPr lang="he-IL" sz="3200" dirty="0"/>
+          </a:p>
+          <a:p>
+            <a:pPr algn="r" rtl="1"/>
+            <a:r>
+              <a:rPr lang="he-IL" sz="3200" dirty="0">
+                <a:solidFill>
+                  <a:schemeClr val="tx1"/>
+                </a:solidFill>
+              </a:rPr>
+              <a:t>בעיה</a:t>
+            </a:r>
+            <a:r>
+              <a:rPr lang="he-IL" sz="3200" dirty="0"/>
+              <a:t> </a:t>
+            </a:r>
+            <a:r>
+              <a:rPr lang="en-US" sz="3200" dirty="0">
+                <a:solidFill>
+                  <a:srgbClr val="FF0000"/>
+                </a:solidFill>
+              </a:rPr>
+              <a:t>NP</a:t>
+            </a:r>
+            <a:r>
+              <a:rPr lang="he-IL" sz="3200" dirty="0">
+                <a:solidFill>
+                  <a:srgbClr val="FF0000"/>
+                </a:solidFill>
+              </a:rPr>
+              <a:t> קשה</a:t>
+            </a:r>
           </a:p>
         </p:txBody>
       </p:sp>
     </p:spTree>
     <p:extLst>
       <p:ext uri="{BB962C8B-B14F-4D97-AF65-F5344CB8AC3E}">
-        <p14:creationId xmlns:p14="http://schemas.microsoft.com/office/powerpoint/2010/main" val="351184086"/>
+        <p14:creationId xmlns:p14="http://schemas.microsoft.com/office/powerpoint/2010/main" val="2259130195"/>
       </p:ext>
     </p:extLst>
   </p:cSld>
@@ -6324,6 +8344,1177 @@
           <p:cNvPr id="2" name="Title 1">
             <a:extLst>
               <a:ext uri="{FF2B5EF4-FFF2-40B4-BE49-F238E27FC236}">
+                <a16:creationId xmlns:a16="http://schemas.microsoft.com/office/drawing/2014/main" id="{C471F64C-DD66-A7AE-2C6B-4724AD8EEF29}"/>
+              </a:ext>
+            </a:extLst>
+          </p:cNvPr>
+          <p:cNvSpPr>
+            <a:spLocks noGrp="1"/>
+          </p:cNvSpPr>
+          <p:nvPr>
+            <p:ph type="title"/>
+          </p:nvPr>
+        </p:nvSpPr>
+        <p:spPr>
+          <a:xfrm>
+            <a:off x="913795" y="96350"/>
+            <a:ext cx="10353762" cy="970450"/>
+          </a:xfrm>
+        </p:spPr>
+        <p:txBody>
+          <a:bodyPr>
+            <a:normAutofit/>
+          </a:bodyPr>
+          <a:lstStyle/>
+          <a:p>
+            <a:pPr rtl="1"/>
+            <a:r>
+              <a:rPr lang="en-US" sz="5400" dirty="0">
+                <a:solidFill>
+                  <a:srgbClr val="B5D6FF"/>
+                </a:solidFill>
+              </a:rPr>
+              <a:t>NP</a:t>
+            </a:r>
+            <a:r>
+              <a:rPr lang="he-IL" sz="5400" dirty="0">
+                <a:solidFill>
+                  <a:srgbClr val="B5D6FF"/>
+                </a:solidFill>
+              </a:rPr>
+              <a:t> קשה + </a:t>
+            </a:r>
+            <a:r>
+              <a:rPr lang="he-IL" sz="5400" dirty="0" err="1">
+                <a:solidFill>
+                  <a:srgbClr val="B5D6FF"/>
+                </a:solidFill>
+              </a:rPr>
+              <a:t>קירובים</a:t>
+            </a:r>
+            <a:endParaRPr lang="en-GB" sz="5400" dirty="0">
+              <a:solidFill>
+                <a:srgbClr val="B5D6FF"/>
+              </a:solidFill>
+            </a:endParaRPr>
+          </a:p>
+        </p:txBody>
+      </p:sp>
+      <p:pic>
+        <p:nvPicPr>
+          <p:cNvPr id="5" name="Content Placeholder 4">
+            <a:extLst>
+              <a:ext uri="{FF2B5EF4-FFF2-40B4-BE49-F238E27FC236}">
+                <a16:creationId xmlns:a16="http://schemas.microsoft.com/office/drawing/2014/main" id="{BC8C679B-80F4-42DF-BED7-BFE6D82086D9}"/>
+              </a:ext>
+            </a:extLst>
+          </p:cNvPr>
+          <p:cNvPicPr>
+            <a:picLocks noGrp="1" noChangeAspect="1"/>
+          </p:cNvPicPr>
+          <p:nvPr>
+            <p:ph idx="1"/>
+          </p:nvPr>
+        </p:nvPicPr>
+        <p:blipFill>
+          <a:blip r:embed="rId3">
+            <a:extLst>
+              <a:ext uri="{28A0092B-C50C-407E-A947-70E740481C1C}">
+                <a14:useLocalDpi xmlns:a14="http://schemas.microsoft.com/office/drawing/2010/main" val="0"/>
+              </a:ext>
+            </a:extLst>
+          </a:blip>
+          <a:stretch>
+            <a:fillRect/>
+          </a:stretch>
+        </p:blipFill>
+        <p:spPr>
+          <a:xfrm>
+            <a:off x="158558" y="2192895"/>
+            <a:ext cx="5005814" cy="3142608"/>
+          </a:xfrm>
+        </p:spPr>
+      </p:pic>
+      <p:sp>
+        <p:nvSpPr>
+          <p:cNvPr id="7" name="TextBox 6">
+            <a:extLst>
+              <a:ext uri="{FF2B5EF4-FFF2-40B4-BE49-F238E27FC236}">
+                <a16:creationId xmlns:a16="http://schemas.microsoft.com/office/drawing/2014/main" id="{0657890C-FE4E-AC1B-39C5-44E100B50E69}"/>
+              </a:ext>
+            </a:extLst>
+          </p:cNvPr>
+          <p:cNvSpPr txBox="1"/>
+          <p:nvPr/>
+        </p:nvSpPr>
+        <p:spPr>
+          <a:xfrm>
+            <a:off x="1687430" y="1550504"/>
+            <a:ext cx="1948070" cy="584775"/>
+          </a:xfrm>
+          <a:prstGeom prst="rect">
+            <a:avLst/>
+          </a:prstGeom>
+          <a:noFill/>
+        </p:spPr>
+        <p:txBody>
+          <a:bodyPr wrap="square" rtlCol="0">
+            <a:spAutoFit/>
+          </a:bodyPr>
+          <a:lstStyle/>
+          <a:p>
+            <a:pPr algn="ctr" rtl="1"/>
+            <a:r>
+              <a:rPr lang="en-US" sz="3200" u="sng" dirty="0">
+                <a:latin typeface="Arial" panose="020B0604020202020204" pitchFamily="34" charset="0"/>
+                <a:cs typeface="Arial" panose="020B0604020202020204" pitchFamily="34" charset="0"/>
+              </a:rPr>
+              <a:t>Partition</a:t>
+            </a:r>
+            <a:r>
+              <a:rPr lang="he-IL" sz="3200" u="sng" dirty="0">
+                <a:latin typeface="Arial" panose="020B0604020202020204" pitchFamily="34" charset="0"/>
+                <a:cs typeface="Arial" panose="020B0604020202020204" pitchFamily="34" charset="0"/>
+              </a:rPr>
+              <a:t> </a:t>
+            </a:r>
+            <a:endParaRPr lang="en-GB" sz="3200" u="sng" dirty="0">
+              <a:latin typeface="Arial" panose="020B0604020202020204" pitchFamily="34" charset="0"/>
+              <a:cs typeface="Arial" panose="020B0604020202020204" pitchFamily="34" charset="0"/>
+            </a:endParaRPr>
+          </a:p>
+        </p:txBody>
+      </p:sp>
+      <p:sp>
+        <p:nvSpPr>
+          <p:cNvPr id="8" name="TextBox 7">
+            <a:extLst>
+              <a:ext uri="{FF2B5EF4-FFF2-40B4-BE49-F238E27FC236}">
+                <a16:creationId xmlns:a16="http://schemas.microsoft.com/office/drawing/2014/main" id="{699F0C96-32DB-43BD-7246-78D0C57804EB}"/>
+              </a:ext>
+            </a:extLst>
+          </p:cNvPr>
+          <p:cNvSpPr txBox="1"/>
+          <p:nvPr/>
+        </p:nvSpPr>
+        <p:spPr>
+          <a:xfrm>
+            <a:off x="5724939" y="1550504"/>
+            <a:ext cx="5785042" cy="4031873"/>
+          </a:xfrm>
+          <a:prstGeom prst="rect">
+            <a:avLst/>
+          </a:prstGeom>
+          <a:noFill/>
+        </p:spPr>
+        <p:txBody>
+          <a:bodyPr wrap="square" rtlCol="0">
+            <a:spAutoFit/>
+          </a:bodyPr>
+          <a:lstStyle/>
+          <a:p>
+            <a:pPr algn="r" rtl="1"/>
+            <a:r>
+              <a:rPr lang="he-IL" sz="3200" u="sng" dirty="0"/>
+              <a:t>תזמון מעבדים</a:t>
+            </a:r>
+            <a:r>
+              <a:rPr lang="he-IL" sz="3200" dirty="0"/>
+              <a:t> </a:t>
+            </a:r>
+            <a:br>
+              <a:rPr lang="en-US" sz="3200" dirty="0"/>
+            </a:br>
+            <a:r>
+              <a:rPr lang="he-IL" sz="3200" dirty="0">
+                <a:solidFill>
+                  <a:srgbClr val="00B050"/>
+                </a:solidFill>
+              </a:rPr>
+              <a:t>הבעיה הפשוטה ביותר </a:t>
+            </a:r>
+            <a:r>
+              <a:rPr lang="he-IL" sz="3200" dirty="0"/>
+              <a:t>– זוהי בעיית </a:t>
+            </a:r>
+            <a:r>
+              <a:rPr lang="en-US" sz="3200" dirty="0">
+                <a:latin typeface="Arial" panose="020B0604020202020204" pitchFamily="34" charset="0"/>
+                <a:cs typeface="Arial" panose="020B0604020202020204" pitchFamily="34" charset="0"/>
+              </a:rPr>
+              <a:t>partition</a:t>
+            </a:r>
+            <a:r>
+              <a:rPr lang="he-IL" sz="3200" dirty="0"/>
+              <a:t>.</a:t>
+            </a:r>
+          </a:p>
+          <a:p>
+            <a:pPr algn="r" rtl="1"/>
+            <a:endParaRPr lang="he-IL" sz="3200" dirty="0">
+              <a:latin typeface="Arial" panose="020B0604020202020204" pitchFamily="34" charset="0"/>
+              <a:cs typeface="Arial" panose="020B0604020202020204" pitchFamily="34" charset="0"/>
+            </a:endParaRPr>
+          </a:p>
+          <a:p>
+            <a:pPr algn="r" rtl="1"/>
+            <a:endParaRPr lang="he-IL" sz="3200" dirty="0">
+              <a:latin typeface="Arial" panose="020B0604020202020204" pitchFamily="34" charset="0"/>
+              <a:cs typeface="Arial" panose="020B0604020202020204" pitchFamily="34" charset="0"/>
+            </a:endParaRPr>
+          </a:p>
+          <a:p>
+            <a:pPr algn="r" rtl="1"/>
+            <a:r>
+              <a:rPr lang="he-IL" sz="3200" u="sng" dirty="0">
+                <a:latin typeface="Arial" panose="020B0604020202020204" pitchFamily="34" charset="0"/>
+                <a:cs typeface="Arial" panose="020B0604020202020204" pitchFamily="34" charset="0"/>
+              </a:rPr>
+              <a:t>רדוקציה</a:t>
+            </a:r>
+          </a:p>
+          <a:p>
+            <a:pPr algn="r" rtl="1"/>
+            <a:r>
+              <a:rPr lang="he-IL" sz="3200" dirty="0">
+                <a:latin typeface="Arial" panose="020B0604020202020204" pitchFamily="34" charset="0"/>
+                <a:cs typeface="Arial" panose="020B0604020202020204" pitchFamily="34" charset="0"/>
+              </a:rPr>
+              <a:t>הבעיה שלנו - קשה לפחות כמו </a:t>
+            </a:r>
+            <a:r>
+              <a:rPr lang="en-US" sz="3200" dirty="0">
+                <a:latin typeface="Arial" panose="020B0604020202020204" pitchFamily="34" charset="0"/>
+                <a:cs typeface="Arial" panose="020B0604020202020204" pitchFamily="34" charset="0"/>
+              </a:rPr>
+              <a:t>partition</a:t>
+            </a:r>
+            <a:r>
+              <a:rPr lang="he-IL" sz="3200" dirty="0">
+                <a:latin typeface="Arial" panose="020B0604020202020204" pitchFamily="34" charset="0"/>
+                <a:cs typeface="Arial" panose="020B0604020202020204" pitchFamily="34" charset="0"/>
+              </a:rPr>
+              <a:t>.</a:t>
+            </a:r>
+            <a:endParaRPr lang="en-GB" sz="3200" dirty="0">
+              <a:latin typeface="Arial" panose="020B0604020202020204" pitchFamily="34" charset="0"/>
+              <a:cs typeface="Arial" panose="020B0604020202020204" pitchFamily="34" charset="0"/>
+            </a:endParaRPr>
+          </a:p>
+        </p:txBody>
+      </p:sp>
+    </p:spTree>
+    <p:extLst>
+      <p:ext uri="{BB962C8B-B14F-4D97-AF65-F5344CB8AC3E}">
+        <p14:creationId xmlns:p14="http://schemas.microsoft.com/office/powerpoint/2010/main" val="952413956"/>
+      </p:ext>
+    </p:extLst>
+  </p:cSld>
+  <p:clrMapOvr>
+    <a:masterClrMapping/>
+  </p:clrMapOvr>
+</p:sld>
+</file>
+
+<file path=ppt/slides/slide4.xml><?xml version="1.0" encoding="utf-8"?>
+<p:sld xmlns:a="http://schemas.openxmlformats.org/drawingml/2006/main" xmlns:r="http://schemas.openxmlformats.org/officeDocument/2006/relationships" xmlns:p="http://schemas.openxmlformats.org/presentationml/2006/main">
+  <p:cSld>
+    <p:spTree>
+      <p:nvGrpSpPr>
+        <p:cNvPr id="1" name=""/>
+        <p:cNvGrpSpPr/>
+        <p:nvPr/>
+      </p:nvGrpSpPr>
+      <p:grpSpPr>
+        <a:xfrm>
+          <a:off x="0" y="0"/>
+          <a:ext cx="0" cy="0"/>
+          <a:chOff x="0" y="0"/>
+          <a:chExt cx="0" cy="0"/>
+        </a:xfrm>
+      </p:grpSpPr>
+      <p:sp>
+        <p:nvSpPr>
+          <p:cNvPr id="2" name="Title 1">
+            <a:extLst>
+              <a:ext uri="{FF2B5EF4-FFF2-40B4-BE49-F238E27FC236}">
+                <a16:creationId xmlns:a16="http://schemas.microsoft.com/office/drawing/2014/main" id="{5D55D131-8671-5D04-13A5-94A9FBFAA3BE}"/>
+              </a:ext>
+            </a:extLst>
+          </p:cNvPr>
+          <p:cNvSpPr>
+            <a:spLocks noGrp="1"/>
+          </p:cNvSpPr>
+          <p:nvPr>
+            <p:ph type="title"/>
+          </p:nvPr>
+        </p:nvSpPr>
+        <p:spPr>
+          <a:xfrm>
+            <a:off x="761999" y="185530"/>
+            <a:ext cx="10353762" cy="970450"/>
+          </a:xfrm>
+        </p:spPr>
+        <p:txBody>
+          <a:bodyPr>
+            <a:normAutofit/>
+          </a:bodyPr>
+          <a:lstStyle/>
+          <a:p>
+            <a:r>
+              <a:rPr lang="he-IL" sz="5400" dirty="0">
+                <a:solidFill>
+                  <a:srgbClr val="B5D6FF"/>
+                </a:solidFill>
+              </a:rPr>
+              <a:t>רקע – הבעיה שלנו</a:t>
+            </a:r>
+            <a:endParaRPr lang="en-GB" sz="5400" dirty="0">
+              <a:solidFill>
+                <a:srgbClr val="B5D6FF"/>
+              </a:solidFill>
+            </a:endParaRPr>
+          </a:p>
+        </p:txBody>
+      </p:sp>
+      <mc:AlternateContent xmlns:mc="http://schemas.openxmlformats.org/markup-compatibility/2006">
+        <mc:Choice xmlns:a14="http://schemas.microsoft.com/office/drawing/2010/main" Requires="a14">
+          <p:sp>
+            <p:nvSpPr>
+              <p:cNvPr id="3" name="Content Placeholder 2">
+                <a:extLst>
+                  <a:ext uri="{FF2B5EF4-FFF2-40B4-BE49-F238E27FC236}">
+                    <a16:creationId xmlns:a16="http://schemas.microsoft.com/office/drawing/2014/main" id="{B7B5C71D-4A96-E91D-365F-F1B97DDDE745}"/>
+                  </a:ext>
+                </a:extLst>
+              </p:cNvPr>
+              <p:cNvSpPr>
+                <a:spLocks noGrp="1"/>
+              </p:cNvSpPr>
+              <p:nvPr>
+                <p:ph idx="1"/>
+              </p:nvPr>
+            </p:nvSpPr>
+            <p:spPr>
+              <a:xfrm>
+                <a:off x="498863" y="1155981"/>
+                <a:ext cx="10880035" cy="5364090"/>
+              </a:xfrm>
+            </p:spPr>
+            <p:txBody>
+              <a:bodyPr>
+                <a:noAutofit/>
+              </a:bodyPr>
+              <a:lstStyle/>
+              <a:p>
+                <a:pPr algn="r" rtl="1"/>
+                <a:r>
+                  <a:rPr lang="he-IL" sz="3200" b="1" u="sng" dirty="0">
+                    <a:solidFill>
+                      <a:schemeClr val="tx1"/>
+                    </a:solidFill>
+                  </a:rPr>
+                  <a:t>המעבדים</a:t>
+                </a:r>
+                <a:r>
+                  <a:rPr lang="he-IL" sz="3200" dirty="0">
+                    <a:solidFill>
+                      <a:schemeClr val="tx1"/>
+                    </a:solidFill>
+                  </a:rPr>
+                  <a:t> – </a:t>
+                </a:r>
+                <a:r>
+                  <a:rPr lang="en-US" sz="3200" dirty="0">
+                    <a:solidFill>
+                      <a:schemeClr val="tx1"/>
+                    </a:solidFill>
+                  </a:rPr>
+                  <a:t>Q</a:t>
+                </a:r>
+              </a:p>
+              <a:p>
+                <a:pPr marL="36900" indent="0" algn="r" rtl="1">
+                  <a:buNone/>
+                </a:pPr>
+                <a:r>
+                  <a:rPr lang="he-IL" sz="3200" dirty="0"/>
+                  <a:t> </a:t>
+                </a:r>
+                <a:r>
+                  <a:rPr lang="he-IL" sz="3200" dirty="0">
+                    <a:solidFill>
+                      <a:schemeClr val="tx1"/>
+                    </a:solidFill>
+                  </a:rPr>
+                  <a:t>מספר מעבדים </a:t>
+                </a:r>
+                <a:r>
+                  <a:rPr lang="he-IL" sz="3200" dirty="0">
+                    <a:solidFill>
+                      <a:srgbClr val="00B050"/>
+                    </a:solidFill>
+                  </a:rPr>
+                  <a:t>מסוגים שונים</a:t>
+                </a:r>
+                <a:r>
+                  <a:rPr lang="he-IL" sz="3200" dirty="0"/>
+                  <a:t>. </a:t>
+                </a:r>
+                <a:r>
+                  <a:rPr lang="he-IL" sz="3200" dirty="0">
+                    <a:solidFill>
+                      <a:schemeClr val="tx1"/>
+                    </a:solidFill>
+                  </a:rPr>
+                  <a:t>כל משימה רצה על </a:t>
+                </a:r>
+                <a:r>
+                  <a:rPr lang="he-IL" sz="3200" dirty="0">
+                    <a:solidFill>
+                      <a:srgbClr val="FF0000"/>
+                    </a:solidFill>
+                  </a:rPr>
+                  <a:t>מעבד אחד</a:t>
+                </a:r>
+                <a:r>
+                  <a:rPr lang="he-IL" sz="3200" dirty="0"/>
+                  <a:t>.</a:t>
+                </a:r>
+                <a:endParaRPr lang="he-IL" sz="3200" dirty="0">
+                  <a:solidFill>
+                    <a:srgbClr val="FF0000"/>
+                  </a:solidFill>
+                </a:endParaRPr>
+              </a:p>
+              <a:p>
+                <a:pPr algn="r" rtl="1"/>
+                <a:endParaRPr lang="he-IL" sz="3200" dirty="0">
+                  <a:solidFill>
+                    <a:srgbClr val="FFFF00"/>
+                  </a:solidFill>
+                </a:endParaRPr>
+              </a:p>
+              <a:p>
+                <a:pPr algn="r" rtl="1"/>
+                <a:r>
+                  <a:rPr lang="he-IL" sz="3200" b="1" u="sng" dirty="0">
+                    <a:solidFill>
+                      <a:schemeClr val="tx1"/>
+                    </a:solidFill>
+                  </a:rPr>
+                  <a:t>האילוצים</a:t>
+                </a:r>
+                <a:r>
+                  <a:rPr lang="he-IL" sz="3200" dirty="0">
+                    <a:solidFill>
+                      <a:schemeClr val="tx1"/>
+                    </a:solidFill>
+                  </a:rPr>
+                  <a:t> – </a:t>
+                </a:r>
+                <a:r>
+                  <a:rPr lang="en-US" sz="3200" dirty="0" err="1">
+                    <a:solidFill>
+                      <a:schemeClr val="tx1"/>
+                    </a:solidFill>
+                    <a:latin typeface="Arial" panose="020B0604020202020204" pitchFamily="34" charset="0"/>
+                    <a:cs typeface="Arial" panose="020B0604020202020204" pitchFamily="34" charset="0"/>
+                  </a:rPr>
+                  <a:t>prec</a:t>
+                </a:r>
+                <a:br>
+                  <a:rPr lang="en-US" sz="3200" dirty="0"/>
+                </a:br>
+                <a:r>
+                  <a:rPr lang="he-IL" sz="3200" dirty="0">
+                    <a:solidFill>
+                      <a:schemeClr val="accent1">
+                        <a:lumMod val="40000"/>
+                        <a:lumOff val="60000"/>
+                      </a:schemeClr>
+                    </a:solidFill>
+                  </a:rPr>
+                  <a:t>תלות</a:t>
+                </a:r>
+                <a:r>
+                  <a:rPr lang="he-IL" sz="3200" dirty="0"/>
+                  <a:t> </a:t>
+                </a:r>
+                <a:r>
+                  <a:rPr lang="he-IL" sz="3200" dirty="0">
+                    <a:solidFill>
+                      <a:schemeClr val="tx1"/>
+                    </a:solidFill>
+                  </a:rPr>
+                  <a:t>בין</a:t>
+                </a:r>
+                <a:r>
+                  <a:rPr lang="he-IL" sz="3200" dirty="0"/>
+                  <a:t> </a:t>
+                </a:r>
+                <a:r>
+                  <a:rPr lang="he-IL" sz="3200" dirty="0">
+                    <a:solidFill>
+                      <a:srgbClr val="00B050"/>
+                    </a:solidFill>
+                  </a:rPr>
+                  <a:t>תחילת משימה </a:t>
+                </a:r>
+                <a:r>
+                  <a:rPr lang="he-IL" sz="3200" dirty="0">
+                    <a:solidFill>
+                      <a:schemeClr val="tx1"/>
+                    </a:solidFill>
+                  </a:rPr>
+                  <a:t>אחת</a:t>
+                </a:r>
+                <a:r>
+                  <a:rPr lang="he-IL" sz="3200" dirty="0">
+                    <a:solidFill>
+                      <a:srgbClr val="00B050"/>
+                    </a:solidFill>
+                  </a:rPr>
+                  <a:t> </a:t>
+                </a:r>
+                <a:r>
+                  <a:rPr lang="he-IL" sz="3200" dirty="0">
+                    <a:solidFill>
+                      <a:srgbClr val="FF0000"/>
+                    </a:solidFill>
+                  </a:rPr>
+                  <a:t>לסיום משימה </a:t>
+                </a:r>
+                <a:r>
+                  <a:rPr lang="he-IL" sz="3200" dirty="0">
+                    <a:solidFill>
+                      <a:schemeClr val="tx1"/>
+                    </a:solidFill>
+                  </a:rPr>
+                  <a:t>אחרת.</a:t>
+                </a:r>
+              </a:p>
+              <a:p>
+                <a:pPr algn="r" rtl="1"/>
+                <a:endParaRPr lang="he-IL" sz="3200" dirty="0"/>
+              </a:p>
+              <a:p>
+                <a:pPr algn="r" rtl="1"/>
+                <a:r>
+                  <a:rPr lang="he-IL" sz="3200" b="1" u="sng" dirty="0">
+                    <a:solidFill>
+                      <a:schemeClr val="tx1"/>
+                    </a:solidFill>
+                  </a:rPr>
+                  <a:t>המטרה</a:t>
+                </a:r>
+                <a:r>
+                  <a:rPr lang="he-IL" sz="3200" dirty="0">
+                    <a:solidFill>
+                      <a:schemeClr val="tx1"/>
+                    </a:solidFill>
+                  </a:rPr>
+                  <a:t> – מזעור</a:t>
+                </a:r>
+                <a14:m>
+                  <m:oMath xmlns:m="http://schemas.openxmlformats.org/officeDocument/2006/math">
+                    <m:sSub>
+                      <m:sSubPr>
+                        <m:ctrlPr>
+                          <a:rPr lang="he-IL" sz="3200" i="1" smtClean="0">
+                            <a:solidFill>
+                              <a:schemeClr val="tx1"/>
+                            </a:solidFill>
+                            <a:latin typeface="Cambria Math" panose="02040503050406030204" pitchFamily="18" charset="0"/>
+                          </a:rPr>
+                        </m:ctrlPr>
+                      </m:sSubPr>
+                      <m:e>
+                        <m:r>
+                          <a:rPr lang="en-US" sz="3200" b="0" i="1" smtClean="0">
+                            <a:solidFill>
+                              <a:schemeClr val="tx1"/>
+                            </a:solidFill>
+                            <a:latin typeface="Cambria Math" panose="02040503050406030204" pitchFamily="18" charset="0"/>
+                          </a:rPr>
+                          <m:t>𝐶</m:t>
+                        </m:r>
+                      </m:e>
+                      <m:sub>
+                        <m:r>
+                          <a:rPr lang="en-US" sz="3200" b="0" i="1" smtClean="0">
+                            <a:solidFill>
+                              <a:schemeClr val="tx1"/>
+                            </a:solidFill>
+                            <a:latin typeface="Cambria Math" panose="02040503050406030204" pitchFamily="18" charset="0"/>
+                          </a:rPr>
+                          <m:t>𝑀𝐴𝑋</m:t>
+                        </m:r>
+                      </m:sub>
+                    </m:sSub>
+                  </m:oMath>
+                </a14:m>
+                <a:r>
+                  <a:rPr lang="he-IL" sz="3200" dirty="0">
+                    <a:solidFill>
+                      <a:schemeClr val="tx1"/>
+                    </a:solidFill>
+                  </a:rPr>
+                  <a:t> </a:t>
+                </a:r>
+              </a:p>
+              <a:p>
+                <a:pPr marL="36900" indent="0" algn="r" rtl="1">
+                  <a:buNone/>
+                </a:pPr>
+                <a:r>
+                  <a:rPr lang="he-IL" sz="3200" dirty="0"/>
+                  <a:t>  </a:t>
+                </a:r>
+                <a:r>
+                  <a:rPr lang="he-IL" sz="3200" dirty="0">
+                    <a:solidFill>
+                      <a:srgbClr val="00B050"/>
+                    </a:solidFill>
+                  </a:rPr>
+                  <a:t>מתחילת </a:t>
+                </a:r>
+                <a:r>
+                  <a:rPr lang="he-IL" sz="3200" dirty="0">
+                    <a:solidFill>
+                      <a:schemeClr val="tx1"/>
+                    </a:solidFill>
+                  </a:rPr>
+                  <a:t>המשימה</a:t>
+                </a:r>
+                <a:r>
+                  <a:rPr lang="he-IL" sz="3200" dirty="0"/>
+                  <a:t> </a:t>
+                </a:r>
+                <a:r>
+                  <a:rPr lang="he-IL" sz="3200" dirty="0">
+                    <a:solidFill>
+                      <a:srgbClr val="00B050"/>
+                    </a:solidFill>
+                  </a:rPr>
+                  <a:t>הראשונה</a:t>
+                </a:r>
+                <a:r>
+                  <a:rPr lang="he-IL" sz="3200" dirty="0"/>
+                  <a:t> -&gt; </a:t>
+                </a:r>
+                <a:r>
+                  <a:rPr lang="he-IL" sz="3200" dirty="0">
+                    <a:solidFill>
+                      <a:srgbClr val="FF0000"/>
+                    </a:solidFill>
+                  </a:rPr>
+                  <a:t>סיום</a:t>
+                </a:r>
+                <a:r>
+                  <a:rPr lang="he-IL" sz="3200" dirty="0"/>
+                  <a:t> </a:t>
+                </a:r>
+                <a:r>
+                  <a:rPr lang="he-IL" sz="3200" dirty="0">
+                    <a:solidFill>
+                      <a:schemeClr val="tx1"/>
+                    </a:solidFill>
+                  </a:rPr>
+                  <a:t>המשימה</a:t>
+                </a:r>
+                <a:r>
+                  <a:rPr lang="he-IL" sz="3200" dirty="0"/>
+                  <a:t> </a:t>
+                </a:r>
+                <a:r>
+                  <a:rPr lang="he-IL" sz="3200" dirty="0">
+                    <a:solidFill>
+                      <a:srgbClr val="FF0000"/>
+                    </a:solidFill>
+                  </a:rPr>
+                  <a:t>האחרונה.</a:t>
+                </a:r>
+                <a:endParaRPr lang="en-GB" sz="3200" dirty="0">
+                  <a:solidFill>
+                    <a:srgbClr val="FF0000"/>
+                  </a:solidFill>
+                </a:endParaRPr>
+              </a:p>
+            </p:txBody>
+          </p:sp>
+        </mc:Choice>
+        <mc:Fallback>
+          <p:sp>
+            <p:nvSpPr>
+              <p:cNvPr id="3" name="Content Placeholder 2">
+                <a:extLst>
+                  <a:ext uri="{FF2B5EF4-FFF2-40B4-BE49-F238E27FC236}">
+                    <a16:creationId xmlns:a16="http://schemas.microsoft.com/office/drawing/2014/main" id="{B7B5C71D-4A96-E91D-365F-F1B97DDDE745}"/>
+                  </a:ext>
+                </a:extLst>
+              </p:cNvPr>
+              <p:cNvSpPr>
+                <a:spLocks noGrp="1" noRot="1" noChangeAspect="1" noMove="1" noResize="1" noEditPoints="1" noAdjustHandles="1" noChangeArrowheads="1" noChangeShapeType="1" noTextEdit="1"/>
+              </p:cNvSpPr>
+              <p:nvPr>
+                <p:ph idx="1"/>
+              </p:nvPr>
+            </p:nvSpPr>
+            <p:spPr>
+              <a:xfrm>
+                <a:off x="498863" y="1155981"/>
+                <a:ext cx="10880035" cy="5364090"/>
+              </a:xfrm>
+              <a:blipFill>
+                <a:blip r:embed="rId3"/>
+                <a:stretch>
+                  <a:fillRect/>
+                </a:stretch>
+              </a:blipFill>
+            </p:spPr>
+            <p:txBody>
+              <a:bodyPr/>
+              <a:lstStyle/>
+              <a:p>
+                <a:r>
+                  <a:rPr lang="en-GB">
+                    <a:noFill/>
+                  </a:rPr>
+                  <a:t> </a:t>
+                </a:r>
+              </a:p>
+            </p:txBody>
+          </p:sp>
+        </mc:Fallback>
+      </mc:AlternateContent>
+    </p:spTree>
+    <p:extLst>
+      <p:ext uri="{BB962C8B-B14F-4D97-AF65-F5344CB8AC3E}">
+        <p14:creationId xmlns:p14="http://schemas.microsoft.com/office/powerpoint/2010/main" val="2653921649"/>
+      </p:ext>
+    </p:extLst>
+  </p:cSld>
+  <p:clrMapOvr>
+    <a:masterClrMapping/>
+  </p:clrMapOvr>
+</p:sld>
+</file>
+
+<file path=ppt/slides/slide5.xml><?xml version="1.0" encoding="utf-8"?>
+<p:sld xmlns:a="http://schemas.openxmlformats.org/drawingml/2006/main" xmlns:r="http://schemas.openxmlformats.org/officeDocument/2006/relationships" xmlns:p="http://schemas.openxmlformats.org/presentationml/2006/main">
+  <p:cSld>
+    <p:spTree>
+      <p:nvGrpSpPr>
+        <p:cNvPr id="1" name=""/>
+        <p:cNvGrpSpPr/>
+        <p:nvPr/>
+      </p:nvGrpSpPr>
+      <p:grpSpPr>
+        <a:xfrm>
+          <a:off x="0" y="0"/>
+          <a:ext cx="0" cy="0"/>
+          <a:chOff x="0" y="0"/>
+          <a:chExt cx="0" cy="0"/>
+        </a:xfrm>
+      </p:grpSpPr>
+      <p:sp>
+        <p:nvSpPr>
+          <p:cNvPr id="2" name="Title 1">
+            <a:extLst>
+              <a:ext uri="{FF2B5EF4-FFF2-40B4-BE49-F238E27FC236}">
+                <a16:creationId xmlns:a16="http://schemas.microsoft.com/office/drawing/2014/main" id="{805DAFE2-57D4-8308-F76C-002DB48A1F7B}"/>
+              </a:ext>
+            </a:extLst>
+          </p:cNvPr>
+          <p:cNvSpPr>
+            <a:spLocks noGrp="1"/>
+          </p:cNvSpPr>
+          <p:nvPr>
+            <p:ph type="title"/>
+          </p:nvPr>
+        </p:nvSpPr>
+        <p:spPr>
+          <a:xfrm>
+            <a:off x="913795" y="151076"/>
+            <a:ext cx="10353762" cy="970450"/>
+          </a:xfrm>
+        </p:spPr>
+        <p:txBody>
+          <a:bodyPr>
+            <a:normAutofit/>
+          </a:bodyPr>
+          <a:lstStyle/>
+          <a:p>
+            <a:r>
+              <a:rPr lang="he-IL" sz="5400" dirty="0">
+                <a:solidFill>
+                  <a:srgbClr val="B5D6FF"/>
+                </a:solidFill>
+              </a:rPr>
+              <a:t>מוטיבציה</a:t>
+            </a:r>
+            <a:endParaRPr lang="en-GB" sz="5400" dirty="0">
+              <a:solidFill>
+                <a:srgbClr val="B5D6FF"/>
+              </a:solidFill>
+            </a:endParaRPr>
+          </a:p>
+        </p:txBody>
+      </p:sp>
+      <p:sp>
+        <p:nvSpPr>
+          <p:cNvPr id="3" name="Content Placeholder 2">
+            <a:extLst>
+              <a:ext uri="{FF2B5EF4-FFF2-40B4-BE49-F238E27FC236}">
+                <a16:creationId xmlns:a16="http://schemas.microsoft.com/office/drawing/2014/main" id="{8B35DCD7-1A82-FB07-4BF7-F77F8D5B652E}"/>
+              </a:ext>
+            </a:extLst>
+          </p:cNvPr>
+          <p:cNvSpPr>
+            <a:spLocks noGrp="1"/>
+          </p:cNvSpPr>
+          <p:nvPr>
+            <p:ph idx="1"/>
+          </p:nvPr>
+        </p:nvSpPr>
+        <p:spPr>
+          <a:xfrm>
+            <a:off x="913795" y="1057523"/>
+            <a:ext cx="10353762" cy="4733677"/>
+          </a:xfrm>
+        </p:spPr>
+        <p:txBody>
+          <a:bodyPr>
+            <a:normAutofit/>
+          </a:bodyPr>
+          <a:lstStyle/>
+          <a:p>
+            <a:pPr algn="r" rtl="1"/>
+            <a:r>
+              <a:rPr lang="he-IL" sz="3200" dirty="0">
+                <a:solidFill>
+                  <a:schemeClr val="tx1"/>
+                </a:solidFill>
+              </a:rPr>
+              <a:t> </a:t>
+            </a:r>
+            <a:r>
+              <a:rPr lang="en-US" sz="3200" u="sng" dirty="0">
+                <a:solidFill>
+                  <a:schemeClr val="tx1"/>
+                </a:solidFill>
+                <a:latin typeface="Arial" panose="020B0604020202020204" pitchFamily="34" charset="0"/>
+                <a:cs typeface="Arial" panose="020B0604020202020204" pitchFamily="34" charset="0"/>
+              </a:rPr>
+              <a:t>Mobileye</a:t>
+            </a:r>
+            <a:br>
+              <a:rPr lang="en-US" sz="3200" u="sng" dirty="0">
+                <a:solidFill>
+                  <a:schemeClr val="tx1"/>
+                </a:solidFill>
+              </a:rPr>
+            </a:br>
+            <a:r>
+              <a:rPr lang="he-IL" sz="3200" dirty="0">
+                <a:solidFill>
+                  <a:schemeClr val="tx1"/>
+                </a:solidFill>
+              </a:rPr>
+              <a:t> </a:t>
+            </a:r>
+            <a:r>
+              <a:rPr lang="he-IL" sz="3200" b="1" dirty="0">
+                <a:solidFill>
+                  <a:schemeClr val="tx1"/>
+                </a:solidFill>
+              </a:rPr>
+              <a:t>המטרה: </a:t>
+            </a:r>
+            <a:r>
+              <a:rPr lang="he-IL" sz="3200" dirty="0">
+                <a:solidFill>
+                  <a:schemeClr val="tx1"/>
+                </a:solidFill>
+              </a:rPr>
+              <a:t>לתת מענה לבעיית תזמון ברכבים אוטונומיים</a:t>
+            </a:r>
+            <a:br>
+              <a:rPr lang="en-US" sz="3200" dirty="0">
+                <a:solidFill>
+                  <a:schemeClr val="tx1"/>
+                </a:solidFill>
+              </a:rPr>
+            </a:br>
+            <a:endParaRPr lang="he-IL" sz="3200" dirty="0">
+              <a:solidFill>
+                <a:schemeClr val="tx1"/>
+              </a:solidFill>
+            </a:endParaRPr>
+          </a:p>
+          <a:p>
+            <a:pPr algn="r" rtl="1"/>
+            <a:r>
+              <a:rPr lang="he-IL" sz="3200" dirty="0">
+                <a:solidFill>
+                  <a:schemeClr val="tx1"/>
+                </a:solidFill>
+              </a:rPr>
+              <a:t> מגוון רחב של בעיות תזמון</a:t>
+            </a:r>
+          </a:p>
+          <a:p>
+            <a:pPr marL="36900" indent="0" algn="r" rtl="1">
+              <a:buNone/>
+            </a:pPr>
+            <a:endParaRPr lang="en-GB" sz="3200" u="sng" dirty="0">
+              <a:solidFill>
+                <a:schemeClr val="tx1"/>
+              </a:solidFill>
+            </a:endParaRPr>
+          </a:p>
+        </p:txBody>
+      </p:sp>
+      <p:pic>
+        <p:nvPicPr>
+          <p:cNvPr id="5" name="Picture 4">
+            <a:extLst>
+              <a:ext uri="{FF2B5EF4-FFF2-40B4-BE49-F238E27FC236}">
+                <a16:creationId xmlns:a16="http://schemas.microsoft.com/office/drawing/2014/main" id="{0F92417D-A17A-E9AA-9CC4-3B29C5C13D14}"/>
+              </a:ext>
+            </a:extLst>
+          </p:cNvPr>
+          <p:cNvPicPr>
+            <a:picLocks noChangeAspect="1"/>
+          </p:cNvPicPr>
+          <p:nvPr/>
+        </p:nvPicPr>
+        <p:blipFill>
+          <a:blip r:embed="rId3"/>
+          <a:stretch>
+            <a:fillRect/>
+          </a:stretch>
+        </p:blipFill>
+        <p:spPr>
+          <a:xfrm>
+            <a:off x="1455089" y="2937059"/>
+            <a:ext cx="4762806" cy="3769865"/>
+          </a:xfrm>
+          <a:prstGeom prst="rect">
+            <a:avLst/>
+          </a:prstGeom>
+        </p:spPr>
+      </p:pic>
+    </p:spTree>
+    <p:extLst>
+      <p:ext uri="{BB962C8B-B14F-4D97-AF65-F5344CB8AC3E}">
+        <p14:creationId xmlns:p14="http://schemas.microsoft.com/office/powerpoint/2010/main" val="3287519786"/>
+      </p:ext>
+    </p:extLst>
+  </p:cSld>
+  <p:clrMapOvr>
+    <a:masterClrMapping/>
+  </p:clrMapOvr>
+</p:sld>
+</file>
+
+<file path=ppt/slides/slide6.xml><?xml version="1.0" encoding="utf-8"?>
+<p:sld xmlns:a="http://schemas.openxmlformats.org/drawingml/2006/main" xmlns:r="http://schemas.openxmlformats.org/officeDocument/2006/relationships" xmlns:p="http://schemas.openxmlformats.org/presentationml/2006/main">
+  <p:cSld>
+    <p:spTree>
+      <p:nvGrpSpPr>
+        <p:cNvPr id="1" name=""/>
+        <p:cNvGrpSpPr/>
+        <p:nvPr/>
+      </p:nvGrpSpPr>
+      <p:grpSpPr>
+        <a:xfrm>
+          <a:off x="0" y="0"/>
+          <a:ext cx="0" cy="0"/>
+          <a:chOff x="0" y="0"/>
+          <a:chExt cx="0" cy="0"/>
+        </a:xfrm>
+      </p:grpSpPr>
+      <p:sp>
+        <p:nvSpPr>
+          <p:cNvPr id="2" name="Title 1">
+            <a:extLst>
+              <a:ext uri="{FF2B5EF4-FFF2-40B4-BE49-F238E27FC236}">
+                <a16:creationId xmlns:a16="http://schemas.microsoft.com/office/drawing/2014/main" id="{F92BC7B7-842B-69AB-8D64-F3F9EE34DB6F}"/>
+              </a:ext>
+            </a:extLst>
+          </p:cNvPr>
+          <p:cNvSpPr>
+            <a:spLocks noGrp="1"/>
+          </p:cNvSpPr>
+          <p:nvPr>
+            <p:ph type="title"/>
+          </p:nvPr>
+        </p:nvSpPr>
+        <p:spPr/>
+        <p:txBody>
+          <a:bodyPr>
+            <a:normAutofit/>
+          </a:bodyPr>
+          <a:lstStyle/>
+          <a:p>
+            <a:r>
+              <a:rPr lang="he-IL" sz="5400" dirty="0">
+                <a:solidFill>
+                  <a:schemeClr val="accent2">
+                    <a:lumMod val="75000"/>
+                  </a:schemeClr>
+                </a:solidFill>
+              </a:rPr>
+              <a:t>שאלות מרכזיות</a:t>
+            </a:r>
+            <a:endParaRPr lang="en-GB" sz="5400" dirty="0">
+              <a:solidFill>
+                <a:schemeClr val="accent2">
+                  <a:lumMod val="75000"/>
+                </a:schemeClr>
+              </a:solidFill>
+            </a:endParaRPr>
+          </a:p>
+        </p:txBody>
+      </p:sp>
+      <p:sp>
+        <p:nvSpPr>
+          <p:cNvPr id="3" name="Content Placeholder 2">
+            <a:extLst>
+              <a:ext uri="{FF2B5EF4-FFF2-40B4-BE49-F238E27FC236}">
+                <a16:creationId xmlns:a16="http://schemas.microsoft.com/office/drawing/2014/main" id="{290FC2BC-F55C-B683-9456-1AF3443F51B7}"/>
+              </a:ext>
+            </a:extLst>
+          </p:cNvPr>
+          <p:cNvSpPr>
+            <a:spLocks noGrp="1"/>
+          </p:cNvSpPr>
+          <p:nvPr>
+            <p:ph idx="1"/>
+          </p:nvPr>
+        </p:nvSpPr>
+        <p:spPr>
+          <a:xfrm>
+            <a:off x="913795" y="2037249"/>
+            <a:ext cx="10353762" cy="4058751"/>
+          </a:xfrm>
+        </p:spPr>
+        <p:txBody>
+          <a:bodyPr>
+            <a:normAutofit/>
+          </a:bodyPr>
+          <a:lstStyle/>
+          <a:p>
+            <a:pPr algn="r" rtl="1"/>
+            <a:r>
+              <a:rPr lang="he-IL" sz="4000" dirty="0">
+                <a:solidFill>
+                  <a:schemeClr val="accent1">
+                    <a:lumMod val="60000"/>
+                    <a:lumOff val="40000"/>
+                  </a:schemeClr>
+                </a:solidFill>
+              </a:rPr>
+              <a:t>אלגוריתם יותר טוב מהחמדן?</a:t>
+            </a:r>
+          </a:p>
+          <a:p>
+            <a:pPr algn="r" rtl="1"/>
+            <a:endParaRPr lang="he-IL" sz="4000" dirty="0">
+              <a:solidFill>
+                <a:schemeClr val="accent1">
+                  <a:lumMod val="60000"/>
+                  <a:lumOff val="40000"/>
+                </a:schemeClr>
+              </a:solidFill>
+            </a:endParaRPr>
+          </a:p>
+          <a:p>
+            <a:pPr algn="r" rtl="1"/>
+            <a:r>
+              <a:rPr lang="he-IL" sz="4000" dirty="0">
+                <a:solidFill>
+                  <a:schemeClr val="accent1">
+                    <a:lumMod val="60000"/>
+                    <a:lumOff val="40000"/>
+                  </a:schemeClr>
+                </a:solidFill>
+              </a:rPr>
+              <a:t>קלטים אמיתיים?</a:t>
+            </a:r>
+          </a:p>
+          <a:p>
+            <a:pPr algn="r" rtl="1"/>
+            <a:endParaRPr lang="he-IL" sz="4000" dirty="0">
+              <a:solidFill>
+                <a:schemeClr val="accent1">
+                  <a:lumMod val="60000"/>
+                  <a:lumOff val="40000"/>
+                </a:schemeClr>
+              </a:solidFill>
+            </a:endParaRPr>
+          </a:p>
+          <a:p>
+            <a:pPr algn="r" rtl="1"/>
+            <a:r>
+              <a:rPr lang="he-IL" sz="4000" dirty="0">
+                <a:solidFill>
+                  <a:schemeClr val="accent1">
+                    <a:lumMod val="60000"/>
+                    <a:lumOff val="40000"/>
+                  </a:schemeClr>
+                </a:solidFill>
+              </a:rPr>
+              <a:t>אלגוריתם מעשי?</a:t>
+            </a:r>
+            <a:endParaRPr lang="en-GB" sz="4000" dirty="0">
+              <a:solidFill>
+                <a:schemeClr val="accent1">
+                  <a:lumMod val="60000"/>
+                  <a:lumOff val="40000"/>
+                </a:schemeClr>
+              </a:solidFill>
+            </a:endParaRPr>
+          </a:p>
+        </p:txBody>
+      </p:sp>
+    </p:spTree>
+    <p:extLst>
+      <p:ext uri="{BB962C8B-B14F-4D97-AF65-F5344CB8AC3E}">
+        <p14:creationId xmlns:p14="http://schemas.microsoft.com/office/powerpoint/2010/main" val="351184086"/>
+      </p:ext>
+    </p:extLst>
+  </p:cSld>
+  <p:clrMapOvr>
+    <a:masterClrMapping/>
+  </p:clrMapOvr>
+</p:sld>
+</file>
+
+<file path=ppt/slides/slide7.xml><?xml version="1.0" encoding="utf-8"?>
+<p:sld xmlns:a="http://schemas.openxmlformats.org/drawingml/2006/main" xmlns:r="http://schemas.openxmlformats.org/officeDocument/2006/relationships" xmlns:p="http://schemas.openxmlformats.org/presentationml/2006/main">
+  <p:cSld>
+    <p:spTree>
+      <p:nvGrpSpPr>
+        <p:cNvPr id="1" name=""/>
+        <p:cNvGrpSpPr/>
+        <p:nvPr/>
+      </p:nvGrpSpPr>
+      <p:grpSpPr>
+        <a:xfrm>
+          <a:off x="0" y="0"/>
+          <a:ext cx="0" cy="0"/>
+          <a:chOff x="0" y="0"/>
+          <a:chExt cx="0" cy="0"/>
+        </a:xfrm>
+      </p:grpSpPr>
+      <p:sp>
+        <p:nvSpPr>
+          <p:cNvPr id="2" name="Title 1">
+            <a:extLst>
+              <a:ext uri="{FF2B5EF4-FFF2-40B4-BE49-F238E27FC236}">
                 <a16:creationId xmlns:a16="http://schemas.microsoft.com/office/drawing/2014/main" id="{3756C808-D2B2-1F2A-E788-CECBE213BB4E}"/>
               </a:ext>
             </a:extLst>
@@ -6385,7 +9576,7 @@
         </p:nvSpPr>
         <p:spPr>
           <a:xfrm>
-            <a:off x="5393635" y="1482260"/>
+            <a:off x="5085905" y="1374641"/>
             <a:ext cx="5921709" cy="970451"/>
           </a:xfrm>
         </p:spPr>
@@ -6399,7 +9590,7 @@
             <a:r>
               <a:rPr lang="he-IL" sz="2400" dirty="0">
                 <a:solidFill>
-                  <a:srgbClr val="92D050"/>
+                  <a:schemeClr val="tx1"/>
                 </a:solidFill>
               </a:rPr>
               <a:t>משבץ משימות שרירותית</a:t>
@@ -6410,7 +9601,7 @@
             <a:r>
               <a:rPr lang="en-US" sz="2400" dirty="0">
                 <a:solidFill>
-                  <a:srgbClr val="92D050"/>
+                  <a:schemeClr val="tx1"/>
                 </a:solidFill>
               </a:rPr>
               <a:t>P</a:t>
@@ -6418,14 +9609,14 @@
             <a:r>
               <a:rPr lang="he-IL" sz="2400" dirty="0">
                 <a:solidFill>
-                  <a:srgbClr val="92D050"/>
+                  <a:schemeClr val="tx1"/>
                 </a:solidFill>
               </a:rPr>
               <a:t> מקרב בסביבה הטרוגנית</a:t>
             </a:r>
             <a:endParaRPr lang="en-GB" sz="2400" dirty="0">
               <a:solidFill>
-                <a:srgbClr val="92D050"/>
+                <a:schemeClr val="tx1"/>
               </a:solidFill>
             </a:endParaRPr>
           </a:p>
@@ -6460,7 +9651,7 @@
         </p:blipFill>
         <p:spPr bwMode="auto">
           <a:xfrm>
-            <a:off x="2130080" y="2563752"/>
+            <a:off x="2462942" y="2563752"/>
             <a:ext cx="7255468" cy="3890057"/>
           </a:xfrm>
           <a:prstGeom prst="rect">
@@ -6491,7 +9682,7 @@
 </p:sld>
 </file>
 
-<file path=ppt/slides/slide4.xml><?xml version="1.0" encoding="utf-8"?>
+<file path=ppt/slides/slide8.xml><?xml version="1.0" encoding="utf-8"?>
 <p:sld xmlns:a="http://schemas.openxmlformats.org/drawingml/2006/main" xmlns:r="http://schemas.openxmlformats.org/officeDocument/2006/relationships" xmlns:p="http://schemas.openxmlformats.org/presentationml/2006/main">
   <p:cSld>
     <p:spTree>
@@ -6513,7 +9704,7 @@
           <p:cNvPr id="2" name="Title 1">
             <a:extLst>
               <a:ext uri="{FF2B5EF4-FFF2-40B4-BE49-F238E27FC236}">
-                <a16:creationId xmlns:a16="http://schemas.microsoft.com/office/drawing/2014/main" id="{93CF1CBC-B544-AC9C-0ACF-C2FE09807AA9}"/>
+                <a16:creationId xmlns:a16="http://schemas.microsoft.com/office/drawing/2014/main" id="{9E02674D-CDAA-5154-E823-DD747E42BA4B}"/>
               </a:ext>
             </a:extLst>
           </p:cNvPr>
@@ -6524,7 +9715,12 @@
             <p:ph type="title"/>
           </p:nvPr>
         </p:nvSpPr>
-        <p:spPr/>
+        <p:spPr>
+          <a:xfrm>
+            <a:off x="913795" y="235889"/>
+            <a:ext cx="10353762" cy="970450"/>
+          </a:xfrm>
+        </p:spPr>
         <p:txBody>
           <a:bodyPr/>
           <a:lstStyle/>
@@ -6538,7 +9734,18 @@
                   </a:schemeClr>
                 </a:solidFill>
               </a:rPr>
-              <a:t>קלטים אמיתיים</a:t>
+              <a:t>השוואת מתזמנים \ </a:t>
+            </a:r>
+            <a:r>
+              <a:rPr lang="he-IL" dirty="0" err="1">
+                <a:solidFill>
+                  <a:schemeClr val="accent1">
+                    <a:lumMod val="60000"/>
+                    <a:lumOff val="40000"/>
+                  </a:schemeClr>
+                </a:solidFill>
+              </a:rPr>
+              <a:t>היוריסטיקות</a:t>
             </a:r>
             <a:endParaRPr lang="en-GB" dirty="0">
               <a:solidFill>
@@ -6551,6 +9758,116 @@
           </a:p>
         </p:txBody>
       </p:sp>
+      <p:pic>
+        <p:nvPicPr>
+          <p:cNvPr id="4" name="Picture 3">
+            <a:extLst>
+              <a:ext uri="{FF2B5EF4-FFF2-40B4-BE49-F238E27FC236}">
+                <a16:creationId xmlns:a16="http://schemas.microsoft.com/office/drawing/2014/main" id="{3683977A-9E1B-B935-14EF-A4EF8E81BBC8}"/>
+              </a:ext>
+            </a:extLst>
+          </p:cNvPr>
+          <p:cNvPicPr>
+            <a:picLocks noChangeAspect="1"/>
+          </p:cNvPicPr>
+          <p:nvPr/>
+        </p:nvPicPr>
+        <p:blipFill>
+          <a:blip r:embed="rId3"/>
+          <a:stretch>
+            <a:fillRect/>
+          </a:stretch>
+        </p:blipFill>
+        <p:spPr>
+          <a:xfrm>
+            <a:off x="261757" y="1455089"/>
+            <a:ext cx="11668486" cy="4554773"/>
+          </a:xfrm>
+          <a:prstGeom prst="rect">
+            <a:avLst/>
+          </a:prstGeom>
+        </p:spPr>
+      </p:pic>
+    </p:spTree>
+    <p:extLst>
+      <p:ext uri="{BB962C8B-B14F-4D97-AF65-F5344CB8AC3E}">
+        <p14:creationId xmlns:p14="http://schemas.microsoft.com/office/powerpoint/2010/main" val="2555102687"/>
+      </p:ext>
+    </p:extLst>
+  </p:cSld>
+  <p:clrMapOvr>
+    <a:masterClrMapping/>
+  </p:clrMapOvr>
+</p:sld>
+</file>
+
+<file path=ppt/slides/slide9.xml><?xml version="1.0" encoding="utf-8"?>
+<p:sld xmlns:a="http://schemas.openxmlformats.org/drawingml/2006/main" xmlns:r="http://schemas.openxmlformats.org/officeDocument/2006/relationships" xmlns:p="http://schemas.openxmlformats.org/presentationml/2006/main">
+  <p:cSld>
+    <p:spTree>
+      <p:nvGrpSpPr>
+        <p:cNvPr id="1" name=""/>
+        <p:cNvGrpSpPr/>
+        <p:nvPr/>
+      </p:nvGrpSpPr>
+      <p:grpSpPr>
+        <a:xfrm>
+          <a:off x="0" y="0"/>
+          <a:ext cx="0" cy="0"/>
+          <a:chOff x="0" y="0"/>
+          <a:chExt cx="0" cy="0"/>
+        </a:xfrm>
+      </p:grpSpPr>
+      <p:sp>
+        <p:nvSpPr>
+          <p:cNvPr id="2" name="Title 1">
+            <a:extLst>
+              <a:ext uri="{FF2B5EF4-FFF2-40B4-BE49-F238E27FC236}">
+                <a16:creationId xmlns:a16="http://schemas.microsoft.com/office/drawing/2014/main" id="{93CF1CBC-B544-AC9C-0ACF-C2FE09807AA9}"/>
+              </a:ext>
+            </a:extLst>
+          </p:cNvPr>
+          <p:cNvSpPr>
+            <a:spLocks noGrp="1"/>
+          </p:cNvSpPr>
+          <p:nvPr>
+            <p:ph type="title"/>
+          </p:nvPr>
+        </p:nvSpPr>
+        <p:spPr>
+          <a:xfrm>
+            <a:off x="913795" y="180230"/>
+            <a:ext cx="10353762" cy="970450"/>
+          </a:xfrm>
+        </p:spPr>
+        <p:txBody>
+          <a:bodyPr>
+            <a:normAutofit/>
+          </a:bodyPr>
+          <a:lstStyle/>
+          <a:p>
+            <a:r>
+              <a:rPr lang="he-IL" sz="5400" dirty="0">
+                <a:solidFill>
+                  <a:schemeClr val="accent1">
+                    <a:lumMod val="60000"/>
+                    <a:lumOff val="40000"/>
+                  </a:schemeClr>
+                </a:solidFill>
+              </a:rPr>
+              <a:t>קלטים אמיתיים</a:t>
+            </a:r>
+            <a:endParaRPr lang="en-GB" sz="5400" dirty="0">
+              <a:solidFill>
+                <a:schemeClr val="accent1">
+                  <a:lumMod val="60000"/>
+                  <a:lumOff val="40000"/>
+                </a:schemeClr>
+              </a:solidFill>
+            </a:endParaRPr>
+          </a:p>
+        </p:txBody>
+      </p:sp>
       <p:sp>
         <p:nvSpPr>
           <p:cNvPr id="3" name="Content Placeholder 2">
@@ -6583,7 +9900,7 @@
             <a:r>
               <a:rPr lang="he-IL" sz="2800" dirty="0">
                 <a:solidFill>
-                  <a:srgbClr val="92D050"/>
+                  <a:schemeClr val="tx1"/>
                 </a:solidFill>
               </a:rPr>
               <a:t>540 קבצי </a:t>
@@ -6591,14 +9908,14 @@
             <a:r>
               <a:rPr lang="en-US" sz="2800" dirty="0">
                 <a:solidFill>
-                  <a:srgbClr val="92D050"/>
+                  <a:schemeClr val="tx1"/>
                 </a:solidFill>
               </a:rPr>
               <a:t>DAG</a:t>
             </a:r>
             <a:endParaRPr lang="he-IL" sz="2800" dirty="0">
               <a:solidFill>
-                <a:srgbClr val="92D050"/>
+                <a:schemeClr val="tx1"/>
               </a:solidFill>
             </a:endParaRPr>
           </a:p>
@@ -6607,14 +9924,14 @@
             <a:r>
               <a:rPr lang="he-IL" sz="2800" dirty="0">
                 <a:solidFill>
-                  <a:srgbClr val="92D050"/>
+                  <a:schemeClr val="tx1"/>
                 </a:solidFill>
               </a:rPr>
               <a:t>~5000 משימות בכל קובץ</a:t>
             </a:r>
             <a:endParaRPr lang="en-GB" sz="2800" dirty="0">
               <a:solidFill>
-                <a:srgbClr val="92D050"/>
+                <a:schemeClr val="tx1"/>
               </a:solidFill>
             </a:endParaRPr>
           </a:p>
@@ -6654,565 +9971,6 @@
     <p:extLst>
       <p:ext uri="{BB962C8B-B14F-4D97-AF65-F5344CB8AC3E}">
         <p14:creationId xmlns:p14="http://schemas.microsoft.com/office/powerpoint/2010/main" val="184195487"/>
-      </p:ext>
-    </p:extLst>
-  </p:cSld>
-  <p:clrMapOvr>
-    <a:masterClrMapping/>
-  </p:clrMapOvr>
-</p:sld>
-</file>
-
-<file path=ppt/slides/slide5.xml><?xml version="1.0" encoding="utf-8"?>
-<p:sld xmlns:a="http://schemas.openxmlformats.org/drawingml/2006/main" xmlns:r="http://schemas.openxmlformats.org/officeDocument/2006/relationships" xmlns:p="http://schemas.openxmlformats.org/presentationml/2006/main">
-  <p:cSld>
-    <p:spTree>
-      <p:nvGrpSpPr>
-        <p:cNvPr id="1" name=""/>
-        <p:cNvGrpSpPr/>
-        <p:nvPr/>
-      </p:nvGrpSpPr>
-      <p:grpSpPr>
-        <a:xfrm>
-          <a:off x="0" y="0"/>
-          <a:ext cx="0" cy="0"/>
-          <a:chOff x="0" y="0"/>
-          <a:chExt cx="0" cy="0"/>
-        </a:xfrm>
-      </p:grpSpPr>
-      <p:sp>
-        <p:nvSpPr>
-          <p:cNvPr id="2" name="Title 1">
-            <a:extLst>
-              <a:ext uri="{FF2B5EF4-FFF2-40B4-BE49-F238E27FC236}">
-                <a16:creationId xmlns:a16="http://schemas.microsoft.com/office/drawing/2014/main" id="{9E02674D-CDAA-5154-E823-DD747E42BA4B}"/>
-              </a:ext>
-            </a:extLst>
-          </p:cNvPr>
-          <p:cNvSpPr>
-            <a:spLocks noGrp="1"/>
-          </p:cNvSpPr>
-          <p:nvPr>
-            <p:ph type="title"/>
-          </p:nvPr>
-        </p:nvSpPr>
-        <p:spPr/>
-        <p:txBody>
-          <a:bodyPr/>
-          <a:lstStyle/>
-          <a:p>
-            <a:r>
-              <a:rPr lang="he-IL" dirty="0">
-                <a:solidFill>
-                  <a:schemeClr val="accent1">
-                    <a:lumMod val="60000"/>
-                    <a:lumOff val="40000"/>
-                  </a:schemeClr>
-                </a:solidFill>
-              </a:rPr>
-              <a:t>השוואת מתזמנים \ </a:t>
-            </a:r>
-            <a:r>
-              <a:rPr lang="he-IL" dirty="0" err="1">
-                <a:solidFill>
-                  <a:schemeClr val="accent1">
-                    <a:lumMod val="60000"/>
-                    <a:lumOff val="40000"/>
-                  </a:schemeClr>
-                </a:solidFill>
-              </a:rPr>
-              <a:t>היוריסטיקות</a:t>
-            </a:r>
-            <a:endParaRPr lang="en-GB" dirty="0">
-              <a:solidFill>
-                <a:schemeClr val="accent1">
-                  <a:lumMod val="60000"/>
-                  <a:lumOff val="40000"/>
-                </a:schemeClr>
-              </a:solidFill>
-            </a:endParaRPr>
-          </a:p>
-        </p:txBody>
-      </p:sp>
-      <p:pic>
-        <p:nvPicPr>
-          <p:cNvPr id="5" name="Picture 4">
-            <a:extLst>
-              <a:ext uri="{FF2B5EF4-FFF2-40B4-BE49-F238E27FC236}">
-                <a16:creationId xmlns:a16="http://schemas.microsoft.com/office/drawing/2014/main" id="{E12E3D43-E85A-D343-072C-F7F096606A0D}"/>
-              </a:ext>
-            </a:extLst>
-          </p:cNvPr>
-          <p:cNvPicPr>
-            <a:picLocks noChangeAspect="1"/>
-          </p:cNvPicPr>
-          <p:nvPr/>
-        </p:nvPicPr>
-        <p:blipFill>
-          <a:blip r:embed="rId2"/>
-          <a:stretch>
-            <a:fillRect/>
-          </a:stretch>
-        </p:blipFill>
-        <p:spPr>
-          <a:xfrm>
-            <a:off x="1498985" y="1977187"/>
-            <a:ext cx="9183382" cy="4096322"/>
-          </a:xfrm>
-          <a:prstGeom prst="rect">
-            <a:avLst/>
-          </a:prstGeom>
-        </p:spPr>
-      </p:pic>
-    </p:spTree>
-    <p:extLst>
-      <p:ext uri="{BB962C8B-B14F-4D97-AF65-F5344CB8AC3E}">
-        <p14:creationId xmlns:p14="http://schemas.microsoft.com/office/powerpoint/2010/main" val="2555102687"/>
-      </p:ext>
-    </p:extLst>
-  </p:cSld>
-  <p:clrMapOvr>
-    <a:masterClrMapping/>
-  </p:clrMapOvr>
-</p:sld>
-</file>
-
-<file path=ppt/slides/slide6.xml><?xml version="1.0" encoding="utf-8"?>
-<p:sld xmlns:a="http://schemas.openxmlformats.org/drawingml/2006/main" xmlns:r="http://schemas.openxmlformats.org/officeDocument/2006/relationships" xmlns:p="http://schemas.openxmlformats.org/presentationml/2006/main">
-  <p:cSld>
-    <p:spTree>
-      <p:nvGrpSpPr>
-        <p:cNvPr id="1" name=""/>
-        <p:cNvGrpSpPr/>
-        <p:nvPr/>
-      </p:nvGrpSpPr>
-      <p:grpSpPr>
-        <a:xfrm>
-          <a:off x="0" y="0"/>
-          <a:ext cx="0" cy="0"/>
-          <a:chOff x="0" y="0"/>
-          <a:chExt cx="0" cy="0"/>
-        </a:xfrm>
-      </p:grpSpPr>
-      <p:sp>
-        <p:nvSpPr>
-          <p:cNvPr id="2" name="Title 1">
-            <a:extLst>
-              <a:ext uri="{FF2B5EF4-FFF2-40B4-BE49-F238E27FC236}">
-                <a16:creationId xmlns:a16="http://schemas.microsoft.com/office/drawing/2014/main" id="{CA294F8E-B24A-A53F-5EC6-25A1873D1A48}"/>
-              </a:ext>
-            </a:extLst>
-          </p:cNvPr>
-          <p:cNvSpPr>
-            <a:spLocks noGrp="1"/>
-          </p:cNvSpPr>
-          <p:nvPr>
-            <p:ph type="title"/>
-          </p:nvPr>
-        </p:nvSpPr>
-        <p:spPr/>
-        <p:txBody>
-          <a:bodyPr/>
-          <a:lstStyle/>
-          <a:p>
-            <a:r>
-              <a:rPr lang="he-IL" dirty="0">
-                <a:solidFill>
-                  <a:schemeClr val="accent1">
-                    <a:lumMod val="60000"/>
-                    <a:lumOff val="40000"/>
-                  </a:schemeClr>
-                </a:solidFill>
-              </a:rPr>
-              <a:t>אלגוריתם מעשי</a:t>
-            </a:r>
-            <a:endParaRPr lang="en-GB" dirty="0">
-              <a:solidFill>
-                <a:schemeClr val="accent1">
-                  <a:lumMod val="60000"/>
-                  <a:lumOff val="40000"/>
-                </a:schemeClr>
-              </a:solidFill>
-            </a:endParaRPr>
-          </a:p>
-        </p:txBody>
-      </p:sp>
-      <p:sp>
-        <p:nvSpPr>
-          <p:cNvPr id="3" name="Content Placeholder 2">
-            <a:extLst>
-              <a:ext uri="{FF2B5EF4-FFF2-40B4-BE49-F238E27FC236}">
-                <a16:creationId xmlns:a16="http://schemas.microsoft.com/office/drawing/2014/main" id="{8C0B5B6C-33D9-D750-0DAE-62370F8CD93C}"/>
-              </a:ext>
-            </a:extLst>
-          </p:cNvPr>
-          <p:cNvSpPr>
-            <a:spLocks noGrp="1"/>
-          </p:cNvSpPr>
-          <p:nvPr>
-            <p:ph idx="1"/>
-          </p:nvPr>
-        </p:nvSpPr>
-        <p:spPr>
-          <a:xfrm>
-            <a:off x="3578088" y="1732449"/>
-            <a:ext cx="7689470" cy="3482281"/>
-          </a:xfrm>
-        </p:spPr>
-        <p:txBody>
-          <a:bodyPr>
-            <a:noAutofit/>
-          </a:bodyPr>
-          <a:lstStyle/>
-          <a:p>
-            <a:pPr algn="r" rtl="1"/>
-            <a:r>
-              <a:rPr lang="he-IL" sz="2800" dirty="0">
-                <a:solidFill>
-                  <a:srgbClr val="92D050"/>
-                </a:solidFill>
-              </a:rPr>
-              <a:t>תור דחוף ולא דחוף – קדימויות</a:t>
-            </a:r>
-          </a:p>
-          <a:p>
-            <a:pPr algn="r" rtl="1"/>
-            <a:endParaRPr lang="he-IL" sz="2800" dirty="0">
-              <a:solidFill>
-                <a:srgbClr val="92D050"/>
-              </a:solidFill>
-            </a:endParaRPr>
-          </a:p>
-          <a:p>
-            <a:pPr algn="r" rtl="1"/>
-            <a:r>
-              <a:rPr lang="he-IL" sz="2800" dirty="0">
-                <a:solidFill>
-                  <a:srgbClr val="92D050"/>
-                </a:solidFill>
-              </a:rPr>
-              <a:t>אלגוריתמי </a:t>
-            </a:r>
-            <a:r>
-              <a:rPr lang="en-US" sz="2800" dirty="0">
-                <a:solidFill>
-                  <a:srgbClr val="92D050"/>
-                </a:solidFill>
-              </a:rPr>
-              <a:t>online</a:t>
-            </a:r>
-            <a:endParaRPr lang="he-IL" sz="2800" dirty="0">
-              <a:solidFill>
-                <a:srgbClr val="92D050"/>
-              </a:solidFill>
-            </a:endParaRPr>
-          </a:p>
-          <a:p>
-            <a:pPr algn="r" rtl="1"/>
-            <a:endParaRPr lang="he-IL" sz="2800" dirty="0">
-              <a:solidFill>
-                <a:srgbClr val="92D050"/>
-              </a:solidFill>
-            </a:endParaRPr>
-          </a:p>
-          <a:p>
-            <a:pPr algn="r" rtl="1"/>
-            <a:r>
-              <a:rPr lang="he-IL" sz="2800" dirty="0">
-                <a:solidFill>
-                  <a:srgbClr val="92D050"/>
-                </a:solidFill>
-              </a:rPr>
-              <a:t>ערכי סף</a:t>
-            </a:r>
-          </a:p>
-          <a:p>
-            <a:pPr marL="36900" indent="0" algn="r" rtl="1">
-              <a:buNone/>
-            </a:pPr>
-            <a:endParaRPr lang="he-IL" sz="2800" dirty="0">
-              <a:solidFill>
-                <a:srgbClr val="92D050"/>
-              </a:solidFill>
-            </a:endParaRPr>
-          </a:p>
-        </p:txBody>
-      </p:sp>
-    </p:spTree>
-    <p:extLst>
-      <p:ext uri="{BB962C8B-B14F-4D97-AF65-F5344CB8AC3E}">
-        <p14:creationId xmlns:p14="http://schemas.microsoft.com/office/powerpoint/2010/main" val="795616468"/>
-      </p:ext>
-    </p:extLst>
-  </p:cSld>
-  <p:clrMapOvr>
-    <a:masterClrMapping/>
-  </p:clrMapOvr>
-</p:sld>
-</file>
-
-<file path=ppt/slides/slide7.xml><?xml version="1.0" encoding="utf-8"?>
-<p:sld xmlns:a="http://schemas.openxmlformats.org/drawingml/2006/main" xmlns:r="http://schemas.openxmlformats.org/officeDocument/2006/relationships" xmlns:p="http://schemas.openxmlformats.org/presentationml/2006/main">
-  <p:cSld>
-    <p:spTree>
-      <p:nvGrpSpPr>
-        <p:cNvPr id="1" name=""/>
-        <p:cNvGrpSpPr/>
-        <p:nvPr/>
-      </p:nvGrpSpPr>
-      <p:grpSpPr>
-        <a:xfrm>
-          <a:off x="0" y="0"/>
-          <a:ext cx="0" cy="0"/>
-          <a:chOff x="0" y="0"/>
-          <a:chExt cx="0" cy="0"/>
-        </a:xfrm>
-      </p:grpSpPr>
-      <p:sp>
-        <p:nvSpPr>
-          <p:cNvPr id="2" name="Title 1">
-            <a:extLst>
-              <a:ext uri="{FF2B5EF4-FFF2-40B4-BE49-F238E27FC236}">
-                <a16:creationId xmlns:a16="http://schemas.microsoft.com/office/drawing/2014/main" id="{DE7E635D-7132-76AB-EEFF-E76D0F4A8E9C}"/>
-              </a:ext>
-            </a:extLst>
-          </p:cNvPr>
-          <p:cNvSpPr>
-            <a:spLocks noGrp="1"/>
-          </p:cNvSpPr>
-          <p:nvPr>
-            <p:ph type="title"/>
-          </p:nvPr>
-        </p:nvSpPr>
-        <p:spPr/>
-        <p:txBody>
-          <a:bodyPr/>
-          <a:lstStyle/>
-          <a:p>
-            <a:r>
-              <a:rPr lang="he-IL" dirty="0">
-                <a:solidFill>
-                  <a:schemeClr val="accent1">
-                    <a:lumMod val="60000"/>
-                    <a:lumOff val="40000"/>
-                  </a:schemeClr>
-                </a:solidFill>
-              </a:rPr>
-              <a:t>אלגוריתם מעשי - תוצאות</a:t>
-            </a:r>
-            <a:endParaRPr lang="en-GB" dirty="0">
-              <a:solidFill>
-                <a:schemeClr val="accent1">
-                  <a:lumMod val="60000"/>
-                  <a:lumOff val="40000"/>
-                </a:schemeClr>
-              </a:solidFill>
-            </a:endParaRPr>
-          </a:p>
-        </p:txBody>
-      </p:sp>
-      <p:pic>
-        <p:nvPicPr>
-          <p:cNvPr id="5" name="Picture 4">
-            <a:extLst>
-              <a:ext uri="{FF2B5EF4-FFF2-40B4-BE49-F238E27FC236}">
-                <a16:creationId xmlns:a16="http://schemas.microsoft.com/office/drawing/2014/main" id="{E028D268-84AA-19AC-FA80-8755E1AAB393}"/>
-              </a:ext>
-            </a:extLst>
-          </p:cNvPr>
-          <p:cNvPicPr>
-            <a:picLocks noChangeAspect="1"/>
-          </p:cNvPicPr>
-          <p:nvPr/>
-        </p:nvPicPr>
-        <p:blipFill>
-          <a:blip r:embed="rId2"/>
-          <a:stretch>
-            <a:fillRect/>
-          </a:stretch>
-        </p:blipFill>
-        <p:spPr>
-          <a:xfrm>
-            <a:off x="1827643" y="1876515"/>
-            <a:ext cx="8526065" cy="4648849"/>
-          </a:xfrm>
-          <a:prstGeom prst="rect">
-            <a:avLst/>
-          </a:prstGeom>
-        </p:spPr>
-      </p:pic>
-    </p:spTree>
-    <p:extLst>
-      <p:ext uri="{BB962C8B-B14F-4D97-AF65-F5344CB8AC3E}">
-        <p14:creationId xmlns:p14="http://schemas.microsoft.com/office/powerpoint/2010/main" val="283278271"/>
-      </p:ext>
-    </p:extLst>
-  </p:cSld>
-  <p:clrMapOvr>
-    <a:masterClrMapping/>
-  </p:clrMapOvr>
-</p:sld>
-</file>
-
-<file path=ppt/slides/slide8.xml><?xml version="1.0" encoding="utf-8"?>
-<p:sld xmlns:a="http://schemas.openxmlformats.org/drawingml/2006/main" xmlns:r="http://schemas.openxmlformats.org/officeDocument/2006/relationships" xmlns:p="http://schemas.openxmlformats.org/presentationml/2006/main">
-  <p:cSld>
-    <p:spTree>
-      <p:nvGrpSpPr>
-        <p:cNvPr id="1" name=""/>
-        <p:cNvGrpSpPr/>
-        <p:nvPr/>
-      </p:nvGrpSpPr>
-      <p:grpSpPr>
-        <a:xfrm>
-          <a:off x="0" y="0"/>
-          <a:ext cx="0" cy="0"/>
-          <a:chOff x="0" y="0"/>
-          <a:chExt cx="0" cy="0"/>
-        </a:xfrm>
-      </p:grpSpPr>
-      <p:sp>
-        <p:nvSpPr>
-          <p:cNvPr id="2" name="Title 1">
-            <a:extLst>
-              <a:ext uri="{FF2B5EF4-FFF2-40B4-BE49-F238E27FC236}">
-                <a16:creationId xmlns:a16="http://schemas.microsoft.com/office/drawing/2014/main" id="{CDF4CC1E-A6C5-A3DB-7AF2-F7FAC9AAFA01}"/>
-              </a:ext>
-            </a:extLst>
-          </p:cNvPr>
-          <p:cNvSpPr>
-            <a:spLocks noGrp="1"/>
-          </p:cNvSpPr>
-          <p:nvPr>
-            <p:ph type="title"/>
-          </p:nvPr>
-        </p:nvSpPr>
-        <p:spPr/>
-        <p:txBody>
-          <a:bodyPr/>
-          <a:lstStyle/>
-          <a:p>
-            <a:r>
-              <a:rPr lang="he-IL" dirty="0">
-                <a:solidFill>
-                  <a:schemeClr val="accent1">
-                    <a:lumMod val="60000"/>
-                    <a:lumOff val="40000"/>
-                  </a:schemeClr>
-                </a:solidFill>
-              </a:rPr>
-              <a:t>המשך?</a:t>
-            </a:r>
-            <a:endParaRPr lang="en-GB" dirty="0">
-              <a:solidFill>
-                <a:schemeClr val="accent1">
-                  <a:lumMod val="60000"/>
-                  <a:lumOff val="40000"/>
-                </a:schemeClr>
-              </a:solidFill>
-            </a:endParaRPr>
-          </a:p>
-        </p:txBody>
-      </p:sp>
-      <p:sp>
-        <p:nvSpPr>
-          <p:cNvPr id="3" name="Content Placeholder 2">
-            <a:extLst>
-              <a:ext uri="{FF2B5EF4-FFF2-40B4-BE49-F238E27FC236}">
-                <a16:creationId xmlns:a16="http://schemas.microsoft.com/office/drawing/2014/main" id="{DF44E3E3-AAA7-D905-0134-AEFD9319C699}"/>
-              </a:ext>
-            </a:extLst>
-          </p:cNvPr>
-          <p:cNvSpPr>
-            <a:spLocks noGrp="1"/>
-          </p:cNvSpPr>
-          <p:nvPr>
-            <p:ph idx="1"/>
-          </p:nvPr>
-        </p:nvSpPr>
-        <p:spPr>
-          <a:xfrm>
-            <a:off x="4678017" y="1732449"/>
-            <a:ext cx="6589540" cy="1951655"/>
-          </a:xfrm>
-        </p:spPr>
-        <p:txBody>
-          <a:bodyPr>
-            <a:normAutofit/>
-          </a:bodyPr>
-          <a:lstStyle/>
-          <a:p>
-            <a:pPr algn="r" rtl="1"/>
-            <a:r>
-              <a:rPr lang="en-US" sz="2800" dirty="0">
-                <a:solidFill>
-                  <a:srgbClr val="92D050"/>
-                </a:solidFill>
-              </a:rPr>
-              <a:t>Clustering</a:t>
-            </a:r>
-            <a:endParaRPr lang="he-IL" sz="2800" dirty="0">
-              <a:solidFill>
-                <a:srgbClr val="92D050"/>
-              </a:solidFill>
-            </a:endParaRPr>
-          </a:p>
-          <a:p>
-            <a:pPr marL="36900" indent="0" algn="r" rtl="1">
-              <a:buNone/>
-            </a:pPr>
-            <a:endParaRPr lang="en-US" sz="2800" dirty="0">
-              <a:solidFill>
-                <a:srgbClr val="92D050"/>
-              </a:solidFill>
-            </a:endParaRPr>
-          </a:p>
-          <a:p>
-            <a:pPr algn="r" rtl="1"/>
-            <a:r>
-              <a:rPr lang="he-IL" sz="2800" dirty="0">
-                <a:solidFill>
-                  <a:srgbClr val="92D050"/>
-                </a:solidFill>
-              </a:rPr>
-              <a:t>המרת </a:t>
-            </a:r>
-            <a:r>
-              <a:rPr lang="en-US" sz="2800" dirty="0">
-                <a:solidFill>
-                  <a:srgbClr val="92D050"/>
-                </a:solidFill>
-              </a:rPr>
-              <a:t>Critical Time</a:t>
-            </a:r>
-            <a:r>
-              <a:rPr lang="he-IL" sz="2800" dirty="0">
-                <a:solidFill>
-                  <a:srgbClr val="92D050"/>
-                </a:solidFill>
-              </a:rPr>
-              <a:t> לאלגוריתמי </a:t>
-            </a:r>
-            <a:r>
-              <a:rPr lang="en-US" sz="2800" dirty="0">
-                <a:solidFill>
-                  <a:srgbClr val="92D050"/>
-                </a:solidFill>
-              </a:rPr>
-              <a:t>online</a:t>
-            </a:r>
-            <a:endParaRPr lang="en-GB" sz="2800" dirty="0">
-              <a:solidFill>
-                <a:srgbClr val="92D050"/>
-              </a:solidFill>
-            </a:endParaRPr>
-          </a:p>
-        </p:txBody>
-      </p:sp>
-    </p:spTree>
-    <p:extLst>
-      <p:ext uri="{BB962C8B-B14F-4D97-AF65-F5344CB8AC3E}">
-        <p14:creationId xmlns:p14="http://schemas.microsoft.com/office/powerpoint/2010/main" val="2309404031"/>
       </p:ext>
     </p:extLst>
   </p:cSld>
@@ -7462,4 +10220,299 @@
     </a:ext>
   </a:extLst>
 </a:theme>
+</file>
+
+<file path=ppt/theme/theme2.xml><?xml version="1.0" encoding="utf-8"?>
+<a:theme xmlns:a="http://schemas.openxmlformats.org/drawingml/2006/main" name="Office Theme">
+  <a:themeElements>
+    <a:clrScheme name="Office">
+      <a:dk1>
+        <a:sysClr val="windowText" lastClr="000000"/>
+      </a:dk1>
+      <a:lt1>
+        <a:sysClr val="window" lastClr="FFFFFF"/>
+      </a:lt1>
+      <a:dk2>
+        <a:srgbClr val="44546A"/>
+      </a:dk2>
+      <a:lt2>
+        <a:srgbClr val="E7E6E6"/>
+      </a:lt2>
+      <a:accent1>
+        <a:srgbClr val="4472C4"/>
+      </a:accent1>
+      <a:accent2>
+        <a:srgbClr val="ED7D31"/>
+      </a:accent2>
+      <a:accent3>
+        <a:srgbClr val="A5A5A5"/>
+      </a:accent3>
+      <a:accent4>
+        <a:srgbClr val="FFC000"/>
+      </a:accent4>
+      <a:accent5>
+        <a:srgbClr val="5B9BD5"/>
+      </a:accent5>
+      <a:accent6>
+        <a:srgbClr val="70AD47"/>
+      </a:accent6>
+      <a:hlink>
+        <a:srgbClr val="0563C1"/>
+      </a:hlink>
+      <a:folHlink>
+        <a:srgbClr val="954F72"/>
+      </a:folHlink>
+    </a:clrScheme>
+    <a:fontScheme name="Office">
+      <a:majorFont>
+        <a:latin typeface="Calibri Light" panose="020F0302020204030204"/>
+        <a:ea typeface=""/>
+        <a:cs typeface=""/>
+        <a:font script="Jpan" typeface="游ゴシック Light"/>
+        <a:font script="Hang" typeface="맑은 고딕"/>
+        <a:font script="Hans" typeface="等线 Light"/>
+        <a:font script="Hant" typeface="新細明體"/>
+        <a:font script="Arab" typeface="Times New Roman"/>
+        <a:font script="Hebr" typeface="Times New Roman"/>
+        <a:font script="Thai" typeface="Angsana New"/>
+        <a:font script="Ethi" typeface="Nyala"/>
+        <a:font script="Beng" typeface="Vrinda"/>
+        <a:font script="Gujr" typeface="Shruti"/>
+        <a:font script="Khmr" typeface="MoolBoran"/>
+        <a:font script="Knda" typeface="Tunga"/>
+        <a:font script="Guru" typeface="Raavi"/>
+        <a:font script="Cans" typeface="Euphemia"/>
+        <a:font script="Cher" typeface="Plantagenet Cherokee"/>
+        <a:font script="Yiii" typeface="Microsoft Yi Baiti"/>
+        <a:font script="Tibt" typeface="Microsoft Himalaya"/>
+        <a:font script="Thaa" typeface="MV Boli"/>
+        <a:font script="Deva" typeface="Mangal"/>
+        <a:font script="Telu" typeface="Gautami"/>
+        <a:font script="Taml" typeface="Latha"/>
+        <a:font script="Syrc" typeface="Estrangelo Edessa"/>
+        <a:font script="Orya" typeface="Kalinga"/>
+        <a:font script="Mlym" typeface="Kartika"/>
+        <a:font script="Laoo" typeface="DokChampa"/>
+        <a:font script="Sinh" typeface="Iskoola Pota"/>
+        <a:font script="Mong" typeface="Mongolian Baiti"/>
+        <a:font script="Viet" typeface="Times New Roman"/>
+        <a:font script="Uigh" typeface="Microsoft Uighur"/>
+        <a:font script="Geor" typeface="Sylfaen"/>
+        <a:font script="Armn" typeface="Arial"/>
+        <a:font script="Bugi" typeface="Leelawadee UI"/>
+        <a:font script="Bopo" typeface="Microsoft JhengHei"/>
+        <a:font script="Java" typeface="Javanese Text"/>
+        <a:font script="Lisu" typeface="Segoe UI"/>
+        <a:font script="Mymr" typeface="Myanmar Text"/>
+        <a:font script="Nkoo" typeface="Ebrima"/>
+        <a:font script="Olck" typeface="Nirmala UI"/>
+        <a:font script="Osma" typeface="Ebrima"/>
+        <a:font script="Phag" typeface="Phagspa"/>
+        <a:font script="Syrn" typeface="Estrangelo Edessa"/>
+        <a:font script="Syrj" typeface="Estrangelo Edessa"/>
+        <a:font script="Syre" typeface="Estrangelo Edessa"/>
+        <a:font script="Sora" typeface="Nirmala UI"/>
+        <a:font script="Tale" typeface="Microsoft Tai Le"/>
+        <a:font script="Talu" typeface="Microsoft New Tai Lue"/>
+        <a:font script="Tfng" typeface="Ebrima"/>
+      </a:majorFont>
+      <a:minorFont>
+        <a:latin typeface="Calibri" panose="020F0502020204030204"/>
+        <a:ea typeface=""/>
+        <a:cs typeface=""/>
+        <a:font script="Jpan" typeface="游ゴシック"/>
+        <a:font script="Hang" typeface="맑은 고딕"/>
+        <a:font script="Hans" typeface="等线"/>
+        <a:font script="Hant" typeface="新細明體"/>
+        <a:font script="Arab" typeface="Arial"/>
+        <a:font script="Hebr" typeface="Arial"/>
+        <a:font script="Thai" typeface="Cordia New"/>
+        <a:font script="Ethi" typeface="Nyala"/>
+        <a:font script="Beng" typeface="Vrinda"/>
+        <a:font script="Gujr" typeface="Shruti"/>
+        <a:font script="Khmr" typeface="DaunPenh"/>
+        <a:font script="Knda" typeface="Tunga"/>
+        <a:font script="Guru" typeface="Raavi"/>
+        <a:font script="Cans" typeface="Euphemia"/>
+        <a:font script="Cher" typeface="Plantagenet Cherokee"/>
+        <a:font script="Yiii" typeface="Microsoft Yi Baiti"/>
+        <a:font script="Tibt" typeface="Microsoft Himalaya"/>
+        <a:font script="Thaa" typeface="MV Boli"/>
+        <a:font script="Deva" typeface="Mangal"/>
+        <a:font script="Telu" typeface="Gautami"/>
+        <a:font script="Taml" typeface="Latha"/>
+        <a:font script="Syrc" typeface="Estrangelo Edessa"/>
+        <a:font script="Orya" typeface="Kalinga"/>
+        <a:font script="Mlym" typeface="Kartika"/>
+        <a:font script="Laoo" typeface="DokChampa"/>
+        <a:font script="Sinh" typeface="Iskoola Pota"/>
+        <a:font script="Mong" typeface="Mongolian Baiti"/>
+        <a:font script="Viet" typeface="Arial"/>
+        <a:font script="Uigh" typeface="Microsoft Uighur"/>
+        <a:font script="Geor" typeface="Sylfaen"/>
+        <a:font script="Armn" typeface="Arial"/>
+        <a:font script="Bugi" typeface="Leelawadee UI"/>
+        <a:font script="Bopo" typeface="Microsoft JhengHei"/>
+        <a:font script="Java" typeface="Javanese Text"/>
+        <a:font script="Lisu" typeface="Segoe UI"/>
+        <a:font script="Mymr" typeface="Myanmar Text"/>
+        <a:font script="Nkoo" typeface="Ebrima"/>
+        <a:font script="Olck" typeface="Nirmala UI"/>
+        <a:font script="Osma" typeface="Ebrima"/>
+        <a:font script="Phag" typeface="Phagspa"/>
+        <a:font script="Syrn" typeface="Estrangelo Edessa"/>
+        <a:font script="Syrj" typeface="Estrangelo Edessa"/>
+        <a:font script="Syre" typeface="Estrangelo Edessa"/>
+        <a:font script="Sora" typeface="Nirmala UI"/>
+        <a:font script="Tale" typeface="Microsoft Tai Le"/>
+        <a:font script="Talu" typeface="Microsoft New Tai Lue"/>
+        <a:font script="Tfng" typeface="Ebrima"/>
+      </a:minorFont>
+    </a:fontScheme>
+    <a:fmtScheme name="Office">
+      <a:fillStyleLst>
+        <a:solidFill>
+          <a:schemeClr val="phClr"/>
+        </a:solidFill>
+        <a:gradFill rotWithShape="1">
+          <a:gsLst>
+            <a:gs pos="0">
+              <a:schemeClr val="phClr">
+                <a:lumMod val="110000"/>
+                <a:satMod val="105000"/>
+                <a:tint val="67000"/>
+              </a:schemeClr>
+            </a:gs>
+            <a:gs pos="50000">
+              <a:schemeClr val="phClr">
+                <a:lumMod val="105000"/>
+                <a:satMod val="103000"/>
+                <a:tint val="73000"/>
+              </a:schemeClr>
+            </a:gs>
+            <a:gs pos="100000">
+              <a:schemeClr val="phClr">
+                <a:lumMod val="105000"/>
+                <a:satMod val="109000"/>
+                <a:tint val="81000"/>
+              </a:schemeClr>
+            </a:gs>
+          </a:gsLst>
+          <a:lin ang="5400000" scaled="0"/>
+        </a:gradFill>
+        <a:gradFill rotWithShape="1">
+          <a:gsLst>
+            <a:gs pos="0">
+              <a:schemeClr val="phClr">
+                <a:satMod val="103000"/>
+                <a:lumMod val="102000"/>
+                <a:tint val="94000"/>
+              </a:schemeClr>
+            </a:gs>
+            <a:gs pos="50000">
+              <a:schemeClr val="phClr">
+                <a:satMod val="110000"/>
+                <a:lumMod val="100000"/>
+                <a:shade val="100000"/>
+              </a:schemeClr>
+            </a:gs>
+            <a:gs pos="100000">
+              <a:schemeClr val="phClr">
+                <a:lumMod val="99000"/>
+                <a:satMod val="120000"/>
+                <a:shade val="78000"/>
+              </a:schemeClr>
+            </a:gs>
+          </a:gsLst>
+          <a:lin ang="5400000" scaled="0"/>
+        </a:gradFill>
+      </a:fillStyleLst>
+      <a:lnStyleLst>
+        <a:ln w="6350" cap="flat" cmpd="sng" algn="ctr">
+          <a:solidFill>
+            <a:schemeClr val="phClr"/>
+          </a:solidFill>
+          <a:prstDash val="solid"/>
+          <a:miter lim="800000"/>
+        </a:ln>
+        <a:ln w="12700" cap="flat" cmpd="sng" algn="ctr">
+          <a:solidFill>
+            <a:schemeClr val="phClr"/>
+          </a:solidFill>
+          <a:prstDash val="solid"/>
+          <a:miter lim="800000"/>
+        </a:ln>
+        <a:ln w="19050" cap="flat" cmpd="sng" algn="ctr">
+          <a:solidFill>
+            <a:schemeClr val="phClr"/>
+          </a:solidFill>
+          <a:prstDash val="solid"/>
+          <a:miter lim="800000"/>
+        </a:ln>
+      </a:lnStyleLst>
+      <a:effectStyleLst>
+        <a:effectStyle>
+          <a:effectLst/>
+        </a:effectStyle>
+        <a:effectStyle>
+          <a:effectLst/>
+        </a:effectStyle>
+        <a:effectStyle>
+          <a:effectLst>
+            <a:outerShdw blurRad="57150" dist="19050" dir="5400000" algn="ctr" rotWithShape="0">
+              <a:srgbClr val="000000">
+                <a:alpha val="63000"/>
+              </a:srgbClr>
+            </a:outerShdw>
+          </a:effectLst>
+        </a:effectStyle>
+      </a:effectStyleLst>
+      <a:bgFillStyleLst>
+        <a:solidFill>
+          <a:schemeClr val="phClr"/>
+        </a:solidFill>
+        <a:solidFill>
+          <a:schemeClr val="phClr">
+            <a:tint val="95000"/>
+            <a:satMod val="170000"/>
+          </a:schemeClr>
+        </a:solidFill>
+        <a:gradFill rotWithShape="1">
+          <a:gsLst>
+            <a:gs pos="0">
+              <a:schemeClr val="phClr">
+                <a:tint val="93000"/>
+                <a:satMod val="150000"/>
+                <a:shade val="98000"/>
+                <a:lumMod val="102000"/>
+              </a:schemeClr>
+            </a:gs>
+            <a:gs pos="50000">
+              <a:schemeClr val="phClr">
+                <a:tint val="98000"/>
+                <a:satMod val="130000"/>
+                <a:shade val="90000"/>
+                <a:lumMod val="103000"/>
+              </a:schemeClr>
+            </a:gs>
+            <a:gs pos="100000">
+              <a:schemeClr val="phClr">
+                <a:shade val="63000"/>
+                <a:satMod val="120000"/>
+              </a:schemeClr>
+            </a:gs>
+          </a:gsLst>
+          <a:lin ang="5400000" scaled="0"/>
+        </a:gradFill>
+      </a:bgFillStyleLst>
+    </a:fmtScheme>
+  </a:themeElements>
+  <a:objectDefaults/>
+  <a:extraClrSchemeLst/>
+  <a:extLst>
+    <a:ext uri="{05A4C25C-085E-4340-85A3-A5531E510DB2}">
+      <thm15:themeFamily xmlns:thm15="http://schemas.microsoft.com/office/thememl/2012/main" name="Office Theme" id="{62F939B6-93AF-4DB8-9C6B-D6C7DFDC589F}" vid="{4A3C46E8-61CC-4603-A589-7422A47A8E4A}"/>
+    </a:ext>
+  </a:extLst>
+</a:theme>
 </file>
--- a/presentation.pptx
+++ b/presentation.pptx
@@ -209,7 +209,7 @@
           <a:p>
             <a:fld id="{0A1C5BC1-62E7-4DE3-8A72-96E2244D6714}" type="datetimeFigureOut">
               <a:rPr lang="en-GB" smtClean="0"/>
-              <a:t>11/08/2024</a:t>
+              <a:t>12/08/2024</a:t>
             </a:fld>
             <a:endParaRPr lang="en-GB"/>
           </a:p>
@@ -748,6 +748,44 @@
           <a:p>
             <a:pPr algn="r" rtl="1"/>
             <a:r>
+              <a:rPr lang="he-IL" b="1" dirty="0" err="1"/>
+              <a:t>קירובים</a:t>
+            </a:r>
+            <a:endParaRPr lang="he-IL" b="0" dirty="0"/>
+          </a:p>
+          <a:p>
+            <a:pPr algn="r" rtl="1"/>
+            <a:r>
+              <a:rPr lang="he-IL" b="0" dirty="0"/>
+              <a:t>אי אפשר לפתור בעיות </a:t>
+            </a:r>
+            <a:r>
+              <a:rPr lang="en-US" b="0" dirty="0"/>
+              <a:t>NP</a:t>
+            </a:r>
+            <a:r>
+              <a:rPr lang="he-IL" b="0" dirty="0"/>
+              <a:t> קשות</a:t>
+            </a:r>
+          </a:p>
+          <a:p>
+            <a:pPr algn="r" rtl="1"/>
+            <a:endParaRPr lang="he-IL" b="1" dirty="0"/>
+          </a:p>
+          <a:p>
+            <a:pPr algn="r" rtl="1"/>
+            <a:r>
+              <a:rPr lang="he-IL" b="1" dirty="0"/>
+              <a:t>הבעיה הפשוטה ביותר</a:t>
+            </a:r>
+          </a:p>
+          <a:p>
+            <a:pPr algn="r" rtl="1"/>
+            <a:endParaRPr lang="he-IL" b="1" dirty="0"/>
+          </a:p>
+          <a:p>
+            <a:pPr algn="r" rtl="1"/>
+            <a:r>
               <a:rPr lang="he-IL" b="1" dirty="0"/>
               <a:t>רדוקציה</a:t>
             </a:r>
@@ -770,7 +808,7 @@
               <a:rPr lang="he-IL" b="0" dirty="0"/>
               <a:t>מהבעיה שלנו -&gt; לבעיה הפשוטה</a:t>
             </a:r>
-            <a:endParaRPr lang="en-GB" b="0" dirty="0"/>
+            <a:endParaRPr lang="en-US" b="0" dirty="0"/>
           </a:p>
         </p:txBody>
       </p:sp>
@@ -856,106 +894,42 @@
           <a:p>
             <a:pPr algn="r" rtl="1"/>
             <a:r>
-              <a:rPr lang="he-IL" u="sng" dirty="0"/>
-              <a:t>מעבדים</a:t>
-            </a:r>
-            <a:r>
-              <a:rPr lang="he-IL" dirty="0"/>
-              <a:t>: </a:t>
-            </a:r>
+              <a:rPr lang="en-US" b="1" u="none" dirty="0"/>
+              <a:t>Mobileye</a:t>
+            </a:r>
+            <a:r>
+              <a:rPr lang="he-IL" b="1" u="none" dirty="0"/>
+              <a:t>:</a:t>
+            </a:r>
+            <a:endParaRPr lang="en-US" b="1" u="none" dirty="0"/>
           </a:p>
           <a:p>
             <a:pPr algn="r" rtl="1"/>
             <a:r>
-              <a:rPr lang="he-IL" b="1" dirty="0"/>
-              <a:t>1</a:t>
+              <a:rPr lang="he-IL" b="0" u="none" dirty="0"/>
+              <a:t>שולטים בהחלטות ברכיבים אוטונומיים</a:t>
             </a:r>
           </a:p>
           <a:p>
             <a:pPr algn="r" rtl="1"/>
             <a:r>
-              <a:rPr lang="en-US" b="1" dirty="0"/>
-              <a:t>P</a:t>
-            </a:r>
-            <a:r>
-              <a:rPr lang="he-IL" dirty="0"/>
-              <a:t> – מספר מעבדים מאותו סוג</a:t>
+              <a:rPr lang="he-IL" b="0" u="none" dirty="0"/>
+              <a:t>אלגוריתם מורכב</a:t>
             </a:r>
           </a:p>
           <a:p>
             <a:pPr algn="r" rtl="1"/>
             <a:r>
-              <a:rPr lang="en-US" b="1" dirty="0"/>
-              <a:t>R</a:t>
-            </a:r>
-            <a:r>
-              <a:rPr lang="he-IL" dirty="0"/>
-              <a:t> – זמן ריצה תלוי במעבד</a:t>
+              <a:rPr lang="he-IL" b="0" u="none" dirty="0"/>
+              <a:t>ארוך לביצוע, מפוצל לתתי משימות שרצות על מעבדים ייעודיים</a:t>
             </a:r>
           </a:p>
           <a:p>
             <a:pPr algn="r" rtl="1"/>
-            <a:endParaRPr lang="he-IL" dirty="0"/>
-          </a:p>
-          <a:p>
-            <a:pPr algn="r" rtl="1"/>
-            <a:r>
-              <a:rPr lang="he-IL" u="sng" dirty="0"/>
-              <a:t>אילוצים:</a:t>
-            </a:r>
-          </a:p>
-          <a:p>
-            <a:pPr algn="r" rtl="1"/>
-            <a:r>
-              <a:rPr lang="en-US" b="1" u="none" dirty="0"/>
-              <a:t>Release Time</a:t>
-            </a:r>
-            <a:r>
-              <a:rPr lang="he-IL" b="1" u="none" dirty="0"/>
-              <a:t> </a:t>
-            </a:r>
             <a:r>
               <a:rPr lang="he-IL" b="0" u="none" dirty="0"/>
-              <a:t>– משימות רצות אחרי מאורע שקורה</a:t>
-            </a:r>
-          </a:p>
-          <a:p>
-            <a:pPr algn="r" rtl="1"/>
-            <a:r>
-              <a:rPr lang="en-US" b="1" u="none" dirty="0"/>
-              <a:t>Due Date</a:t>
-            </a:r>
-            <a:r>
-              <a:rPr lang="he-IL" b="0" u="none" dirty="0"/>
-              <a:t> –זמן נתון קבוע מראש</a:t>
-            </a:r>
-          </a:p>
-          <a:p>
-            <a:pPr algn="r" rtl="1"/>
-            <a:endParaRPr lang="he-IL" b="0" u="none" dirty="0"/>
-          </a:p>
-          <a:p>
-            <a:pPr algn="r" rtl="1"/>
-            <a:r>
-              <a:rPr lang="he-IL" b="0" u="sng" dirty="0"/>
-              <a:t>מטרה:</a:t>
-            </a:r>
-          </a:p>
-          <a:p>
-            <a:pPr algn="r" rtl="1"/>
-            <a:r>
-              <a:rPr lang="en-US" b="1" u="none" dirty="0"/>
-              <a:t>T1</a:t>
-            </a:r>
-            <a:r>
-              <a:rPr lang="he-IL" b="0" u="none" dirty="0"/>
-              <a:t> – זמן הריצה אם היה רק מעבד אחד.</a:t>
-            </a:r>
-            <a:endParaRPr lang="he-IL" b="1" u="none" dirty="0"/>
-          </a:p>
-          <a:p>
-            <a:pPr algn="r" rtl="1"/>
-            <a:endParaRPr lang="he-IL" b="1" u="none" dirty="0"/>
+              <a:t>קדימויות – נובע מהאלגוריתמים, למשל חישובים.</a:t>
+            </a:r>
           </a:p>
         </p:txBody>
       </p:sp>
@@ -1449,7 +1423,7 @@
           <a:p>
             <a:fld id="{EC581497-C12D-4CF1-AD19-6B855D0A2A08}" type="datetimeFigureOut">
               <a:rPr lang="en-GB" smtClean="0"/>
-              <a:t>11/08/2024</a:t>
+              <a:t>12/08/2024</a:t>
             </a:fld>
             <a:endParaRPr lang="en-GB"/>
           </a:p>
@@ -1747,7 +1721,7 @@
           <a:p>
             <a:fld id="{EC581497-C12D-4CF1-AD19-6B855D0A2A08}" type="datetimeFigureOut">
               <a:rPr lang="en-GB" smtClean="0"/>
-              <a:t>11/08/2024</a:t>
+              <a:t>12/08/2024</a:t>
             </a:fld>
             <a:endParaRPr lang="en-GB"/>
           </a:p>
@@ -1939,7 +1913,7 @@
           <a:p>
             <a:fld id="{EC581497-C12D-4CF1-AD19-6B855D0A2A08}" type="datetimeFigureOut">
               <a:rPr lang="en-GB" smtClean="0"/>
-              <a:t>11/08/2024</a:t>
+              <a:t>12/08/2024</a:t>
             </a:fld>
             <a:endParaRPr lang="en-GB"/>
           </a:p>
@@ -2200,7 +2174,7 @@
           <a:p>
             <a:fld id="{EC581497-C12D-4CF1-AD19-6B855D0A2A08}" type="datetimeFigureOut">
               <a:rPr lang="en-GB" smtClean="0"/>
-              <a:t>11/08/2024</a:t>
+              <a:t>12/08/2024</a:t>
             </a:fld>
             <a:endParaRPr lang="en-GB"/>
           </a:p>
@@ -2624,7 +2598,7 @@
           <a:p>
             <a:fld id="{EC581497-C12D-4CF1-AD19-6B855D0A2A08}" type="datetimeFigureOut">
               <a:rPr lang="en-GB" smtClean="0"/>
-              <a:t>11/08/2024</a:t>
+              <a:t>12/08/2024</a:t>
             </a:fld>
             <a:endParaRPr lang="en-GB"/>
           </a:p>
@@ -3161,7 +3135,7 @@
           <a:p>
             <a:fld id="{EC581497-C12D-4CF1-AD19-6B855D0A2A08}" type="datetimeFigureOut">
               <a:rPr lang="en-GB" smtClean="0"/>
-              <a:t>11/08/2024</a:t>
+              <a:t>12/08/2024</a:t>
             </a:fld>
             <a:endParaRPr lang="en-GB"/>
           </a:p>
@@ -4025,7 +3999,7 @@
           <a:p>
             <a:fld id="{EC581497-C12D-4CF1-AD19-6B855D0A2A08}" type="datetimeFigureOut">
               <a:rPr lang="en-GB" smtClean="0"/>
-              <a:t>11/08/2024</a:t>
+              <a:t>12/08/2024</a:t>
             </a:fld>
             <a:endParaRPr lang="en-GB"/>
           </a:p>
@@ -4195,7 +4169,7 @@
           <a:p>
             <a:fld id="{EC581497-C12D-4CF1-AD19-6B855D0A2A08}" type="datetimeFigureOut">
               <a:rPr lang="en-GB" smtClean="0"/>
-              <a:t>11/08/2024</a:t>
+              <a:t>12/08/2024</a:t>
             </a:fld>
             <a:endParaRPr lang="en-GB"/>
           </a:p>
@@ -4379,7 +4353,7 @@
           <a:p>
             <a:fld id="{EC581497-C12D-4CF1-AD19-6B855D0A2A08}" type="datetimeFigureOut">
               <a:rPr lang="en-GB" smtClean="0"/>
-              <a:t>11/08/2024</a:t>
+              <a:t>12/08/2024</a:t>
             </a:fld>
             <a:endParaRPr lang="en-GB"/>
           </a:p>
@@ -4549,7 +4523,7 @@
           <a:p>
             <a:fld id="{EC581497-C12D-4CF1-AD19-6B855D0A2A08}" type="datetimeFigureOut">
               <a:rPr lang="en-GB" smtClean="0"/>
-              <a:t>11/08/2024</a:t>
+              <a:t>12/08/2024</a:t>
             </a:fld>
             <a:endParaRPr lang="en-GB"/>
           </a:p>
@@ -4793,7 +4767,7 @@
           <a:p>
             <a:fld id="{EC581497-C12D-4CF1-AD19-6B855D0A2A08}" type="datetimeFigureOut">
               <a:rPr lang="en-GB" smtClean="0"/>
-              <a:t>11/08/2024</a:t>
+              <a:t>12/08/2024</a:t>
             </a:fld>
             <a:endParaRPr lang="en-GB"/>
           </a:p>
@@ -5029,7 +5003,7 @@
           <a:p>
             <a:fld id="{EC581497-C12D-4CF1-AD19-6B855D0A2A08}" type="datetimeFigureOut">
               <a:rPr lang="en-GB" smtClean="0"/>
-              <a:t>11/08/2024</a:t>
+              <a:t>12/08/2024</a:t>
             </a:fld>
             <a:endParaRPr lang="en-GB"/>
           </a:p>
@@ -5495,7 +5469,7 @@
           <a:p>
             <a:fld id="{EC581497-C12D-4CF1-AD19-6B855D0A2A08}" type="datetimeFigureOut">
               <a:rPr lang="en-GB" smtClean="0"/>
-              <a:t>11/08/2024</a:t>
+              <a:t>12/08/2024</a:t>
             </a:fld>
             <a:endParaRPr lang="en-GB"/>
           </a:p>
@@ -5613,7 +5587,7 @@
           <a:p>
             <a:fld id="{EC581497-C12D-4CF1-AD19-6B855D0A2A08}" type="datetimeFigureOut">
               <a:rPr lang="en-GB" smtClean="0"/>
-              <a:t>11/08/2024</a:t>
+              <a:t>12/08/2024</a:t>
             </a:fld>
             <a:endParaRPr lang="en-GB"/>
           </a:p>
@@ -5708,7 +5682,7 @@
           <a:p>
             <a:fld id="{EC581497-C12D-4CF1-AD19-6B855D0A2A08}" type="datetimeFigureOut">
               <a:rPr lang="en-GB" smtClean="0"/>
-              <a:t>11/08/2024</a:t>
+              <a:t>12/08/2024</a:t>
             </a:fld>
             <a:endParaRPr lang="en-GB"/>
           </a:p>
@@ -5963,7 +5937,7 @@
           <a:p>
             <a:fld id="{EC581497-C12D-4CF1-AD19-6B855D0A2A08}" type="datetimeFigureOut">
               <a:rPr lang="en-GB" smtClean="0"/>
-              <a:t>11/08/2024</a:t>
+              <a:t>12/08/2024</a:t>
             </a:fld>
             <a:endParaRPr lang="en-GB"/>
           </a:p>
@@ -6263,7 +6237,7 @@
           <a:p>
             <a:fld id="{EC581497-C12D-4CF1-AD19-6B855D0A2A08}" type="datetimeFigureOut">
               <a:rPr lang="en-GB" smtClean="0"/>
-              <a:t>11/08/2024</a:t>
+              <a:t>12/08/2024</a:t>
             </a:fld>
             <a:endParaRPr lang="en-GB"/>
           </a:p>
@@ -6497,7 +6471,7 @@
           <a:p>
             <a:fld id="{EC581497-C12D-4CF1-AD19-6B855D0A2A08}" type="datetimeFigureOut">
               <a:rPr lang="en-GB" smtClean="0"/>
-              <a:t>11/08/2024</a:t>
+              <a:t>12/08/2024</a:t>
             </a:fld>
             <a:endParaRPr lang="en-GB"/>
           </a:p>
@@ -8677,8 +8651,8 @@
           </a:p>
         </p:txBody>
       </p:sp>
-      <mc:AlternateContent xmlns:mc="http://schemas.openxmlformats.org/markup-compatibility/2006">
-        <mc:Choice xmlns:a14="http://schemas.microsoft.com/office/drawing/2010/main" Requires="a14">
+      <mc:AlternateContent xmlns:mc="http://schemas.openxmlformats.org/markup-compatibility/2006" xmlns:a14="http://schemas.microsoft.com/office/drawing/2010/main">
+        <mc:Choice Requires="a14">
           <p:sp>
             <p:nvSpPr>
               <p:cNvPr id="3" name="Content Placeholder 2">
@@ -9044,7 +9018,7 @@
             </p:txBody>
           </p:sp>
         </mc:Choice>
-        <mc:Fallback>
+        <mc:Fallback xmlns="">
           <p:sp>
             <p:nvSpPr>
               <p:cNvPr id="3" name="Content Placeholder 2">
@@ -9261,7 +9235,49 @@
                   <a:schemeClr val="tx1"/>
                 </a:solidFill>
               </a:rPr>
-              <a:t> מגוון רחב של בעיות תזמון</a:t>
+              <a:t> </a:t>
+            </a:r>
+            <a:r>
+              <a:rPr lang="he-IL" sz="3200" dirty="0">
+                <a:gradFill>
+                  <a:gsLst>
+                    <a:gs pos="0">
+                      <a:srgbClr val="FF0000"/>
+                    </a:gs>
+                    <a:gs pos="86000">
+                      <a:srgbClr val="002060"/>
+                    </a:gs>
+                    <a:gs pos="32167">
+                      <a:srgbClr val="92D050"/>
+                    </a:gs>
+                    <a:gs pos="20668">
+                      <a:srgbClr val="FFFF00"/>
+                    </a:gs>
+                    <a:gs pos="9218">
+                      <a:srgbClr val="FFC000"/>
+                    </a:gs>
+                    <a:gs pos="48000">
+                      <a:srgbClr val="00B050"/>
+                    </a:gs>
+                    <a:gs pos="69000">
+                      <a:srgbClr val="00B0F0"/>
+                    </a:gs>
+                    <a:gs pos="100000">
+                      <a:srgbClr val="7030A0"/>
+                    </a:gs>
+                  </a:gsLst>
+                  <a:lin ang="6000000" scaled="0"/>
+                </a:gradFill>
+              </a:rPr>
+              <a:t>מגוון רחב </a:t>
+            </a:r>
+            <a:r>
+              <a:rPr lang="he-IL" sz="3200" dirty="0">
+                <a:solidFill>
+                  <a:schemeClr val="tx1"/>
+                </a:solidFill>
+              </a:rPr>
+              <a:t>של בעיות תזמון</a:t>
             </a:r>
           </a:p>
           <a:p>

--- a/presentation.pptx
+++ b/presentation.pptx
@@ -5,7 +5,7 @@
     <p:sldMasterId id="2147483660" r:id="rId1"/>
   </p:sldMasterIdLst>
   <p:notesMasterIdLst>
-    <p:notesMasterId r:id="rId15"/>
+    <p:notesMasterId r:id="rId16"/>
   </p:notesMasterIdLst>
   <p:sldIdLst>
     <p:sldId id="256" r:id="rId2"/>
@@ -21,6 +21,7 @@
     <p:sldId id="262" r:id="rId12"/>
     <p:sldId id="263" r:id="rId13"/>
     <p:sldId id="269" r:id="rId14"/>
+    <p:sldId id="270" r:id="rId15"/>
   </p:sldIdLst>
   <p:sldSz cx="12192000" cy="6858000"/>
   <p:notesSz cx="6858000" cy="9144000"/>
@@ -521,39 +522,6 @@
           <a:bodyPr/>
           <a:lstStyle/>
           <a:p>
-            <a:r>
-              <a:rPr lang="en-US" dirty="0" err="1"/>
-              <a:t>Oiahsdiuoashduiasd</a:t>
-            </a:r>
-            <a:endParaRPr lang="en-US" dirty="0"/>
-          </a:p>
-          <a:p>
-            <a:r>
-              <a:rPr lang="en-US" dirty="0" err="1"/>
-              <a:t>Asdasdasd</a:t>
-            </a:r>
-            <a:endParaRPr lang="en-US" dirty="0"/>
-          </a:p>
-          <a:p>
-            <a:r>
-              <a:rPr lang="en-US" dirty="0" err="1"/>
-              <a:t>Asd</a:t>
-            </a:r>
-            <a:endParaRPr lang="en-US" dirty="0"/>
-          </a:p>
-          <a:p>
-            <a:r>
-              <a:rPr lang="en-US" dirty="0"/>
-              <a:t>Sa</a:t>
-            </a:r>
-          </a:p>
-          <a:p>
-            <a:r>
-              <a:rPr lang="en-US" dirty="0"/>
-              <a:t>Das</a:t>
-            </a:r>
-          </a:p>
-          <a:p>
             <a:endParaRPr lang="en-GB" dirty="0"/>
           </a:p>
         </p:txBody>
@@ -893,43 +861,7 @@
           <a:lstStyle/>
           <a:p>
             <a:pPr algn="r" rtl="1"/>
-            <a:r>
-              <a:rPr lang="en-US" b="1" u="none" dirty="0"/>
-              <a:t>Mobileye</a:t>
-            </a:r>
-            <a:r>
-              <a:rPr lang="he-IL" b="1" u="none" dirty="0"/>
-              <a:t>:</a:t>
-            </a:r>
-            <a:endParaRPr lang="en-US" b="1" u="none" dirty="0"/>
-          </a:p>
-          <a:p>
-            <a:pPr algn="r" rtl="1"/>
-            <a:r>
-              <a:rPr lang="he-IL" b="0" u="none" dirty="0"/>
-              <a:t>שולטים בהחלטות ברכיבים אוטונומיים</a:t>
-            </a:r>
-          </a:p>
-          <a:p>
-            <a:pPr algn="r" rtl="1"/>
-            <a:r>
-              <a:rPr lang="he-IL" b="0" u="none" dirty="0"/>
-              <a:t>אלגוריתם מורכב</a:t>
-            </a:r>
-          </a:p>
-          <a:p>
-            <a:pPr algn="r" rtl="1"/>
-            <a:r>
-              <a:rPr lang="he-IL" b="0" u="none" dirty="0"/>
-              <a:t>ארוך לביצוע, מפוצל לתתי משימות שרצות על מעבדים ייעודיים</a:t>
-            </a:r>
-          </a:p>
-          <a:p>
-            <a:pPr algn="r" rtl="1"/>
-            <a:r>
-              <a:rPr lang="he-IL" b="0" u="none" dirty="0"/>
-              <a:t>קדימויות – נובע מהאלגוריתמים, למשל חישובים.</a:t>
-            </a:r>
+            <a:endParaRPr lang="he-IL" b="0" u="none" dirty="0"/>
           </a:p>
         </p:txBody>
       </p:sp>
@@ -1013,6 +945,46 @@
           <a:bodyPr/>
           <a:lstStyle/>
           <a:p>
+            <a:pPr algn="r" rtl="1"/>
+            <a:r>
+              <a:rPr lang="en-US" b="1" u="none" dirty="0"/>
+              <a:t>Mobileye</a:t>
+            </a:r>
+            <a:r>
+              <a:rPr lang="he-IL" b="1" u="none" dirty="0"/>
+              <a:t>:</a:t>
+            </a:r>
+            <a:endParaRPr lang="en-US" b="1" u="none" dirty="0"/>
+          </a:p>
+          <a:p>
+            <a:pPr algn="r" rtl="1"/>
+            <a:r>
+              <a:rPr lang="he-IL" b="0" u="none" dirty="0"/>
+              <a:t>שולטים בהחלטות ברכיבים אוטונומיים</a:t>
+            </a:r>
+          </a:p>
+          <a:p>
+            <a:pPr algn="r" rtl="1"/>
+            <a:r>
+              <a:rPr lang="he-IL" b="0" u="none" dirty="0"/>
+              <a:t>אלגוריתם מורכב</a:t>
+            </a:r>
+          </a:p>
+          <a:p>
+            <a:pPr algn="r" rtl="1"/>
+            <a:r>
+              <a:rPr lang="he-IL" b="0" u="none" dirty="0"/>
+              <a:t>ארוך לביצוע, מפוצל לתתי משימות שרצות על מעבדים ייעודיים</a:t>
+            </a:r>
+          </a:p>
+          <a:p>
+            <a:pPr algn="r" rtl="1"/>
+            <a:r>
+              <a:rPr lang="he-IL" b="0" u="none" dirty="0"/>
+              <a:t>קדימויות – נובע מהאלגוריתמים, למשל חישובים.</a:t>
+            </a:r>
+          </a:p>
+          <a:p>
             <a:endParaRPr lang="en-GB" dirty="0"/>
           </a:p>
         </p:txBody>
@@ -1186,6 +1158,90 @@
           <a:bodyPr/>
           <a:lstStyle/>
           <a:p>
+            <a:endParaRPr lang="en-GB"/>
+          </a:p>
+        </p:txBody>
+      </p:sp>
+      <p:sp>
+        <p:nvSpPr>
+          <p:cNvPr id="4" name="Slide Number Placeholder 3"/>
+          <p:cNvSpPr>
+            <a:spLocks noGrp="1"/>
+          </p:cNvSpPr>
+          <p:nvPr>
+            <p:ph type="sldNum" sz="quarter" idx="5"/>
+          </p:nvPr>
+        </p:nvSpPr>
+        <p:spPr/>
+        <p:txBody>
+          <a:bodyPr/>
+          <a:lstStyle/>
+          <a:p>
+            <a:fld id="{D0F0F4D0-0B68-4909-BD31-E8D75B6D4844}" type="slidenum">
+              <a:rPr lang="en-GB" smtClean="0"/>
+              <a:t>9</a:t>
+            </a:fld>
+            <a:endParaRPr lang="en-GB"/>
+          </a:p>
+        </p:txBody>
+      </p:sp>
+    </p:spTree>
+    <p:extLst>
+      <p:ext uri="{BB962C8B-B14F-4D97-AF65-F5344CB8AC3E}">
+        <p14:creationId xmlns:p14="http://schemas.microsoft.com/office/powerpoint/2010/main" val="3164039593"/>
+      </p:ext>
+    </p:extLst>
+  </p:cSld>
+  <p:clrMapOvr>
+    <a:masterClrMapping/>
+  </p:clrMapOvr>
+</p:notes>
+</file>
+
+<file path=ppt/notesSlides/notesSlide8.xml><?xml version="1.0" encoding="utf-8"?>
+<p:notes xmlns:a="http://schemas.openxmlformats.org/drawingml/2006/main" xmlns:r="http://schemas.openxmlformats.org/officeDocument/2006/relationships" xmlns:p="http://schemas.openxmlformats.org/presentationml/2006/main">
+  <p:cSld>
+    <p:spTree>
+      <p:nvGrpSpPr>
+        <p:cNvPr id="1" name=""/>
+        <p:cNvGrpSpPr/>
+        <p:nvPr/>
+      </p:nvGrpSpPr>
+      <p:grpSpPr>
+        <a:xfrm>
+          <a:off x="0" y="0"/>
+          <a:ext cx="0" cy="0"/>
+          <a:chOff x="0" y="0"/>
+          <a:chExt cx="0" cy="0"/>
+        </a:xfrm>
+      </p:grpSpPr>
+      <p:sp>
+        <p:nvSpPr>
+          <p:cNvPr id="2" name="Slide Image Placeholder 1"/>
+          <p:cNvSpPr>
+            <a:spLocks noGrp="1" noRot="1" noChangeAspect="1"/>
+          </p:cNvSpPr>
+          <p:nvPr>
+            <p:ph type="sldImg"/>
+          </p:nvPr>
+        </p:nvSpPr>
+        <p:spPr/>
+      </p:sp>
+      <p:sp>
+        <p:nvSpPr>
+          <p:cNvPr id="3" name="Notes Placeholder 2"/>
+          <p:cNvSpPr>
+            <a:spLocks noGrp="1"/>
+          </p:cNvSpPr>
+          <p:nvPr>
+            <p:ph type="body" idx="1"/>
+          </p:nvPr>
+        </p:nvSpPr>
+        <p:spPr/>
+        <p:txBody>
+          <a:bodyPr/>
+          <a:lstStyle/>
+          <a:p>
             <a:pPr algn="r" rtl="1"/>
             <a:r>
               <a:rPr lang="he-IL" u="sng" dirty="0"/>
@@ -1229,6 +1285,90 @@
     <p:extLst>
       <p:ext uri="{BB962C8B-B14F-4D97-AF65-F5344CB8AC3E}">
         <p14:creationId xmlns:p14="http://schemas.microsoft.com/office/powerpoint/2010/main" val="3317854406"/>
+      </p:ext>
+    </p:extLst>
+  </p:cSld>
+  <p:clrMapOvr>
+    <a:masterClrMapping/>
+  </p:clrMapOvr>
+</p:notes>
+</file>
+
+<file path=ppt/notesSlides/notesSlide9.xml><?xml version="1.0" encoding="utf-8"?>
+<p:notes xmlns:a="http://schemas.openxmlformats.org/drawingml/2006/main" xmlns:r="http://schemas.openxmlformats.org/officeDocument/2006/relationships" xmlns:p="http://schemas.openxmlformats.org/presentationml/2006/main">
+  <p:cSld>
+    <p:spTree>
+      <p:nvGrpSpPr>
+        <p:cNvPr id="1" name=""/>
+        <p:cNvGrpSpPr/>
+        <p:nvPr/>
+      </p:nvGrpSpPr>
+      <p:grpSpPr>
+        <a:xfrm>
+          <a:off x="0" y="0"/>
+          <a:ext cx="0" cy="0"/>
+          <a:chOff x="0" y="0"/>
+          <a:chExt cx="0" cy="0"/>
+        </a:xfrm>
+      </p:grpSpPr>
+      <p:sp>
+        <p:nvSpPr>
+          <p:cNvPr id="2" name="Slide Image Placeholder 1"/>
+          <p:cNvSpPr>
+            <a:spLocks noGrp="1" noRot="1" noChangeAspect="1"/>
+          </p:cNvSpPr>
+          <p:nvPr>
+            <p:ph type="sldImg"/>
+          </p:nvPr>
+        </p:nvSpPr>
+        <p:spPr/>
+      </p:sp>
+      <p:sp>
+        <p:nvSpPr>
+          <p:cNvPr id="3" name="Notes Placeholder 2"/>
+          <p:cNvSpPr>
+            <a:spLocks noGrp="1"/>
+          </p:cNvSpPr>
+          <p:nvPr>
+            <p:ph type="body" idx="1"/>
+          </p:nvPr>
+        </p:nvSpPr>
+        <p:spPr/>
+        <p:txBody>
+          <a:bodyPr/>
+          <a:lstStyle/>
+          <a:p>
+            <a:endParaRPr lang="en-GB" dirty="0"/>
+          </a:p>
+        </p:txBody>
+      </p:sp>
+      <p:sp>
+        <p:nvSpPr>
+          <p:cNvPr id="4" name="Slide Number Placeholder 3"/>
+          <p:cNvSpPr>
+            <a:spLocks noGrp="1"/>
+          </p:cNvSpPr>
+          <p:nvPr>
+            <p:ph type="sldNum" sz="quarter" idx="5"/>
+          </p:nvPr>
+        </p:nvSpPr>
+        <p:spPr/>
+        <p:txBody>
+          <a:bodyPr/>
+          <a:lstStyle/>
+          <a:p>
+            <a:fld id="{D0F0F4D0-0B68-4909-BD31-E8D75B6D4844}" type="slidenum">
+              <a:rPr lang="en-GB" smtClean="0"/>
+              <a:t>12</a:t>
+            </a:fld>
+            <a:endParaRPr lang="en-GB"/>
+          </a:p>
+        </p:txBody>
+      </p:sp>
+    </p:spTree>
+    <p:extLst>
+      <p:ext uri="{BB962C8B-B14F-4D97-AF65-F5344CB8AC3E}">
+        <p14:creationId xmlns:p14="http://schemas.microsoft.com/office/powerpoint/2010/main" val="3560651371"/>
       </p:ext>
     </p:extLst>
   </p:cSld>
@@ -7823,7 +7963,7 @@
           <p:nvPr/>
         </p:nvPicPr>
         <p:blipFill>
-          <a:blip r:embed="rId2">
+          <a:blip r:embed="rId3">
             <a:extLst>
               <a:ext uri="{28A0092B-C50C-407E-A947-70E740481C1C}">
                 <a14:useLocalDpi xmlns:a14="http://schemas.microsoft.com/office/drawing/2010/main" val="0"/>
@@ -8046,6 +8186,104 @@
 </p:sld>
 </file>
 
+<file path=ppt/slides/slide14.xml><?xml version="1.0" encoding="utf-8"?>
+<p:sld xmlns:a="http://schemas.openxmlformats.org/drawingml/2006/main" xmlns:r="http://schemas.openxmlformats.org/officeDocument/2006/relationships" xmlns:p="http://schemas.openxmlformats.org/presentationml/2006/main">
+  <p:cSld>
+    <p:spTree>
+      <p:nvGrpSpPr>
+        <p:cNvPr id="1" name=""/>
+        <p:cNvGrpSpPr/>
+        <p:nvPr/>
+      </p:nvGrpSpPr>
+      <p:grpSpPr>
+        <a:xfrm>
+          <a:off x="0" y="0"/>
+          <a:ext cx="0" cy="0"/>
+          <a:chOff x="0" y="0"/>
+          <a:chExt cx="0" cy="0"/>
+        </a:xfrm>
+      </p:grpSpPr>
+      <p:sp>
+        <p:nvSpPr>
+          <p:cNvPr id="2" name="Title 1">
+            <a:extLst>
+              <a:ext uri="{FF2B5EF4-FFF2-40B4-BE49-F238E27FC236}">
+                <a16:creationId xmlns:a16="http://schemas.microsoft.com/office/drawing/2014/main" id="{6C0FDC02-BC1D-8166-1AA0-57E1BEB0D9BC}"/>
+              </a:ext>
+            </a:extLst>
+          </p:cNvPr>
+          <p:cNvSpPr>
+            <a:spLocks noGrp="1"/>
+          </p:cNvSpPr>
+          <p:nvPr>
+            <p:ph type="title"/>
+          </p:nvPr>
+        </p:nvSpPr>
+        <p:spPr/>
+        <p:txBody>
+          <a:bodyPr/>
+          <a:lstStyle/>
+          <a:p>
+            <a:r>
+              <a:rPr lang="he-IL" dirty="0"/>
+              <a:t>שאלות</a:t>
+            </a:r>
+            <a:endParaRPr lang="en-GB" dirty="0"/>
+          </a:p>
+        </p:txBody>
+      </p:sp>
+      <p:sp>
+        <p:nvSpPr>
+          <p:cNvPr id="3" name="Content Placeholder 2">
+            <a:extLst>
+              <a:ext uri="{FF2B5EF4-FFF2-40B4-BE49-F238E27FC236}">
+                <a16:creationId xmlns:a16="http://schemas.microsoft.com/office/drawing/2014/main" id="{F26E6525-EC1C-1693-A4BC-35EAA5A23361}"/>
+              </a:ext>
+            </a:extLst>
+          </p:cNvPr>
+          <p:cNvSpPr>
+            <a:spLocks noGrp="1"/>
+          </p:cNvSpPr>
+          <p:nvPr>
+            <p:ph idx="1"/>
+          </p:nvPr>
+        </p:nvSpPr>
+        <p:spPr>
+          <a:xfrm>
+            <a:off x="913793" y="1732449"/>
+            <a:ext cx="10353763" cy="2916553"/>
+          </a:xfrm>
+        </p:spPr>
+        <p:txBody>
+          <a:bodyPr>
+            <a:noAutofit/>
+          </a:bodyPr>
+          <a:lstStyle/>
+          <a:p>
+            <a:pPr marL="36900" indent="0" algn="ctr">
+              <a:buNone/>
+            </a:pPr>
+            <a:r>
+              <a:rPr lang="he-IL" sz="20000" dirty="0"/>
+              <a:t>?</a:t>
+            </a:r>
+            <a:endParaRPr lang="en-GB" sz="20000" dirty="0"/>
+          </a:p>
+        </p:txBody>
+      </p:sp>
+    </p:spTree>
+    <p:extLst>
+      <p:ext uri="{BB962C8B-B14F-4D97-AF65-F5344CB8AC3E}">
+        <p14:creationId xmlns:p14="http://schemas.microsoft.com/office/powerpoint/2010/main" val="864778587"/>
+      </p:ext>
+    </p:extLst>
+  </p:cSld>
+  <p:clrMapOvr>
+    <a:masterClrMapping/>
+  </p:clrMapOvr>
+</p:sld>
+</file>
+
 <file path=ppt/slides/slide2.xml><?xml version="1.0" encoding="utf-8"?>
 <p:sld xmlns:a="http://schemas.openxmlformats.org/drawingml/2006/main" xmlns:r="http://schemas.openxmlformats.org/officeDocument/2006/relationships" xmlns:p="http://schemas.openxmlformats.org/presentationml/2006/main">
   <p:cSld>
@@ -8243,7 +8481,7 @@
                   <a:schemeClr val="tx1"/>
                 </a:solidFill>
               </a:rPr>
-              <a:t>יעילות האלגוריתם המשבץ – זניח</a:t>
+              <a:t>יעילות האלגוריתם המשבץ</a:t>
             </a:r>
           </a:p>
           <a:p>
@@ -9804,6 +10042,318 @@
           </a:prstGeom>
         </p:spPr>
       </p:pic>
+      <p:sp>
+        <p:nvSpPr>
+          <p:cNvPr id="3" name="TextBox 2">
+            <a:extLst>
+              <a:ext uri="{FF2B5EF4-FFF2-40B4-BE49-F238E27FC236}">
+                <a16:creationId xmlns:a16="http://schemas.microsoft.com/office/drawing/2014/main" id="{14FCE5FB-6EEB-A30A-8066-964F5772DAE0}"/>
+              </a:ext>
+            </a:extLst>
+          </p:cNvPr>
+          <p:cNvSpPr txBox="1"/>
+          <p:nvPr/>
+        </p:nvSpPr>
+        <p:spPr>
+          <a:xfrm>
+            <a:off x="1232034" y="1745311"/>
+            <a:ext cx="895150" cy="369332"/>
+          </a:xfrm>
+          <a:prstGeom prst="rect">
+            <a:avLst/>
+          </a:prstGeom>
+          <a:noFill/>
+        </p:spPr>
+        <p:txBody>
+          <a:bodyPr wrap="square" rtlCol="0">
+            <a:spAutoFit/>
+          </a:bodyPr>
+          <a:lstStyle/>
+          <a:p>
+            <a:pPr algn="ctr"/>
+            <a:r>
+              <a:rPr lang="en-US" dirty="0">
+                <a:solidFill>
+                  <a:srgbClr val="FF0000"/>
+                </a:solidFill>
+              </a:rPr>
+              <a:t>+9.5%</a:t>
+            </a:r>
+            <a:endParaRPr lang="en-GB" dirty="0">
+              <a:solidFill>
+                <a:srgbClr val="FF0000"/>
+              </a:solidFill>
+            </a:endParaRPr>
+          </a:p>
+        </p:txBody>
+      </p:sp>
+      <p:sp>
+        <p:nvSpPr>
+          <p:cNvPr id="5" name="TextBox 4">
+            <a:extLst>
+              <a:ext uri="{FF2B5EF4-FFF2-40B4-BE49-F238E27FC236}">
+                <a16:creationId xmlns:a16="http://schemas.microsoft.com/office/drawing/2014/main" id="{12237BA6-5370-A63B-15A0-6289A4635F78}"/>
+              </a:ext>
+            </a:extLst>
+          </p:cNvPr>
+          <p:cNvSpPr txBox="1"/>
+          <p:nvPr/>
+        </p:nvSpPr>
+        <p:spPr>
+          <a:xfrm>
+            <a:off x="2760847" y="2699565"/>
+            <a:ext cx="895150" cy="369332"/>
+          </a:xfrm>
+          <a:prstGeom prst="rect">
+            <a:avLst/>
+          </a:prstGeom>
+          <a:noFill/>
+        </p:spPr>
+        <p:txBody>
+          <a:bodyPr wrap="square" rtlCol="0">
+            <a:spAutoFit/>
+          </a:bodyPr>
+          <a:lstStyle/>
+          <a:p>
+            <a:pPr algn="ctr"/>
+            <a:r>
+              <a:rPr lang="en-US" dirty="0">
+                <a:solidFill>
+                  <a:srgbClr val="FF0000"/>
+                </a:solidFill>
+              </a:rPr>
+              <a:t>+4.2%</a:t>
+            </a:r>
+            <a:endParaRPr lang="en-GB" dirty="0">
+              <a:solidFill>
+                <a:srgbClr val="FF0000"/>
+              </a:solidFill>
+            </a:endParaRPr>
+          </a:p>
+        </p:txBody>
+      </p:sp>
+      <p:sp>
+        <p:nvSpPr>
+          <p:cNvPr id="6" name="TextBox 5">
+            <a:extLst>
+              <a:ext uri="{FF2B5EF4-FFF2-40B4-BE49-F238E27FC236}">
+                <a16:creationId xmlns:a16="http://schemas.microsoft.com/office/drawing/2014/main" id="{D61C53D9-E960-393E-F145-10420A19F34C}"/>
+              </a:ext>
+            </a:extLst>
+          </p:cNvPr>
+          <p:cNvSpPr txBox="1"/>
+          <p:nvPr/>
+        </p:nvSpPr>
+        <p:spPr>
+          <a:xfrm>
+            <a:off x="4339390" y="2967719"/>
+            <a:ext cx="895150" cy="369332"/>
+          </a:xfrm>
+          <a:prstGeom prst="rect">
+            <a:avLst/>
+          </a:prstGeom>
+          <a:noFill/>
+        </p:spPr>
+        <p:txBody>
+          <a:bodyPr wrap="square" rtlCol="0">
+            <a:spAutoFit/>
+          </a:bodyPr>
+          <a:lstStyle/>
+          <a:p>
+            <a:pPr algn="ctr"/>
+            <a:r>
+              <a:rPr lang="en-US" dirty="0">
+                <a:solidFill>
+                  <a:srgbClr val="FF0000"/>
+                </a:solidFill>
+              </a:rPr>
+              <a:t>+2.5%</a:t>
+            </a:r>
+            <a:endParaRPr lang="en-GB" dirty="0">
+              <a:solidFill>
+                <a:srgbClr val="FF0000"/>
+              </a:solidFill>
+            </a:endParaRPr>
+          </a:p>
+        </p:txBody>
+      </p:sp>
+      <p:sp>
+        <p:nvSpPr>
+          <p:cNvPr id="7" name="TextBox 6">
+            <a:extLst>
+              <a:ext uri="{FF2B5EF4-FFF2-40B4-BE49-F238E27FC236}">
+                <a16:creationId xmlns:a16="http://schemas.microsoft.com/office/drawing/2014/main" id="{DAAFC536-51A0-0D7C-B728-0ABE2CE2FA28}"/>
+              </a:ext>
+            </a:extLst>
+          </p:cNvPr>
+          <p:cNvSpPr txBox="1"/>
+          <p:nvPr/>
+        </p:nvSpPr>
+        <p:spPr>
+          <a:xfrm>
+            <a:off x="5889057" y="3429000"/>
+            <a:ext cx="895150" cy="369332"/>
+          </a:xfrm>
+          <a:prstGeom prst="rect">
+            <a:avLst/>
+          </a:prstGeom>
+          <a:noFill/>
+        </p:spPr>
+        <p:txBody>
+          <a:bodyPr wrap="square" rtlCol="0">
+            <a:spAutoFit/>
+          </a:bodyPr>
+          <a:lstStyle/>
+          <a:p>
+            <a:pPr algn="ctr"/>
+            <a:r>
+              <a:rPr lang="en-US" dirty="0">
+                <a:solidFill>
+                  <a:schemeClr val="bg1"/>
+                </a:solidFill>
+              </a:rPr>
+              <a:t>0%</a:t>
+            </a:r>
+            <a:endParaRPr lang="en-GB" dirty="0">
+              <a:solidFill>
+                <a:schemeClr val="bg1"/>
+              </a:solidFill>
+            </a:endParaRPr>
+          </a:p>
+        </p:txBody>
+      </p:sp>
+      <p:sp>
+        <p:nvSpPr>
+          <p:cNvPr id="8" name="TextBox 7">
+            <a:extLst>
+              <a:ext uri="{FF2B5EF4-FFF2-40B4-BE49-F238E27FC236}">
+                <a16:creationId xmlns:a16="http://schemas.microsoft.com/office/drawing/2014/main" id="{2548DE41-1D02-8194-84D4-8F2F9AF36708}"/>
+              </a:ext>
+            </a:extLst>
+          </p:cNvPr>
+          <p:cNvSpPr txBox="1"/>
+          <p:nvPr/>
+        </p:nvSpPr>
+        <p:spPr>
+          <a:xfrm>
+            <a:off x="7440329" y="3626430"/>
+            <a:ext cx="895150" cy="369332"/>
+          </a:xfrm>
+          <a:prstGeom prst="rect">
+            <a:avLst/>
+          </a:prstGeom>
+          <a:noFill/>
+        </p:spPr>
+        <p:txBody>
+          <a:bodyPr wrap="square" rtlCol="0">
+            <a:spAutoFit/>
+          </a:bodyPr>
+          <a:lstStyle/>
+          <a:p>
+            <a:r>
+              <a:rPr lang="en-US" dirty="0">
+                <a:solidFill>
+                  <a:srgbClr val="17A11E"/>
+                </a:solidFill>
+              </a:rPr>
+              <a:t>-1.2%</a:t>
+            </a:r>
+            <a:endParaRPr lang="en-GB" dirty="0">
+              <a:solidFill>
+                <a:srgbClr val="17A11E"/>
+              </a:solidFill>
+            </a:endParaRPr>
+          </a:p>
+        </p:txBody>
+      </p:sp>
+      <p:sp>
+        <p:nvSpPr>
+          <p:cNvPr id="9" name="TextBox 8">
+            <a:extLst>
+              <a:ext uri="{FF2B5EF4-FFF2-40B4-BE49-F238E27FC236}">
+                <a16:creationId xmlns:a16="http://schemas.microsoft.com/office/drawing/2014/main" id="{13875631-7166-CD4C-CBCF-632515689AE3}"/>
+              </a:ext>
+            </a:extLst>
+          </p:cNvPr>
+          <p:cNvSpPr txBox="1"/>
+          <p:nvPr/>
+        </p:nvSpPr>
+        <p:spPr>
+          <a:xfrm>
+            <a:off x="8991601" y="3920621"/>
+            <a:ext cx="895150" cy="369332"/>
+          </a:xfrm>
+          <a:prstGeom prst="rect">
+            <a:avLst/>
+          </a:prstGeom>
+          <a:noFill/>
+        </p:spPr>
+        <p:txBody>
+          <a:bodyPr wrap="square" rtlCol="0">
+            <a:spAutoFit/>
+          </a:bodyPr>
+          <a:lstStyle/>
+          <a:p>
+            <a:r>
+              <a:rPr lang="en-US" dirty="0">
+                <a:solidFill>
+                  <a:srgbClr val="17A11E"/>
+                </a:solidFill>
+              </a:rPr>
+              <a:t>-2.8%</a:t>
+            </a:r>
+            <a:endParaRPr lang="en-GB" dirty="0">
+              <a:solidFill>
+                <a:srgbClr val="17A11E"/>
+              </a:solidFill>
+            </a:endParaRPr>
+          </a:p>
+        </p:txBody>
+      </p:sp>
+      <p:sp>
+        <p:nvSpPr>
+          <p:cNvPr id="10" name="TextBox 9">
+            <a:extLst>
+              <a:ext uri="{FF2B5EF4-FFF2-40B4-BE49-F238E27FC236}">
+                <a16:creationId xmlns:a16="http://schemas.microsoft.com/office/drawing/2014/main" id="{3E98C697-CE3F-F760-0463-F9C19F8EC87E}"/>
+              </a:ext>
+            </a:extLst>
+          </p:cNvPr>
+          <p:cNvSpPr txBox="1"/>
+          <p:nvPr/>
+        </p:nvSpPr>
+        <p:spPr>
+          <a:xfrm>
+            <a:off x="10542873" y="4146926"/>
+            <a:ext cx="895150" cy="369332"/>
+          </a:xfrm>
+          <a:prstGeom prst="rect">
+            <a:avLst/>
+          </a:prstGeom>
+          <a:noFill/>
+        </p:spPr>
+        <p:txBody>
+          <a:bodyPr wrap="square" rtlCol="0">
+            <a:spAutoFit/>
+          </a:bodyPr>
+          <a:lstStyle/>
+          <a:p>
+            <a:r>
+              <a:rPr lang="en-US" dirty="0">
+                <a:solidFill>
+                  <a:srgbClr val="17A11E"/>
+                </a:solidFill>
+              </a:rPr>
+              <a:t>-4.1%</a:t>
+            </a:r>
+            <a:endParaRPr lang="en-GB" dirty="0">
+              <a:solidFill>
+                <a:srgbClr val="17A11E"/>
+              </a:solidFill>
+            </a:endParaRPr>
+          </a:p>
+        </p:txBody>
+      </p:sp>
     </p:spTree>
     <p:extLst>
       <p:ext uri="{BB962C8B-B14F-4D97-AF65-F5344CB8AC3E}">
@@ -9968,7 +10518,7 @@
           <p:nvPr/>
         </p:nvPicPr>
         <p:blipFill>
-          <a:blip r:embed="rId2"/>
+          <a:blip r:embed="rId3"/>
           <a:stretch>
             <a:fillRect/>
           </a:stretch>

--- a/presentation.pptx
+++ b/presentation.pptx
@@ -8363,7 +8363,7 @@
         </p:nvSpPr>
         <p:spPr>
           <a:xfrm>
-            <a:off x="913795" y="1136101"/>
+            <a:off x="913795" y="1023459"/>
             <a:ext cx="10353762" cy="5582751"/>
           </a:xfrm>
         </p:spPr>
@@ -8388,18 +8388,6 @@
             <a:r>
               <a:rPr lang="he-IL" sz="3200" dirty="0">
                 <a:solidFill>
-                  <a:schemeClr val="tx1"/>
-                </a:solidFill>
-              </a:rPr>
-              <a:t>אלגוריתמי</a:t>
-            </a:r>
-            <a:r>
-              <a:rPr lang="he-IL" sz="3200" dirty="0"/>
-              <a:t> </a:t>
-            </a:r>
-            <a:r>
-              <a:rPr lang="he-IL" sz="3200" dirty="0">
-                <a:solidFill>
                   <a:srgbClr val="00B050"/>
                 </a:solidFill>
               </a:rPr>
@@ -8407,7 +8395,7 @@
             </a:r>
             <a:r>
               <a:rPr lang="he-IL" sz="3200" dirty="0"/>
-              <a:t> </a:t>
+              <a:t> ל</a:t>
             </a:r>
             <a:r>
               <a:rPr lang="he-IL" sz="3200" dirty="0">
@@ -8415,7 +8403,7 @@
                   <a:srgbClr val="FFC000"/>
                 </a:solidFill>
               </a:rPr>
-              <a:t>למעבדים</a:t>
+              <a:t>מעבדים</a:t>
             </a:r>
             <a:r>
               <a:rPr lang="he-IL" sz="3200" dirty="0"/>
@@ -8461,27 +8449,42 @@
           <a:p>
             <a:pPr algn="r" rtl="1"/>
             <a:r>
+              <a:rPr lang="he-IL" sz="3200" u="sng" dirty="0">
+                <a:solidFill>
+                  <a:schemeClr val="tx1"/>
+                </a:solidFill>
+              </a:rPr>
+              <a:t>תיאור הפתרון</a:t>
+            </a:r>
+            <a:br>
+              <a:rPr lang="en-US" sz="3200" u="sng" dirty="0">
+                <a:solidFill>
+                  <a:schemeClr val="tx1"/>
+                </a:solidFill>
+              </a:rPr>
+            </a:br>
+            <a:r>
               <a:rPr lang="he-IL" sz="3200" dirty="0">
                 <a:solidFill>
                   <a:schemeClr val="tx1"/>
                 </a:solidFill>
               </a:rPr>
-              <a:t>כיצד נשבץ על מנת למזער את זמן הריצה?</a:t>
-            </a:r>
-          </a:p>
-          <a:p>
-            <a:pPr algn="r" rtl="1"/>
-            <a:endParaRPr lang="en-US" sz="3200" dirty="0"/>
-          </a:p>
-          <a:p>
-            <a:pPr algn="r" rtl="1"/>
+              <a:t>המתזמן הטוב ביותר</a:t>
+            </a:r>
+            <a:br>
+              <a:rPr lang="en-US" sz="3200" dirty="0">
+                <a:solidFill>
+                  <a:schemeClr val="tx1"/>
+                </a:solidFill>
+              </a:rPr>
+            </a:br>
             <a:r>
               <a:rPr lang="he-IL" sz="3200" dirty="0">
                 <a:solidFill>
                   <a:schemeClr val="tx1"/>
                 </a:solidFill>
               </a:rPr>
-              <a:t>יעילות האלגוריתם המשבץ</a:t>
+              <a:t>יעילות המתזמן</a:t>
             </a:r>
           </a:p>
           <a:p>

--- a/presentation.pptx
+++ b/presentation.pptx
@@ -9535,10 +9535,10 @@
       </p:sp>
       <p:pic>
         <p:nvPicPr>
-          <p:cNvPr id="5" name="Picture 4">
+          <p:cNvPr id="6" name="Picture 5">
             <a:extLst>
               <a:ext uri="{FF2B5EF4-FFF2-40B4-BE49-F238E27FC236}">
-                <a16:creationId xmlns:a16="http://schemas.microsoft.com/office/drawing/2014/main" id="{0F92417D-A17A-E9AA-9CC4-3B29C5C13D14}"/>
+                <a16:creationId xmlns:a16="http://schemas.microsoft.com/office/drawing/2014/main" id="{CC161197-C391-D43C-1B74-A5A2A49B81D3}"/>
               </a:ext>
             </a:extLst>
           </p:cNvPr>
@@ -9555,8 +9555,8 @@
         </p:blipFill>
         <p:spPr>
           <a:xfrm>
-            <a:off x="1455089" y="2937059"/>
-            <a:ext cx="4762806" cy="3769865"/>
+            <a:off x="801115" y="2267824"/>
+            <a:ext cx="5653942" cy="4439100"/>
           </a:xfrm>
           <a:prstGeom prst="rect">
             <a:avLst/>

--- a/presentation.pptx
+++ b/presentation.pptx
@@ -210,7 +210,7 @@
           <a:p>
             <a:fld id="{0A1C5BC1-62E7-4DE3-8A72-96E2244D6714}" type="datetimeFigureOut">
               <a:rPr lang="en-GB" smtClean="0"/>
-              <a:t>12/08/2024</a:t>
+              <a:t>19/08/2024</a:t>
             </a:fld>
             <a:endParaRPr lang="en-GB"/>
           </a:p>
@@ -562,6 +562,90 @@
 </p:notes>
 </file>
 
+<file path=ppt/notesSlides/notesSlide10.xml><?xml version="1.0" encoding="utf-8"?>
+<p:notes xmlns:a="http://schemas.openxmlformats.org/drawingml/2006/main" xmlns:r="http://schemas.openxmlformats.org/officeDocument/2006/relationships" xmlns:p="http://schemas.openxmlformats.org/presentationml/2006/main">
+  <p:cSld>
+    <p:spTree>
+      <p:nvGrpSpPr>
+        <p:cNvPr id="1" name=""/>
+        <p:cNvGrpSpPr/>
+        <p:nvPr/>
+      </p:nvGrpSpPr>
+      <p:grpSpPr>
+        <a:xfrm>
+          <a:off x="0" y="0"/>
+          <a:ext cx="0" cy="0"/>
+          <a:chOff x="0" y="0"/>
+          <a:chExt cx="0" cy="0"/>
+        </a:xfrm>
+      </p:grpSpPr>
+      <p:sp>
+        <p:nvSpPr>
+          <p:cNvPr id="2" name="Slide Image Placeholder 1"/>
+          <p:cNvSpPr>
+            <a:spLocks noGrp="1" noRot="1" noChangeAspect="1"/>
+          </p:cNvSpPr>
+          <p:nvPr>
+            <p:ph type="sldImg"/>
+          </p:nvPr>
+        </p:nvSpPr>
+        <p:spPr/>
+      </p:sp>
+      <p:sp>
+        <p:nvSpPr>
+          <p:cNvPr id="3" name="Notes Placeholder 2"/>
+          <p:cNvSpPr>
+            <a:spLocks noGrp="1"/>
+          </p:cNvSpPr>
+          <p:nvPr>
+            <p:ph type="body" idx="1"/>
+          </p:nvPr>
+        </p:nvSpPr>
+        <p:spPr/>
+        <p:txBody>
+          <a:bodyPr/>
+          <a:lstStyle/>
+          <a:p>
+            <a:endParaRPr lang="en-GB" dirty="0"/>
+          </a:p>
+        </p:txBody>
+      </p:sp>
+      <p:sp>
+        <p:nvSpPr>
+          <p:cNvPr id="4" name="Slide Number Placeholder 3"/>
+          <p:cNvSpPr>
+            <a:spLocks noGrp="1"/>
+          </p:cNvSpPr>
+          <p:nvPr>
+            <p:ph type="sldNum" sz="quarter" idx="5"/>
+          </p:nvPr>
+        </p:nvSpPr>
+        <p:spPr/>
+        <p:txBody>
+          <a:bodyPr/>
+          <a:lstStyle/>
+          <a:p>
+            <a:fld id="{D0F0F4D0-0B68-4909-BD31-E8D75B6D4844}" type="slidenum">
+              <a:rPr lang="en-GB" smtClean="0"/>
+              <a:t>12</a:t>
+            </a:fld>
+            <a:endParaRPr lang="en-GB"/>
+          </a:p>
+        </p:txBody>
+      </p:sp>
+    </p:spTree>
+    <p:extLst>
+      <p:ext uri="{BB962C8B-B14F-4D97-AF65-F5344CB8AC3E}">
+        <p14:creationId xmlns:p14="http://schemas.microsoft.com/office/powerpoint/2010/main" val="3560651371"/>
+      </p:ext>
+    </p:extLst>
+  </p:cSld>
+  <p:clrMapOvr>
+    <a:masterClrMapping/>
+  </p:clrMapOvr>
+</p:notes>
+</file>
+
 <file path=ppt/notesSlides/notesSlide2.xml><?xml version="1.0" encoding="utf-8"?>
 <p:notes xmlns:a="http://schemas.openxmlformats.org/drawingml/2006/main" xmlns:r="http://schemas.openxmlformats.org/officeDocument/2006/relationships" xmlns:p="http://schemas.openxmlformats.org/presentationml/2006/main">
   <p:cSld>
@@ -763,18 +847,7 @@
             <a:pPr algn="r" rtl="1"/>
             <a:r>
               <a:rPr lang="he-IL" b="0" dirty="0"/>
-              <a:t>מהבעיה הפשוטה -&gt; ל </a:t>
-            </a:r>
-            <a:r>
-              <a:rPr lang="en-US" b="0" dirty="0"/>
-              <a:t>partition</a:t>
-            </a:r>
-          </a:p>
-          <a:p>
-            <a:pPr algn="r" rtl="1"/>
-            <a:r>
-              <a:rPr lang="he-IL" b="0" dirty="0"/>
-              <a:t>מהבעיה שלנו -&gt; לבעיה הפשוטה</a:t>
+              <a:t>מהבעיה הפשוטה -&gt; לבעיה שלנו</a:t>
             </a:r>
             <a:endParaRPr lang="en-US" b="0" dirty="0"/>
           </a:p>
@@ -861,7 +934,10 @@
           <a:lstStyle/>
           <a:p>
             <a:pPr algn="r" rtl="1"/>
-            <a:endParaRPr lang="he-IL" b="0" u="none" dirty="0"/>
+            <a:r>
+              <a:rPr lang="he-IL" b="0" u="none" dirty="0"/>
+              <a:t>בקשר למה שאביב אמר...</a:t>
+            </a:r>
           </a:p>
         </p:txBody>
       </p:sp>
@@ -1072,7 +1148,19 @@
             <a:pPr algn="r" rtl="1"/>
             <a:r>
               <a:rPr lang="he-IL" dirty="0"/>
-              <a:t>כפי שהזכרנו – זמן המיון זניח</a:t>
+              <a:t>למה הוכחנו שהוא </a:t>
+            </a:r>
+            <a:r>
+              <a:rPr lang="en-US" dirty="0"/>
+              <a:t>P</a:t>
+            </a:r>
+            <a:r>
+              <a:rPr lang="he-IL" dirty="0"/>
+              <a:t> מקרב? </a:t>
+            </a:r>
+            <a:r>
+              <a:rPr lang="he-IL"/>
+              <a:t>גרוע?</a:t>
             </a:r>
             <a:endParaRPr lang="en-GB" dirty="0"/>
           </a:p>
@@ -1095,7 +1183,7 @@
           <a:p>
             <a:fld id="{D0F0F4D0-0B68-4909-BD31-E8D75B6D4844}" type="slidenum">
               <a:rPr lang="en-GB" smtClean="0"/>
-              <a:t>8</a:t>
+              <a:t>7</a:t>
             </a:fld>
             <a:endParaRPr lang="en-GB"/>
           </a:p>
@@ -1104,7 +1192,7 @@
     </p:spTree>
     <p:extLst>
       <p:ext uri="{BB962C8B-B14F-4D97-AF65-F5344CB8AC3E}">
-        <p14:creationId xmlns:p14="http://schemas.microsoft.com/office/powerpoint/2010/main" val="3825709015"/>
+        <p14:creationId xmlns:p14="http://schemas.microsoft.com/office/powerpoint/2010/main" val="454952927"/>
       </p:ext>
     </p:extLst>
   </p:cSld>
@@ -1158,7 +1246,12 @@
           <a:bodyPr/>
           <a:lstStyle/>
           <a:p>
-            <a:endParaRPr lang="en-GB"/>
+            <a:pPr algn="r" rtl="1"/>
+            <a:r>
+              <a:rPr lang="he-IL" dirty="0"/>
+              <a:t>כפי שהזכרנו – זמן המיון זניח</a:t>
+            </a:r>
+            <a:endParaRPr lang="en-GB" dirty="0"/>
           </a:p>
         </p:txBody>
       </p:sp>
@@ -1179,7 +1272,7 @@
           <a:p>
             <a:fld id="{D0F0F4D0-0B68-4909-BD31-E8D75B6D4844}" type="slidenum">
               <a:rPr lang="en-GB" smtClean="0"/>
-              <a:t>9</a:t>
+              <a:t>8</a:t>
             </a:fld>
             <a:endParaRPr lang="en-GB"/>
           </a:p>
@@ -1188,7 +1281,7 @@
     </p:spTree>
     <p:extLst>
       <p:ext uri="{BB962C8B-B14F-4D97-AF65-F5344CB8AC3E}">
-        <p14:creationId xmlns:p14="http://schemas.microsoft.com/office/powerpoint/2010/main" val="3164039593"/>
+        <p14:creationId xmlns:p14="http://schemas.microsoft.com/office/powerpoint/2010/main" val="3825709015"/>
       </p:ext>
     </p:extLst>
   </p:cSld>
@@ -1242,19 +1335,7 @@
           <a:bodyPr/>
           <a:lstStyle/>
           <a:p>
-            <a:pPr algn="r" rtl="1"/>
-            <a:r>
-              <a:rPr lang="he-IL" u="sng" dirty="0"/>
-              <a:t>תור דחוף ולא דחוף</a:t>
-            </a:r>
-            <a:endParaRPr lang="he-IL" b="1" u="sng" dirty="0"/>
-          </a:p>
-          <a:p>
-            <a:pPr algn="r" rtl="1"/>
-            <a:r>
-              <a:rPr lang="he-IL" b="0" u="none" dirty="0"/>
-              <a:t>בשביל ליישם את האלגוריתמים על החומרה</a:t>
-            </a:r>
+            <a:endParaRPr lang="en-GB"/>
           </a:p>
         </p:txBody>
       </p:sp>
@@ -1275,7 +1356,7 @@
           <a:p>
             <a:fld id="{D0F0F4D0-0B68-4909-BD31-E8D75B6D4844}" type="slidenum">
               <a:rPr lang="en-GB" smtClean="0"/>
-              <a:t>10</a:t>
+              <a:t>9</a:t>
             </a:fld>
             <a:endParaRPr lang="en-GB"/>
           </a:p>
@@ -1284,7 +1365,7 @@
     </p:spTree>
     <p:extLst>
       <p:ext uri="{BB962C8B-B14F-4D97-AF65-F5344CB8AC3E}">
-        <p14:creationId xmlns:p14="http://schemas.microsoft.com/office/powerpoint/2010/main" val="3317854406"/>
+        <p14:creationId xmlns:p14="http://schemas.microsoft.com/office/powerpoint/2010/main" val="3164039593"/>
       </p:ext>
     </p:extLst>
   </p:cSld>
@@ -1338,7 +1419,19 @@
           <a:bodyPr/>
           <a:lstStyle/>
           <a:p>
-            <a:endParaRPr lang="en-GB" dirty="0"/>
+            <a:pPr algn="r" rtl="1"/>
+            <a:r>
+              <a:rPr lang="he-IL" u="sng" dirty="0"/>
+              <a:t>תור דחוף ולא דחוף</a:t>
+            </a:r>
+            <a:endParaRPr lang="he-IL" b="1" u="sng" dirty="0"/>
+          </a:p>
+          <a:p>
+            <a:pPr algn="r" rtl="1"/>
+            <a:r>
+              <a:rPr lang="he-IL" b="0" u="none" dirty="0"/>
+              <a:t>בשביל ליישם את האלגוריתמים על החומרה</a:t>
+            </a:r>
           </a:p>
         </p:txBody>
       </p:sp>
@@ -1359,7 +1452,7 @@
           <a:p>
             <a:fld id="{D0F0F4D0-0B68-4909-BD31-E8D75B6D4844}" type="slidenum">
               <a:rPr lang="en-GB" smtClean="0"/>
-              <a:t>12</a:t>
+              <a:t>10</a:t>
             </a:fld>
             <a:endParaRPr lang="en-GB"/>
           </a:p>
@@ -1368,7 +1461,7 @@
     </p:spTree>
     <p:extLst>
       <p:ext uri="{BB962C8B-B14F-4D97-AF65-F5344CB8AC3E}">
-        <p14:creationId xmlns:p14="http://schemas.microsoft.com/office/powerpoint/2010/main" val="3560651371"/>
+        <p14:creationId xmlns:p14="http://schemas.microsoft.com/office/powerpoint/2010/main" val="3317854406"/>
       </p:ext>
     </p:extLst>
   </p:cSld>
@@ -1563,7 +1656,7 @@
           <a:p>
             <a:fld id="{EC581497-C12D-4CF1-AD19-6B855D0A2A08}" type="datetimeFigureOut">
               <a:rPr lang="en-GB" smtClean="0"/>
-              <a:t>12/08/2024</a:t>
+              <a:t>19/08/2024</a:t>
             </a:fld>
             <a:endParaRPr lang="en-GB"/>
           </a:p>
@@ -1861,7 +1954,7 @@
           <a:p>
             <a:fld id="{EC581497-C12D-4CF1-AD19-6B855D0A2A08}" type="datetimeFigureOut">
               <a:rPr lang="en-GB" smtClean="0"/>
-              <a:t>12/08/2024</a:t>
+              <a:t>19/08/2024</a:t>
             </a:fld>
             <a:endParaRPr lang="en-GB"/>
           </a:p>
@@ -2053,7 +2146,7 @@
           <a:p>
             <a:fld id="{EC581497-C12D-4CF1-AD19-6B855D0A2A08}" type="datetimeFigureOut">
               <a:rPr lang="en-GB" smtClean="0"/>
-              <a:t>12/08/2024</a:t>
+              <a:t>19/08/2024</a:t>
             </a:fld>
             <a:endParaRPr lang="en-GB"/>
           </a:p>
@@ -2314,7 +2407,7 @@
           <a:p>
             <a:fld id="{EC581497-C12D-4CF1-AD19-6B855D0A2A08}" type="datetimeFigureOut">
               <a:rPr lang="en-GB" smtClean="0"/>
-              <a:t>12/08/2024</a:t>
+              <a:t>19/08/2024</a:t>
             </a:fld>
             <a:endParaRPr lang="en-GB"/>
           </a:p>
@@ -2738,7 +2831,7 @@
           <a:p>
             <a:fld id="{EC581497-C12D-4CF1-AD19-6B855D0A2A08}" type="datetimeFigureOut">
               <a:rPr lang="en-GB" smtClean="0"/>
-              <a:t>12/08/2024</a:t>
+              <a:t>19/08/2024</a:t>
             </a:fld>
             <a:endParaRPr lang="en-GB"/>
           </a:p>
@@ -3275,7 +3368,7 @@
           <a:p>
             <a:fld id="{EC581497-C12D-4CF1-AD19-6B855D0A2A08}" type="datetimeFigureOut">
               <a:rPr lang="en-GB" smtClean="0"/>
-              <a:t>12/08/2024</a:t>
+              <a:t>19/08/2024</a:t>
             </a:fld>
             <a:endParaRPr lang="en-GB"/>
           </a:p>
@@ -4139,7 +4232,7 @@
           <a:p>
             <a:fld id="{EC581497-C12D-4CF1-AD19-6B855D0A2A08}" type="datetimeFigureOut">
               <a:rPr lang="en-GB" smtClean="0"/>
-              <a:t>12/08/2024</a:t>
+              <a:t>19/08/2024</a:t>
             </a:fld>
             <a:endParaRPr lang="en-GB"/>
           </a:p>
@@ -4309,7 +4402,7 @@
           <a:p>
             <a:fld id="{EC581497-C12D-4CF1-AD19-6B855D0A2A08}" type="datetimeFigureOut">
               <a:rPr lang="en-GB" smtClean="0"/>
-              <a:t>12/08/2024</a:t>
+              <a:t>19/08/2024</a:t>
             </a:fld>
             <a:endParaRPr lang="en-GB"/>
           </a:p>
@@ -4493,7 +4586,7 @@
           <a:p>
             <a:fld id="{EC581497-C12D-4CF1-AD19-6B855D0A2A08}" type="datetimeFigureOut">
               <a:rPr lang="en-GB" smtClean="0"/>
-              <a:t>12/08/2024</a:t>
+              <a:t>19/08/2024</a:t>
             </a:fld>
             <a:endParaRPr lang="en-GB"/>
           </a:p>
@@ -4663,7 +4756,7 @@
           <a:p>
             <a:fld id="{EC581497-C12D-4CF1-AD19-6B855D0A2A08}" type="datetimeFigureOut">
               <a:rPr lang="en-GB" smtClean="0"/>
-              <a:t>12/08/2024</a:t>
+              <a:t>19/08/2024</a:t>
             </a:fld>
             <a:endParaRPr lang="en-GB"/>
           </a:p>
@@ -4907,7 +5000,7 @@
           <a:p>
             <a:fld id="{EC581497-C12D-4CF1-AD19-6B855D0A2A08}" type="datetimeFigureOut">
               <a:rPr lang="en-GB" smtClean="0"/>
-              <a:t>12/08/2024</a:t>
+              <a:t>19/08/2024</a:t>
             </a:fld>
             <a:endParaRPr lang="en-GB"/>
           </a:p>
@@ -5143,7 +5236,7 @@
           <a:p>
             <a:fld id="{EC581497-C12D-4CF1-AD19-6B855D0A2A08}" type="datetimeFigureOut">
               <a:rPr lang="en-GB" smtClean="0"/>
-              <a:t>12/08/2024</a:t>
+              <a:t>19/08/2024</a:t>
             </a:fld>
             <a:endParaRPr lang="en-GB"/>
           </a:p>
@@ -5609,7 +5702,7 @@
           <a:p>
             <a:fld id="{EC581497-C12D-4CF1-AD19-6B855D0A2A08}" type="datetimeFigureOut">
               <a:rPr lang="en-GB" smtClean="0"/>
-              <a:t>12/08/2024</a:t>
+              <a:t>19/08/2024</a:t>
             </a:fld>
             <a:endParaRPr lang="en-GB"/>
           </a:p>
@@ -5727,7 +5820,7 @@
           <a:p>
             <a:fld id="{EC581497-C12D-4CF1-AD19-6B855D0A2A08}" type="datetimeFigureOut">
               <a:rPr lang="en-GB" smtClean="0"/>
-              <a:t>12/08/2024</a:t>
+              <a:t>19/08/2024</a:t>
             </a:fld>
             <a:endParaRPr lang="en-GB"/>
           </a:p>
@@ -5822,7 +5915,7 @@
           <a:p>
             <a:fld id="{EC581497-C12D-4CF1-AD19-6B855D0A2A08}" type="datetimeFigureOut">
               <a:rPr lang="en-GB" smtClean="0"/>
-              <a:t>12/08/2024</a:t>
+              <a:t>19/08/2024</a:t>
             </a:fld>
             <a:endParaRPr lang="en-GB"/>
           </a:p>
@@ -6077,7 +6170,7 @@
           <a:p>
             <a:fld id="{EC581497-C12D-4CF1-AD19-6B855D0A2A08}" type="datetimeFigureOut">
               <a:rPr lang="en-GB" smtClean="0"/>
-              <a:t>12/08/2024</a:t>
+              <a:t>19/08/2024</a:t>
             </a:fld>
             <a:endParaRPr lang="en-GB"/>
           </a:p>
@@ -6377,7 +6470,7 @@
           <a:p>
             <a:fld id="{EC581497-C12D-4CF1-AD19-6B855D0A2A08}" type="datetimeFigureOut">
               <a:rPr lang="en-GB" smtClean="0"/>
-              <a:t>12/08/2024</a:t>
+              <a:t>19/08/2024</a:t>
             </a:fld>
             <a:endParaRPr lang="en-GB"/>
           </a:p>
@@ -6611,7 +6704,7 @@
           <a:p>
             <a:fld id="{EC581497-C12D-4CF1-AD19-6B855D0A2A08}" type="datetimeFigureOut">
               <a:rPr lang="en-GB" smtClean="0"/>
-              <a:t>12/08/2024</a:t>
+              <a:t>19/08/2024</a:t>
             </a:fld>
             <a:endParaRPr lang="en-GB"/>
           </a:p>
@@ -9894,7 +9987,7 @@
           <p:nvPr/>
         </p:nvPicPr>
         <p:blipFill>
-          <a:blip r:embed="rId2">
+          <a:blip r:embed="rId3">
             <a:extLst>
               <a:ext uri="{28A0092B-C50C-407E-A947-70E740481C1C}">
                 <a14:useLocalDpi xmlns:a14="http://schemas.microsoft.com/office/drawing/2010/main" val="0"/>

--- a/presentation.pptx
+++ b/presentation.pptx
@@ -800,45 +800,7 @@
           <a:p>
             <a:pPr algn="r" rtl="1"/>
             <a:r>
-              <a:rPr lang="he-IL" b="1" dirty="0" err="1"/>
-              <a:t>קירובים</a:t>
-            </a:r>
-            <a:endParaRPr lang="he-IL" b="0" dirty="0"/>
-          </a:p>
-          <a:p>
-            <a:pPr algn="r" rtl="1"/>
-            <a:r>
-              <a:rPr lang="he-IL" b="0" dirty="0"/>
-              <a:t>אי אפשר לפתור בעיות </a:t>
-            </a:r>
-            <a:r>
-              <a:rPr lang="en-US" b="0" dirty="0"/>
-              <a:t>NP</a:t>
-            </a:r>
-            <a:r>
-              <a:rPr lang="he-IL" b="0" dirty="0"/>
-              <a:t> קשות</a:t>
-            </a:r>
-          </a:p>
-          <a:p>
-            <a:pPr algn="r" rtl="1"/>
-            <a:endParaRPr lang="he-IL" b="1" dirty="0"/>
-          </a:p>
-          <a:p>
-            <a:pPr algn="r" rtl="1"/>
-            <a:r>
-              <a:rPr lang="he-IL" b="1" dirty="0"/>
-              <a:t>הבעיה הפשוטה ביותר</a:t>
-            </a:r>
-          </a:p>
-          <a:p>
-            <a:pPr algn="r" rtl="1"/>
-            <a:endParaRPr lang="he-IL" b="1" dirty="0"/>
-          </a:p>
-          <a:p>
-            <a:pPr algn="r" rtl="1"/>
-            <a:r>
-              <a:rPr lang="he-IL" b="1" dirty="0"/>
+              <a:rPr lang="he-IL" b="1"/>
               <a:t>רדוקציה</a:t>
             </a:r>
             <a:endParaRPr lang="he-IL" b="0" dirty="0"/>
